--- a/tour_project_03.pptx
+++ b/tour_project_03.pptx
@@ -7,18 +7,19 @@
   <p:sldIdLst>
     <p:sldId id="262" r:id="rId2"/>
     <p:sldId id="284" r:id="rId3"/>
-    <p:sldId id="290" r:id="rId4"/>
-    <p:sldId id="299" r:id="rId5"/>
-    <p:sldId id="300" r:id="rId6"/>
-    <p:sldId id="292" r:id="rId7"/>
-    <p:sldId id="293" r:id="rId8"/>
-    <p:sldId id="294" r:id="rId9"/>
-    <p:sldId id="295" r:id="rId10"/>
-    <p:sldId id="296" r:id="rId11"/>
-    <p:sldId id="297" r:id="rId12"/>
-    <p:sldId id="298" r:id="rId13"/>
-    <p:sldId id="289" r:id="rId14"/>
-    <p:sldId id="261" r:id="rId15"/>
+    <p:sldId id="292" r:id="rId4"/>
+    <p:sldId id="293" r:id="rId5"/>
+    <p:sldId id="294" r:id="rId6"/>
+    <p:sldId id="295" r:id="rId7"/>
+    <p:sldId id="296" r:id="rId8"/>
+    <p:sldId id="297" r:id="rId9"/>
+    <p:sldId id="298" r:id="rId10"/>
+    <p:sldId id="301" r:id="rId11"/>
+    <p:sldId id="290" r:id="rId12"/>
+    <p:sldId id="299" r:id="rId13"/>
+    <p:sldId id="300" r:id="rId14"/>
+    <p:sldId id="289" r:id="rId15"/>
+    <p:sldId id="261" r:id="rId16"/>
   </p:sldIdLst>
   <p:sldSz cx="12192000" cy="6858000"/>
   <p:notesSz cx="6858000" cy="9144000"/>
@@ -3816,55 +3817,6 @@
       </p:grpSpPr>
       <p:sp>
         <p:nvSpPr>
-          <p:cNvPr id="16" name="직사각형 15">
-            <a:extLst>
-              <a:ext uri="{FF2B5EF4-FFF2-40B4-BE49-F238E27FC236}">
-                <a16:creationId xmlns:a16="http://schemas.microsoft.com/office/drawing/2014/main" id="{0DE9F634-4134-4BCF-879A-017CFBF4E700}"/>
-              </a:ext>
-            </a:extLst>
-          </p:cNvPr>
-          <p:cNvSpPr/>
-          <p:nvPr/>
-        </p:nvSpPr>
-        <p:spPr>
-          <a:xfrm>
-            <a:off x="11148933" y="6814543"/>
-            <a:ext cx="626228" cy="45719"/>
-          </a:xfrm>
-          <a:prstGeom prst="rect">
-            <a:avLst/>
-          </a:prstGeom>
-          <a:ln>
-            <a:noFill/>
-          </a:ln>
-        </p:spPr>
-        <p:style>
-          <a:lnRef idx="2">
-            <a:schemeClr val="accent1">
-              <a:shade val="50000"/>
-            </a:schemeClr>
-          </a:lnRef>
-          <a:fillRef idx="1">
-            <a:schemeClr val="accent1"/>
-          </a:fillRef>
-          <a:effectRef idx="0">
-            <a:schemeClr val="accent1"/>
-          </a:effectRef>
-          <a:fontRef idx="minor">
-            <a:schemeClr val="lt1"/>
-          </a:fontRef>
-        </p:style>
-        <p:txBody>
-          <a:bodyPr rtlCol="0" anchor="ctr"/>
-          <a:lstStyle/>
-          <a:p>
-            <a:pPr algn="ctr"/>
-            <a:endParaRPr lang="ko-KR" altLang="en-US"/>
-          </a:p>
-        </p:txBody>
-      </p:sp>
-      <p:sp>
-        <p:nvSpPr>
           <p:cNvPr id="17" name="TextBox 16">
             <a:extLst>
               <a:ext uri="{FF2B5EF4-FFF2-40B4-BE49-F238E27FC236}">
@@ -4160,10 +4112,10 @@
       </p:sp>
       <p:pic>
         <p:nvPicPr>
-          <p:cNvPr id="3" name="그림 2">
-            <a:extLst>
-              <a:ext uri="{FF2B5EF4-FFF2-40B4-BE49-F238E27FC236}">
-                <a16:creationId xmlns:a16="http://schemas.microsoft.com/office/drawing/2014/main" id="{872FF3FE-D1FF-46F6-ACA1-581CE89A61BB}"/>
+          <p:cNvPr id="4" name="그림 3">
+            <a:extLst>
+              <a:ext uri="{FF2B5EF4-FFF2-40B4-BE49-F238E27FC236}">
+                <a16:creationId xmlns:a16="http://schemas.microsoft.com/office/drawing/2014/main" id="{245F6C91-0268-4E1E-8824-ECE4971C9EFC}"/>
               </a:ext>
             </a:extLst>
           </p:cNvPr>
@@ -4180,8 +4132,8 @@
         </p:blipFill>
         <p:spPr>
           <a:xfrm>
-            <a:off x="1557667" y="1403131"/>
-            <a:ext cx="9218559" cy="5038510"/>
+            <a:off x="1247775" y="1303118"/>
+            <a:ext cx="9696450" cy="4924425"/>
           </a:xfrm>
           <a:prstGeom prst="rect">
             <a:avLst/>
@@ -4191,7 +4143,7 @@
     </p:spTree>
     <p:extLst>
       <p:ext uri="{BB962C8B-B14F-4D97-AF65-F5344CB8AC3E}">
-        <p14:creationId xmlns:p14="http://schemas.microsoft.com/office/powerpoint/2010/main" val="2821930374"/>
+        <p14:creationId xmlns:p14="http://schemas.microsoft.com/office/powerpoint/2010/main" val="3420871575"/>
       </p:ext>
     </p:extLst>
   </p:cSld>
@@ -4294,7 +4246,7 @@
         <p:spPr>
           <a:xfrm>
             <a:off x="441438" y="356959"/>
-            <a:ext cx="3770584" cy="769441"/>
+            <a:ext cx="2890535" cy="769441"/>
           </a:xfrm>
           <a:prstGeom prst="rect">
             <a:avLst/>
@@ -4307,19 +4259,6 @@
           </a:bodyPr>
           <a:lstStyle/>
           <a:p>
-            <a:r>
-              <a:rPr lang="en-US" altLang="ko-KR" sz="4400" dirty="0">
-                <a:solidFill>
-                  <a:schemeClr val="tx1">
-                    <a:lumMod val="85000"/>
-                    <a:lumOff val="15000"/>
-                  </a:schemeClr>
-                </a:solidFill>
-                <a:latin typeface="+mj-ea"/>
-                <a:ea typeface="+mj-ea"/>
-              </a:rPr>
-              <a:t>DB</a:t>
-            </a:r>
             <a:r>
               <a:rPr lang="ko-KR" altLang="en-US" sz="4400" dirty="0">
                 <a:solidFill>
@@ -4331,33 +4270,7 @@
                 <a:latin typeface="+mj-ea"/>
                 <a:ea typeface="+mj-ea"/>
               </a:rPr>
-              <a:t> 및 </a:t>
-            </a:r>
-            <a:r>
-              <a:rPr lang="en-US" altLang="ko-KR" sz="4400" dirty="0">
-                <a:solidFill>
-                  <a:schemeClr val="tx1">
-                    <a:lumMod val="85000"/>
-                    <a:lumOff val="15000"/>
-                  </a:schemeClr>
-                </a:solidFill>
-                <a:latin typeface="+mj-ea"/>
-                <a:ea typeface="+mj-ea"/>
-              </a:rPr>
-              <a:t>API </a:t>
-            </a:r>
-            <a:r>
-              <a:rPr lang="ko-KR" altLang="en-US" sz="4400" dirty="0">
-                <a:solidFill>
-                  <a:schemeClr val="tx1">
-                    <a:lumMod val="85000"/>
-                    <a:lumOff val="15000"/>
-                  </a:schemeClr>
-                </a:solidFill>
-                <a:latin typeface="+mj-ea"/>
-                <a:ea typeface="+mj-ea"/>
-              </a:rPr>
-              <a:t>설계</a:t>
+              <a:t>페이지 설계</a:t>
             </a:r>
           </a:p>
         </p:txBody>
@@ -4490,96 +4403,12 @@
           </a:p>
         </p:txBody>
       </p:sp>
-      <p:sp>
-        <p:nvSpPr>
-          <p:cNvPr id="7" name="TextBox 6">
-            <a:extLst>
-              <a:ext uri="{FF2B5EF4-FFF2-40B4-BE49-F238E27FC236}">
-                <a16:creationId xmlns:a16="http://schemas.microsoft.com/office/drawing/2014/main" id="{27C50A32-0E2E-4F6B-9D33-D351463586A4}"/>
-              </a:ext>
-            </a:extLst>
-          </p:cNvPr>
-          <p:cNvSpPr txBox="1"/>
-          <p:nvPr/>
-        </p:nvSpPr>
-        <p:spPr>
-          <a:xfrm>
-            <a:off x="4514197" y="541624"/>
-            <a:ext cx="3305500" cy="400110"/>
-          </a:xfrm>
-          <a:prstGeom prst="rect">
-            <a:avLst/>
-          </a:prstGeom>
-          <a:noFill/>
-        </p:spPr>
-        <p:txBody>
-          <a:bodyPr wrap="square" rtlCol="0">
-            <a:spAutoFit/>
-          </a:bodyPr>
-          <a:lstStyle/>
-          <a:p>
-            <a:r>
-              <a:rPr lang="en-US" altLang="ko-KR" sz="2000" dirty="0">
-                <a:solidFill>
-                  <a:schemeClr val="tx1">
-                    <a:lumMod val="85000"/>
-                    <a:lumOff val="15000"/>
-                  </a:schemeClr>
-                </a:solidFill>
-                <a:latin typeface="+mj-ea"/>
-                <a:ea typeface="+mj-ea"/>
-              </a:rPr>
-              <a:t>GIS</a:t>
-            </a:r>
-            <a:r>
-              <a:rPr lang="ko-KR" altLang="en-US" sz="2000" dirty="0">
-                <a:solidFill>
-                  <a:schemeClr val="tx1">
-                    <a:lumMod val="85000"/>
-                    <a:lumOff val="15000"/>
-                  </a:schemeClr>
-                </a:solidFill>
-                <a:latin typeface="+mj-ea"/>
-                <a:ea typeface="+mj-ea"/>
-              </a:rPr>
-              <a:t> </a:t>
-            </a:r>
-            <a:r>
-              <a:rPr lang="en-US" altLang="ko-KR" sz="2000" dirty="0">
-                <a:solidFill>
-                  <a:schemeClr val="tx1">
-                    <a:lumMod val="85000"/>
-                    <a:lumOff val="15000"/>
-                  </a:schemeClr>
-                </a:solidFill>
-                <a:latin typeface="+mj-ea"/>
-                <a:ea typeface="+mj-ea"/>
-              </a:rPr>
-              <a:t>– C</a:t>
-            </a:r>
-            <a:r>
-              <a:rPr lang="en-US" altLang="ko-KR" dirty="0"/>
-              <a:t>ulture Oasis</a:t>
-            </a:r>
-            <a:endParaRPr lang="ko-KR" altLang="en-US" sz="2000" dirty="0">
-              <a:solidFill>
-                <a:schemeClr val="tx1">
-                  <a:lumMod val="85000"/>
-                  <a:lumOff val="15000"/>
-                </a:schemeClr>
-              </a:solidFill>
-              <a:latin typeface="+mj-ea"/>
-              <a:ea typeface="+mj-ea"/>
-            </a:endParaRPr>
-          </a:p>
-        </p:txBody>
-      </p:sp>
       <p:pic>
         <p:nvPicPr>
-          <p:cNvPr id="4" name="그림 3">
-            <a:extLst>
-              <a:ext uri="{FF2B5EF4-FFF2-40B4-BE49-F238E27FC236}">
-                <a16:creationId xmlns:a16="http://schemas.microsoft.com/office/drawing/2014/main" id="{C55CAD89-0AB0-407E-B8BF-2DADC38719D1}"/>
+          <p:cNvPr id="3" name="그림 2">
+            <a:extLst>
+              <a:ext uri="{FF2B5EF4-FFF2-40B4-BE49-F238E27FC236}">
+                <a16:creationId xmlns:a16="http://schemas.microsoft.com/office/drawing/2014/main" id="{BB2A76BE-1B43-486E-AD7C-2898C153458A}"/>
               </a:ext>
             </a:extLst>
           </p:cNvPr>
@@ -4596,8 +4425,8 @@
         </p:blipFill>
         <p:spPr>
           <a:xfrm>
-            <a:off x="2675173" y="1126400"/>
-            <a:ext cx="6841654" cy="5688143"/>
+            <a:off x="1602331" y="1486370"/>
+            <a:ext cx="8987338" cy="4891952"/>
           </a:xfrm>
           <a:prstGeom prst="rect">
             <a:avLst/>
@@ -4607,7 +4436,7 @@
     </p:spTree>
     <p:extLst>
       <p:ext uri="{BB962C8B-B14F-4D97-AF65-F5344CB8AC3E}">
-        <p14:creationId xmlns:p14="http://schemas.microsoft.com/office/powerpoint/2010/main" val="2482912631"/>
+        <p14:creationId xmlns:p14="http://schemas.microsoft.com/office/powerpoint/2010/main" val="1716743506"/>
       </p:ext>
     </p:extLst>
   </p:cSld>
@@ -4648,2028 +4477,6 @@
       </p:grpSpPr>
       <p:sp>
         <p:nvSpPr>
-          <p:cNvPr id="17" name="TextBox 16">
-            <a:extLst>
-              <a:ext uri="{FF2B5EF4-FFF2-40B4-BE49-F238E27FC236}">
-                <a16:creationId xmlns:a16="http://schemas.microsoft.com/office/drawing/2014/main" id="{68566875-F742-43B6-8CFC-F95662D18BE7}"/>
-              </a:ext>
-            </a:extLst>
-          </p:cNvPr>
-          <p:cNvSpPr txBox="1"/>
-          <p:nvPr/>
-        </p:nvSpPr>
-        <p:spPr>
-          <a:xfrm>
-            <a:off x="441438" y="356959"/>
-            <a:ext cx="3770584" cy="769441"/>
-          </a:xfrm>
-          <a:prstGeom prst="rect">
-            <a:avLst/>
-          </a:prstGeom>
-          <a:noFill/>
-        </p:spPr>
-        <p:txBody>
-          <a:bodyPr wrap="none" rtlCol="0">
-            <a:spAutoFit/>
-          </a:bodyPr>
-          <a:lstStyle/>
-          <a:p>
-            <a:r>
-              <a:rPr lang="en-US" altLang="ko-KR" sz="4400" dirty="0">
-                <a:solidFill>
-                  <a:schemeClr val="tx1">
-                    <a:lumMod val="85000"/>
-                    <a:lumOff val="15000"/>
-                  </a:schemeClr>
-                </a:solidFill>
-                <a:latin typeface="+mj-ea"/>
-                <a:ea typeface="+mj-ea"/>
-              </a:rPr>
-              <a:t>DB</a:t>
-            </a:r>
-            <a:r>
-              <a:rPr lang="ko-KR" altLang="en-US" sz="4400" dirty="0">
-                <a:solidFill>
-                  <a:schemeClr val="tx1">
-                    <a:lumMod val="85000"/>
-                    <a:lumOff val="15000"/>
-                  </a:schemeClr>
-                </a:solidFill>
-                <a:latin typeface="+mj-ea"/>
-                <a:ea typeface="+mj-ea"/>
-              </a:rPr>
-              <a:t> 및 </a:t>
-            </a:r>
-            <a:r>
-              <a:rPr lang="en-US" altLang="ko-KR" sz="4400" dirty="0">
-                <a:solidFill>
-                  <a:schemeClr val="tx1">
-                    <a:lumMod val="85000"/>
-                    <a:lumOff val="15000"/>
-                  </a:schemeClr>
-                </a:solidFill>
-                <a:latin typeface="+mj-ea"/>
-                <a:ea typeface="+mj-ea"/>
-              </a:rPr>
-              <a:t>API </a:t>
-            </a:r>
-            <a:r>
-              <a:rPr lang="ko-KR" altLang="en-US" sz="4400" dirty="0">
-                <a:solidFill>
-                  <a:schemeClr val="tx1">
-                    <a:lumMod val="85000"/>
-                    <a:lumOff val="15000"/>
-                  </a:schemeClr>
-                </a:solidFill>
-                <a:latin typeface="+mj-ea"/>
-                <a:ea typeface="+mj-ea"/>
-              </a:rPr>
-              <a:t>설계</a:t>
-            </a:r>
-          </a:p>
-        </p:txBody>
-      </p:sp>
-      <p:cxnSp>
-        <p:nvCxnSpPr>
-          <p:cNvPr id="18" name="직선 연결선 17">
-            <a:extLst>
-              <a:ext uri="{FF2B5EF4-FFF2-40B4-BE49-F238E27FC236}">
-                <a16:creationId xmlns:a16="http://schemas.microsoft.com/office/drawing/2014/main" id="{5134904B-0486-4E2E-823B-1014BD3BCBFD}"/>
-              </a:ext>
-            </a:extLst>
-          </p:cNvPr>
-          <p:cNvCxnSpPr>
-            <a:cxnSpLocks/>
-          </p:cNvCxnSpPr>
-          <p:nvPr/>
-        </p:nvCxnSpPr>
-        <p:spPr>
-          <a:xfrm>
-            <a:off x="11999710" y="1966048"/>
-            <a:ext cx="0" cy="4891952"/>
-          </a:xfrm>
-          <a:prstGeom prst="line">
-            <a:avLst/>
-          </a:prstGeom>
-        </p:spPr>
-        <p:style>
-          <a:lnRef idx="1">
-            <a:schemeClr val="accent1"/>
-          </a:lnRef>
-          <a:fillRef idx="0">
-            <a:schemeClr val="accent1"/>
-          </a:fillRef>
-          <a:effectRef idx="0">
-            <a:schemeClr val="accent1"/>
-          </a:effectRef>
-          <a:fontRef idx="minor">
-            <a:schemeClr val="tx1"/>
-          </a:fontRef>
-        </p:style>
-      </p:cxnSp>
-      <p:cxnSp>
-        <p:nvCxnSpPr>
-          <p:cNvPr id="19" name="직선 연결선 18">
-            <a:extLst>
-              <a:ext uri="{FF2B5EF4-FFF2-40B4-BE49-F238E27FC236}">
-                <a16:creationId xmlns:a16="http://schemas.microsoft.com/office/drawing/2014/main" id="{7139EBB0-C8E5-4548-B458-0E99FD0FB0C8}"/>
-              </a:ext>
-            </a:extLst>
-          </p:cNvPr>
-          <p:cNvCxnSpPr>
-            <a:cxnSpLocks/>
-          </p:cNvCxnSpPr>
-          <p:nvPr/>
-        </p:nvCxnSpPr>
-        <p:spPr>
-          <a:xfrm>
-            <a:off x="11999710" y="0"/>
-            <a:ext cx="0" cy="741680"/>
-          </a:xfrm>
-          <a:prstGeom prst="line">
-            <a:avLst/>
-          </a:prstGeom>
-        </p:spPr>
-        <p:style>
-          <a:lnRef idx="1">
-            <a:schemeClr val="accent1"/>
-          </a:lnRef>
-          <a:fillRef idx="0">
-            <a:schemeClr val="accent1"/>
-          </a:fillRef>
-          <a:effectRef idx="0">
-            <a:schemeClr val="accent1"/>
-          </a:effectRef>
-          <a:fontRef idx="minor">
-            <a:schemeClr val="tx1"/>
-          </a:fontRef>
-        </p:style>
-      </p:cxnSp>
-      <p:sp>
-        <p:nvSpPr>
-          <p:cNvPr id="2" name="직사각형 1">
-            <a:extLst>
-              <a:ext uri="{FF2B5EF4-FFF2-40B4-BE49-F238E27FC236}">
-                <a16:creationId xmlns:a16="http://schemas.microsoft.com/office/drawing/2014/main" id="{7F536447-68DC-48F5-91DF-64517A83FA3C}"/>
-              </a:ext>
-            </a:extLst>
-          </p:cNvPr>
-          <p:cNvSpPr/>
-          <p:nvPr/>
-        </p:nvSpPr>
-        <p:spPr>
-          <a:xfrm>
-            <a:off x="441438" y="4582510"/>
-            <a:ext cx="1019500" cy="872359"/>
-          </a:xfrm>
-          <a:prstGeom prst="rect">
-            <a:avLst/>
-          </a:prstGeom>
-          <a:solidFill>
-            <a:schemeClr val="bg1"/>
-          </a:solidFill>
-          <a:ln>
-            <a:noFill/>
-          </a:ln>
-        </p:spPr>
-        <p:style>
-          <a:lnRef idx="2">
-            <a:schemeClr val="accent1">
-              <a:shade val="50000"/>
-            </a:schemeClr>
-          </a:lnRef>
-          <a:fillRef idx="1">
-            <a:schemeClr val="accent1"/>
-          </a:fillRef>
-          <a:effectRef idx="0">
-            <a:schemeClr val="accent1"/>
-          </a:effectRef>
-          <a:fontRef idx="minor">
-            <a:schemeClr val="lt1"/>
-          </a:fontRef>
-        </p:style>
-        <p:txBody>
-          <a:bodyPr rtlCol="0" anchor="ctr"/>
-          <a:lstStyle/>
-          <a:p>
-            <a:pPr algn="ctr"/>
-            <a:endParaRPr lang="ko-KR" altLang="en-US"/>
-          </a:p>
-        </p:txBody>
-      </p:sp>
-      <p:sp>
-        <p:nvSpPr>
-          <p:cNvPr id="7" name="TextBox 6">
-            <a:extLst>
-              <a:ext uri="{FF2B5EF4-FFF2-40B4-BE49-F238E27FC236}">
-                <a16:creationId xmlns:a16="http://schemas.microsoft.com/office/drawing/2014/main" id="{27C50A32-0E2E-4F6B-9D33-D351463586A4}"/>
-              </a:ext>
-            </a:extLst>
-          </p:cNvPr>
-          <p:cNvSpPr txBox="1"/>
-          <p:nvPr/>
-        </p:nvSpPr>
-        <p:spPr>
-          <a:xfrm>
-            <a:off x="4514197" y="541624"/>
-            <a:ext cx="3305500" cy="400110"/>
-          </a:xfrm>
-          <a:prstGeom prst="rect">
-            <a:avLst/>
-          </a:prstGeom>
-          <a:noFill/>
-        </p:spPr>
-        <p:txBody>
-          <a:bodyPr wrap="square" rtlCol="0">
-            <a:spAutoFit/>
-          </a:bodyPr>
-          <a:lstStyle/>
-          <a:p>
-            <a:r>
-              <a:rPr lang="en-US" altLang="ko-KR" sz="2000" dirty="0">
-                <a:solidFill>
-                  <a:schemeClr val="tx1">
-                    <a:lumMod val="85000"/>
-                    <a:lumOff val="15000"/>
-                  </a:schemeClr>
-                </a:solidFill>
-                <a:latin typeface="+mj-ea"/>
-                <a:ea typeface="+mj-ea"/>
-              </a:rPr>
-              <a:t>GIS</a:t>
-            </a:r>
-            <a:r>
-              <a:rPr lang="ko-KR" altLang="en-US" sz="2000" dirty="0">
-                <a:solidFill>
-                  <a:schemeClr val="tx1">
-                    <a:lumMod val="85000"/>
-                    <a:lumOff val="15000"/>
-                  </a:schemeClr>
-                </a:solidFill>
-                <a:latin typeface="+mj-ea"/>
-                <a:ea typeface="+mj-ea"/>
-              </a:rPr>
-              <a:t> </a:t>
-            </a:r>
-            <a:r>
-              <a:rPr lang="en-US" altLang="ko-KR" sz="2000" dirty="0">
-                <a:solidFill>
-                  <a:schemeClr val="tx1">
-                    <a:lumMod val="85000"/>
-                    <a:lumOff val="15000"/>
-                  </a:schemeClr>
-                </a:solidFill>
-                <a:latin typeface="+mj-ea"/>
-                <a:ea typeface="+mj-ea"/>
-              </a:rPr>
-              <a:t>– C</a:t>
-            </a:r>
-            <a:r>
-              <a:rPr lang="en-US" altLang="ko-KR" dirty="0"/>
-              <a:t>ulture Oasis</a:t>
-            </a:r>
-            <a:endParaRPr lang="ko-KR" altLang="en-US" sz="2000" dirty="0">
-              <a:solidFill>
-                <a:schemeClr val="tx1">
-                  <a:lumMod val="85000"/>
-                  <a:lumOff val="15000"/>
-                </a:schemeClr>
-              </a:solidFill>
-              <a:latin typeface="+mj-ea"/>
-              <a:ea typeface="+mj-ea"/>
-            </a:endParaRPr>
-          </a:p>
-        </p:txBody>
-      </p:sp>
-      <p:sp>
-        <p:nvSpPr>
-          <p:cNvPr id="3" name="직사각형 2">
-            <a:extLst>
-              <a:ext uri="{FF2B5EF4-FFF2-40B4-BE49-F238E27FC236}">
-                <a16:creationId xmlns:a16="http://schemas.microsoft.com/office/drawing/2014/main" id="{8826F9AD-4399-42BB-BB54-A4C93ED6DD7F}"/>
-              </a:ext>
-            </a:extLst>
-          </p:cNvPr>
-          <p:cNvSpPr/>
-          <p:nvPr/>
-        </p:nvSpPr>
-        <p:spPr>
-          <a:xfrm>
-            <a:off x="1366345" y="2522483"/>
-            <a:ext cx="3689120" cy="2364827"/>
-          </a:xfrm>
-          <a:prstGeom prst="rect">
-            <a:avLst/>
-          </a:prstGeom>
-          <a:ln>
-            <a:noFill/>
-          </a:ln>
-        </p:spPr>
-        <p:style>
-          <a:lnRef idx="2">
-            <a:schemeClr val="accent1">
-              <a:shade val="50000"/>
-            </a:schemeClr>
-          </a:lnRef>
-          <a:fillRef idx="1">
-            <a:schemeClr val="accent1"/>
-          </a:fillRef>
-          <a:effectRef idx="0">
-            <a:schemeClr val="accent1"/>
-          </a:effectRef>
-          <a:fontRef idx="minor">
-            <a:schemeClr val="lt1"/>
-          </a:fontRef>
-        </p:style>
-        <p:txBody>
-          <a:bodyPr rtlCol="0" anchor="ctr"/>
-          <a:lstStyle/>
-          <a:p>
-            <a:pPr algn="ctr"/>
-            <a:r>
-              <a:rPr lang="en-US" altLang="ko-KR" sz="3600" dirty="0"/>
-              <a:t>Oasis</a:t>
-            </a:r>
-            <a:endParaRPr lang="ko-KR" altLang="en-US" sz="3600" dirty="0"/>
-          </a:p>
-        </p:txBody>
-      </p:sp>
-      <p:sp>
-        <p:nvSpPr>
-          <p:cNvPr id="11" name="직사각형 10">
-            <a:extLst>
-              <a:ext uri="{FF2B5EF4-FFF2-40B4-BE49-F238E27FC236}">
-                <a16:creationId xmlns:a16="http://schemas.microsoft.com/office/drawing/2014/main" id="{72806942-DD2C-4C52-8920-F4C2EDC7EAD9}"/>
-              </a:ext>
-            </a:extLst>
-          </p:cNvPr>
-          <p:cNvSpPr/>
-          <p:nvPr/>
-        </p:nvSpPr>
-        <p:spPr>
-          <a:xfrm>
-            <a:off x="6367716" y="1226948"/>
-            <a:ext cx="4319742" cy="641745"/>
-          </a:xfrm>
-          <a:prstGeom prst="rect">
-            <a:avLst/>
-          </a:prstGeom>
-          <a:solidFill>
-            <a:schemeClr val="accent2">
-              <a:lumMod val="50000"/>
-            </a:schemeClr>
-          </a:solidFill>
-          <a:ln>
-            <a:noFill/>
-          </a:ln>
-        </p:spPr>
-        <p:style>
-          <a:lnRef idx="2">
-            <a:schemeClr val="accent1">
-              <a:shade val="50000"/>
-            </a:schemeClr>
-          </a:lnRef>
-          <a:fillRef idx="1">
-            <a:schemeClr val="accent1"/>
-          </a:fillRef>
-          <a:effectRef idx="0">
-            <a:schemeClr val="accent1"/>
-          </a:effectRef>
-          <a:fontRef idx="minor">
-            <a:schemeClr val="lt1"/>
-          </a:fontRef>
-        </p:style>
-        <p:txBody>
-          <a:bodyPr rtlCol="0" anchor="ctr"/>
-          <a:lstStyle/>
-          <a:p>
-            <a:pPr algn="ctr"/>
-            <a:r>
-              <a:rPr lang="ko-KR" altLang="en-US" dirty="0"/>
-              <a:t>활동 분야 </a:t>
-            </a:r>
-            <a:r>
-              <a:rPr lang="en-US" altLang="ko-KR" dirty="0"/>
-              <a:t>+</a:t>
-            </a:r>
-            <a:r>
-              <a:rPr lang="ko-KR" altLang="en-US" dirty="0"/>
-              <a:t> 내용</a:t>
-            </a:r>
-          </a:p>
-        </p:txBody>
-      </p:sp>
-      <p:sp>
-        <p:nvSpPr>
-          <p:cNvPr id="12" name="직사각형 11">
-            <a:extLst>
-              <a:ext uri="{FF2B5EF4-FFF2-40B4-BE49-F238E27FC236}">
-                <a16:creationId xmlns:a16="http://schemas.microsoft.com/office/drawing/2014/main" id="{2CAAFB54-2D85-49F7-86A4-C5FD96E028FF}"/>
-              </a:ext>
-            </a:extLst>
-          </p:cNvPr>
-          <p:cNvSpPr/>
-          <p:nvPr/>
-        </p:nvSpPr>
-        <p:spPr>
-          <a:xfrm>
-            <a:off x="6396919" y="3338546"/>
-            <a:ext cx="4319742" cy="641745"/>
-          </a:xfrm>
-          <a:prstGeom prst="rect">
-            <a:avLst/>
-          </a:prstGeom>
-          <a:solidFill>
-            <a:schemeClr val="accent3">
-              <a:lumMod val="60000"/>
-              <a:lumOff val="40000"/>
-            </a:schemeClr>
-          </a:solidFill>
-          <a:ln>
-            <a:noFill/>
-          </a:ln>
-        </p:spPr>
-        <p:style>
-          <a:lnRef idx="2">
-            <a:schemeClr val="accent1">
-              <a:shade val="50000"/>
-            </a:schemeClr>
-          </a:lnRef>
-          <a:fillRef idx="1">
-            <a:schemeClr val="accent1"/>
-          </a:fillRef>
-          <a:effectRef idx="0">
-            <a:schemeClr val="accent1"/>
-          </a:effectRef>
-          <a:fontRef idx="minor">
-            <a:schemeClr val="lt1"/>
-          </a:fontRef>
-        </p:style>
-        <p:txBody>
-          <a:bodyPr rtlCol="0" anchor="ctr"/>
-          <a:lstStyle/>
-          <a:p>
-            <a:pPr algn="ctr"/>
-            <a:r>
-              <a:rPr lang="ko-KR" altLang="en-US" dirty="0"/>
-              <a:t>고유 번호</a:t>
-            </a:r>
-          </a:p>
-        </p:txBody>
-      </p:sp>
-      <p:sp>
-        <p:nvSpPr>
-          <p:cNvPr id="13" name="직사각형 12">
-            <a:extLst>
-              <a:ext uri="{FF2B5EF4-FFF2-40B4-BE49-F238E27FC236}">
-                <a16:creationId xmlns:a16="http://schemas.microsoft.com/office/drawing/2014/main" id="{84CF4A93-066D-466E-B07A-61306DF9DA48}"/>
-              </a:ext>
-            </a:extLst>
-          </p:cNvPr>
-          <p:cNvSpPr/>
-          <p:nvPr/>
-        </p:nvSpPr>
-        <p:spPr>
-          <a:xfrm>
-            <a:off x="6396919" y="4398943"/>
-            <a:ext cx="4319742" cy="641745"/>
-          </a:xfrm>
-          <a:prstGeom prst="rect">
-            <a:avLst/>
-          </a:prstGeom>
-          <a:solidFill>
-            <a:schemeClr val="accent2">
-              <a:lumMod val="50000"/>
-            </a:schemeClr>
-          </a:solidFill>
-          <a:ln>
-            <a:noFill/>
-          </a:ln>
-        </p:spPr>
-        <p:style>
-          <a:lnRef idx="2">
-            <a:schemeClr val="accent1">
-              <a:shade val="50000"/>
-            </a:schemeClr>
-          </a:lnRef>
-          <a:fillRef idx="1">
-            <a:schemeClr val="accent1"/>
-          </a:fillRef>
-          <a:effectRef idx="0">
-            <a:schemeClr val="accent1"/>
-          </a:effectRef>
-          <a:fontRef idx="minor">
-            <a:schemeClr val="lt1"/>
-          </a:fontRef>
-        </p:style>
-        <p:txBody>
-          <a:bodyPr rtlCol="0" anchor="ctr"/>
-          <a:lstStyle/>
-          <a:p>
-            <a:pPr algn="ctr"/>
-            <a:r>
-              <a:rPr lang="ko-KR" altLang="en-US" dirty="0"/>
-              <a:t>전시</a:t>
-            </a:r>
-            <a:r>
-              <a:rPr lang="en-US" altLang="ko-KR" dirty="0"/>
-              <a:t>/</a:t>
-            </a:r>
-            <a:r>
-              <a:rPr lang="ko-KR" altLang="en-US" dirty="0"/>
-              <a:t>공연</a:t>
-            </a:r>
-          </a:p>
-        </p:txBody>
-      </p:sp>
-      <p:sp>
-        <p:nvSpPr>
-          <p:cNvPr id="14" name="직사각형 13">
-            <a:extLst>
-              <a:ext uri="{FF2B5EF4-FFF2-40B4-BE49-F238E27FC236}">
-                <a16:creationId xmlns:a16="http://schemas.microsoft.com/office/drawing/2014/main" id="{4FA6C33E-A41B-402E-BDFE-380019C442AF}"/>
-              </a:ext>
-            </a:extLst>
-          </p:cNvPr>
-          <p:cNvSpPr/>
-          <p:nvPr/>
-        </p:nvSpPr>
-        <p:spPr>
-          <a:xfrm>
-            <a:off x="6396919" y="5454869"/>
-            <a:ext cx="4319742" cy="641745"/>
-          </a:xfrm>
-          <a:prstGeom prst="rect">
-            <a:avLst/>
-          </a:prstGeom>
-          <a:solidFill>
-            <a:schemeClr val="accent2">
-              <a:lumMod val="50000"/>
-            </a:schemeClr>
-          </a:solidFill>
-          <a:ln>
-            <a:noFill/>
-          </a:ln>
-        </p:spPr>
-        <p:style>
-          <a:lnRef idx="2">
-            <a:schemeClr val="accent1">
-              <a:shade val="50000"/>
-            </a:schemeClr>
-          </a:lnRef>
-          <a:fillRef idx="1">
-            <a:schemeClr val="accent1"/>
-          </a:fillRef>
-          <a:effectRef idx="0">
-            <a:schemeClr val="accent1"/>
-          </a:effectRef>
-          <a:fontRef idx="minor">
-            <a:schemeClr val="lt1"/>
-          </a:fontRef>
-        </p:style>
-        <p:txBody>
-          <a:bodyPr rtlCol="0" anchor="ctr"/>
-          <a:lstStyle/>
-          <a:p>
-            <a:pPr algn="ctr"/>
-            <a:r>
-              <a:rPr lang="ko-KR" altLang="en-US" dirty="0"/>
-              <a:t>장소 </a:t>
-            </a:r>
-            <a:r>
-              <a:rPr lang="en-US" altLang="ko-KR" dirty="0"/>
-              <a:t>+ </a:t>
-            </a:r>
-            <a:r>
-              <a:rPr lang="ko-KR" altLang="en-US" dirty="0"/>
-              <a:t>전화번호</a:t>
-            </a:r>
-          </a:p>
-        </p:txBody>
-      </p:sp>
-      <p:sp>
-        <p:nvSpPr>
-          <p:cNvPr id="15" name="TextBox 14">
-            <a:extLst>
-              <a:ext uri="{FF2B5EF4-FFF2-40B4-BE49-F238E27FC236}">
-                <a16:creationId xmlns:a16="http://schemas.microsoft.com/office/drawing/2014/main" id="{37050786-BDD2-4B0E-914F-8C0C94280262}"/>
-              </a:ext>
-            </a:extLst>
-          </p:cNvPr>
-          <p:cNvSpPr txBox="1"/>
-          <p:nvPr/>
-        </p:nvSpPr>
-        <p:spPr>
-          <a:xfrm>
-            <a:off x="1605451" y="5040688"/>
-            <a:ext cx="3305500" cy="400110"/>
-          </a:xfrm>
-          <a:prstGeom prst="rect">
-            <a:avLst/>
-          </a:prstGeom>
-          <a:noFill/>
-        </p:spPr>
-        <p:txBody>
-          <a:bodyPr wrap="square" rtlCol="0">
-            <a:spAutoFit/>
-          </a:bodyPr>
-          <a:lstStyle/>
-          <a:p>
-            <a:pPr algn="ctr"/>
-            <a:r>
-              <a:rPr lang="en-US" altLang="ko-KR" sz="2000" dirty="0">
-                <a:solidFill>
-                  <a:schemeClr val="tx1">
-                    <a:lumMod val="85000"/>
-                    <a:lumOff val="15000"/>
-                  </a:schemeClr>
-                </a:solidFill>
-                <a:latin typeface="+mj-ea"/>
-                <a:ea typeface="+mj-ea"/>
-              </a:rPr>
-              <a:t>Attribute 7</a:t>
-            </a:r>
-            <a:r>
-              <a:rPr lang="ko-KR" altLang="en-US" sz="2000" dirty="0">
-                <a:solidFill>
-                  <a:schemeClr val="tx1">
-                    <a:lumMod val="85000"/>
-                    <a:lumOff val="15000"/>
-                  </a:schemeClr>
-                </a:solidFill>
-                <a:latin typeface="+mj-ea"/>
-                <a:ea typeface="+mj-ea"/>
-              </a:rPr>
-              <a:t>개</a:t>
-            </a:r>
-          </a:p>
-        </p:txBody>
-      </p:sp>
-      <p:sp>
-        <p:nvSpPr>
-          <p:cNvPr id="20" name="직사각형 19">
-            <a:extLst>
-              <a:ext uri="{FF2B5EF4-FFF2-40B4-BE49-F238E27FC236}">
-                <a16:creationId xmlns:a16="http://schemas.microsoft.com/office/drawing/2014/main" id="{6F6156D2-8B2A-47C7-9520-083F5F370904}"/>
-              </a:ext>
-            </a:extLst>
-          </p:cNvPr>
-          <p:cNvSpPr/>
-          <p:nvPr/>
-        </p:nvSpPr>
-        <p:spPr>
-          <a:xfrm>
-            <a:off x="6367716" y="2278149"/>
-            <a:ext cx="4319742" cy="641745"/>
-          </a:xfrm>
-          <a:prstGeom prst="rect">
-            <a:avLst/>
-          </a:prstGeom>
-          <a:solidFill>
-            <a:schemeClr val="accent2">
-              <a:lumMod val="50000"/>
-            </a:schemeClr>
-          </a:solidFill>
-          <a:ln>
-            <a:noFill/>
-          </a:ln>
-        </p:spPr>
-        <p:style>
-          <a:lnRef idx="2">
-            <a:schemeClr val="accent1">
-              <a:shade val="50000"/>
-            </a:schemeClr>
-          </a:lnRef>
-          <a:fillRef idx="1">
-            <a:schemeClr val="accent1"/>
-          </a:fillRef>
-          <a:effectRef idx="0">
-            <a:schemeClr val="accent1"/>
-          </a:effectRef>
-          <a:fontRef idx="minor">
-            <a:schemeClr val="lt1"/>
-          </a:fontRef>
-        </p:style>
-        <p:txBody>
-          <a:bodyPr rtlCol="0" anchor="ctr"/>
-          <a:lstStyle/>
-          <a:p>
-            <a:pPr algn="ctr"/>
-            <a:r>
-              <a:rPr lang="ko-KR" altLang="en-US" dirty="0"/>
-              <a:t>지역코드화 지역저장</a:t>
-            </a:r>
-          </a:p>
-        </p:txBody>
-      </p:sp>
-      <p:sp>
-        <p:nvSpPr>
-          <p:cNvPr id="21" name="TextBox 20">
-            <a:extLst>
-              <a:ext uri="{FF2B5EF4-FFF2-40B4-BE49-F238E27FC236}">
-                <a16:creationId xmlns:a16="http://schemas.microsoft.com/office/drawing/2014/main" id="{40B06545-0D52-49C3-9F15-C1E8AF8AA978}"/>
-              </a:ext>
-            </a:extLst>
-          </p:cNvPr>
-          <p:cNvSpPr txBox="1"/>
-          <p:nvPr/>
-        </p:nvSpPr>
-        <p:spPr>
-          <a:xfrm>
-            <a:off x="1460938" y="1968995"/>
-            <a:ext cx="3305500" cy="400110"/>
-          </a:xfrm>
-          <a:prstGeom prst="rect">
-            <a:avLst/>
-          </a:prstGeom>
-          <a:noFill/>
-        </p:spPr>
-        <p:txBody>
-          <a:bodyPr wrap="square" rtlCol="0">
-            <a:spAutoFit/>
-          </a:bodyPr>
-          <a:lstStyle/>
-          <a:p>
-            <a:pPr algn="ctr"/>
-            <a:r>
-              <a:rPr lang="en-US" altLang="ko-KR" sz="2000" dirty="0">
-                <a:solidFill>
-                  <a:schemeClr val="tx1">
-                    <a:lumMod val="85000"/>
-                    <a:lumOff val="15000"/>
-                  </a:schemeClr>
-                </a:solidFill>
-                <a:latin typeface="+mj-ea"/>
-                <a:ea typeface="+mj-ea"/>
-              </a:rPr>
-              <a:t>My SQL DB</a:t>
-            </a:r>
-            <a:endParaRPr lang="ko-KR" altLang="en-US" sz="2000" dirty="0">
-              <a:solidFill>
-                <a:schemeClr val="tx1">
-                  <a:lumMod val="85000"/>
-                  <a:lumOff val="15000"/>
-                </a:schemeClr>
-              </a:solidFill>
-              <a:latin typeface="+mj-ea"/>
-              <a:ea typeface="+mj-ea"/>
-            </a:endParaRPr>
-          </a:p>
-        </p:txBody>
-      </p:sp>
-    </p:spTree>
-    <p:extLst>
-      <p:ext uri="{BB962C8B-B14F-4D97-AF65-F5344CB8AC3E}">
-        <p14:creationId xmlns:p14="http://schemas.microsoft.com/office/powerpoint/2010/main" val="354027427"/>
-      </p:ext>
-    </p:extLst>
-  </p:cSld>
-  <p:clrMapOvr>
-    <a:masterClrMapping/>
-  </p:clrMapOvr>
-  <mc:AlternateContent xmlns:mc="http://schemas.openxmlformats.org/markup-compatibility/2006" xmlns:p159="http://schemas.microsoft.com/office/powerpoint/2015/09/main">
-    <mc:Choice Requires="p159">
-      <p:transition xmlns:p14="http://schemas.microsoft.com/office/powerpoint/2010/main" spd="slow" p14:dur="2000">
-        <p159:morph option="byObject"/>
-      </p:transition>
-    </mc:Choice>
-    <mc:Fallback xmlns="">
-      <p:transition spd="slow">
-        <p:fade/>
-      </p:transition>
-    </mc:Fallback>
-  </mc:AlternateContent>
-</p:sld>
-</file>
-
-<file path=ppt/slides/slide13.xml><?xml version="1.0" encoding="utf-8"?>
-<p:sld xmlns:a="http://schemas.openxmlformats.org/drawingml/2006/main" xmlns:r="http://schemas.openxmlformats.org/officeDocument/2006/relationships" xmlns:p="http://schemas.openxmlformats.org/presentationml/2006/main">
-  <p:cSld>
-    <p:spTree>
-      <p:nvGrpSpPr>
-        <p:cNvPr id="1" name=""/>
-        <p:cNvGrpSpPr/>
-        <p:nvPr/>
-      </p:nvGrpSpPr>
-      <p:grpSpPr>
-        <a:xfrm>
-          <a:off x="0" y="0"/>
-          <a:ext cx="0" cy="0"/>
-          <a:chOff x="0" y="0"/>
-          <a:chExt cx="0" cy="0"/>
-        </a:xfrm>
-      </p:grpSpPr>
-      <p:grpSp>
-        <p:nvGrpSpPr>
-          <p:cNvPr id="8" name="그룹 7">
-            <a:extLst>
-              <a:ext uri="{FF2B5EF4-FFF2-40B4-BE49-F238E27FC236}">
-                <a16:creationId xmlns:a16="http://schemas.microsoft.com/office/drawing/2014/main" id="{85DCB0B9-F406-4303-80D9-795C8C2D576F}"/>
-              </a:ext>
-            </a:extLst>
-          </p:cNvPr>
-          <p:cNvGrpSpPr/>
-          <p:nvPr/>
-        </p:nvGrpSpPr>
-        <p:grpSpPr>
-          <a:xfrm>
-            <a:off x="876784" y="2772629"/>
-            <a:ext cx="265869" cy="2682240"/>
-            <a:chOff x="396240" y="2448560"/>
-            <a:chExt cx="265869" cy="2682240"/>
-          </a:xfrm>
-        </p:grpSpPr>
-        <p:sp>
-          <p:nvSpPr>
-            <p:cNvPr id="4" name="타원 3">
-              <a:extLst>
-                <a:ext uri="{FF2B5EF4-FFF2-40B4-BE49-F238E27FC236}">
-                  <a16:creationId xmlns:a16="http://schemas.microsoft.com/office/drawing/2014/main" id="{053316FF-DED2-4ADB-93F6-600758CC3A53}"/>
-                </a:ext>
-              </a:extLst>
-            </p:cNvPr>
-            <p:cNvSpPr/>
-            <p:nvPr/>
-          </p:nvSpPr>
-          <p:spPr>
-            <a:xfrm>
-              <a:off x="396240" y="2448560"/>
-              <a:ext cx="265869" cy="265869"/>
-            </a:xfrm>
-            <a:prstGeom prst="ellipse">
-              <a:avLst/>
-            </a:prstGeom>
-            <a:ln>
-              <a:noFill/>
-            </a:ln>
-          </p:spPr>
-          <p:style>
-            <a:lnRef idx="2">
-              <a:schemeClr val="accent1">
-                <a:shade val="50000"/>
-              </a:schemeClr>
-            </a:lnRef>
-            <a:fillRef idx="1">
-              <a:schemeClr val="accent1"/>
-            </a:fillRef>
-            <a:effectRef idx="0">
-              <a:schemeClr val="accent1"/>
-            </a:effectRef>
-            <a:fontRef idx="minor">
-              <a:schemeClr val="lt1"/>
-            </a:fontRef>
-          </p:style>
-          <p:txBody>
-            <a:bodyPr rtlCol="0" anchor="ctr"/>
-            <a:lstStyle/>
-            <a:p>
-              <a:pPr algn="ctr"/>
-              <a:endParaRPr lang="ko-KR" altLang="en-US"/>
-            </a:p>
-          </p:txBody>
-        </p:sp>
-        <p:sp>
-          <p:nvSpPr>
-            <p:cNvPr id="5" name="타원 4">
-              <a:extLst>
-                <a:ext uri="{FF2B5EF4-FFF2-40B4-BE49-F238E27FC236}">
-                  <a16:creationId xmlns:a16="http://schemas.microsoft.com/office/drawing/2014/main" id="{9BC15923-DFAA-41CF-A14B-C12BD157E17B}"/>
-                </a:ext>
-              </a:extLst>
-            </p:cNvPr>
-            <p:cNvSpPr/>
-            <p:nvPr/>
-          </p:nvSpPr>
-          <p:spPr>
-            <a:xfrm>
-              <a:off x="396240" y="3656746"/>
-              <a:ext cx="265869" cy="265869"/>
-            </a:xfrm>
-            <a:prstGeom prst="ellipse">
-              <a:avLst/>
-            </a:prstGeom>
-            <a:ln>
-              <a:noFill/>
-            </a:ln>
-          </p:spPr>
-          <p:style>
-            <a:lnRef idx="2">
-              <a:schemeClr val="accent1">
-                <a:shade val="50000"/>
-              </a:schemeClr>
-            </a:lnRef>
-            <a:fillRef idx="1">
-              <a:schemeClr val="accent1"/>
-            </a:fillRef>
-            <a:effectRef idx="0">
-              <a:schemeClr val="accent1"/>
-            </a:effectRef>
-            <a:fontRef idx="minor">
-              <a:schemeClr val="lt1"/>
-            </a:fontRef>
-          </p:style>
-          <p:txBody>
-            <a:bodyPr rtlCol="0" anchor="ctr"/>
-            <a:lstStyle/>
-            <a:p>
-              <a:pPr algn="ctr"/>
-              <a:endParaRPr lang="ko-KR" altLang="en-US"/>
-            </a:p>
-          </p:txBody>
-        </p:sp>
-        <p:sp>
-          <p:nvSpPr>
-            <p:cNvPr id="6" name="타원 5">
-              <a:extLst>
-                <a:ext uri="{FF2B5EF4-FFF2-40B4-BE49-F238E27FC236}">
-                  <a16:creationId xmlns:a16="http://schemas.microsoft.com/office/drawing/2014/main" id="{2FA75BEA-D8FA-4D80-8632-9E5C4FFAB67E}"/>
-                </a:ext>
-              </a:extLst>
-            </p:cNvPr>
-            <p:cNvSpPr/>
-            <p:nvPr/>
-          </p:nvSpPr>
-          <p:spPr>
-            <a:xfrm>
-              <a:off x="396240" y="4864931"/>
-              <a:ext cx="265869" cy="265869"/>
-            </a:xfrm>
-            <a:prstGeom prst="ellipse">
-              <a:avLst/>
-            </a:prstGeom>
-            <a:ln>
-              <a:noFill/>
-            </a:ln>
-          </p:spPr>
-          <p:style>
-            <a:lnRef idx="2">
-              <a:schemeClr val="accent1">
-                <a:shade val="50000"/>
-              </a:schemeClr>
-            </a:lnRef>
-            <a:fillRef idx="1">
-              <a:schemeClr val="accent1"/>
-            </a:fillRef>
-            <a:effectRef idx="0">
-              <a:schemeClr val="accent1"/>
-            </a:effectRef>
-            <a:fontRef idx="minor">
-              <a:schemeClr val="lt1"/>
-            </a:fontRef>
-          </p:style>
-          <p:txBody>
-            <a:bodyPr rtlCol="0" anchor="ctr"/>
-            <a:lstStyle/>
-            <a:p>
-              <a:pPr algn="ctr"/>
-              <a:endParaRPr lang="ko-KR" altLang="en-US"/>
-            </a:p>
-          </p:txBody>
-        </p:sp>
-      </p:grpSp>
-      <p:sp>
-        <p:nvSpPr>
-          <p:cNvPr id="12" name="TextBox 11">
-            <a:extLst>
-              <a:ext uri="{FF2B5EF4-FFF2-40B4-BE49-F238E27FC236}">
-                <a16:creationId xmlns:a16="http://schemas.microsoft.com/office/drawing/2014/main" id="{2D181403-7959-46FE-8FF5-5A0ACA130389}"/>
-              </a:ext>
-            </a:extLst>
-          </p:cNvPr>
-          <p:cNvSpPr txBox="1"/>
-          <p:nvPr/>
-        </p:nvSpPr>
-        <p:spPr>
-          <a:xfrm>
-            <a:off x="1460938" y="2705236"/>
-            <a:ext cx="8205537" cy="400110"/>
-          </a:xfrm>
-          <a:prstGeom prst="rect">
-            <a:avLst/>
-          </a:prstGeom>
-          <a:noFill/>
-        </p:spPr>
-        <p:txBody>
-          <a:bodyPr wrap="square" rtlCol="0">
-            <a:spAutoFit/>
-          </a:bodyPr>
-          <a:lstStyle/>
-          <a:p>
-            <a:pPr algn="just"/>
-            <a:r>
-              <a:rPr lang="ko-KR" altLang="en-US" sz="2000" dirty="0"/>
-              <a:t>페이지 틀 개발 시작</a:t>
-            </a:r>
-          </a:p>
-        </p:txBody>
-      </p:sp>
-      <p:sp>
-        <p:nvSpPr>
-          <p:cNvPr id="14" name="TextBox 13">
-            <a:extLst>
-              <a:ext uri="{FF2B5EF4-FFF2-40B4-BE49-F238E27FC236}">
-                <a16:creationId xmlns:a16="http://schemas.microsoft.com/office/drawing/2014/main" id="{70EE63BC-A4D2-46BB-AC0B-CCD9B69EACF8}"/>
-              </a:ext>
-            </a:extLst>
-          </p:cNvPr>
-          <p:cNvSpPr txBox="1"/>
-          <p:nvPr/>
-        </p:nvSpPr>
-        <p:spPr>
-          <a:xfrm>
-            <a:off x="1460938" y="3877352"/>
-            <a:ext cx="8205537" cy="400110"/>
-          </a:xfrm>
-          <a:prstGeom prst="rect">
-            <a:avLst/>
-          </a:prstGeom>
-          <a:noFill/>
-        </p:spPr>
-        <p:txBody>
-          <a:bodyPr wrap="square" rtlCol="0">
-            <a:spAutoFit/>
-          </a:bodyPr>
-          <a:lstStyle/>
-          <a:p>
-            <a:pPr algn="just"/>
-            <a:r>
-              <a:rPr lang="en-US" altLang="ko-KR" sz="2000" dirty="0"/>
-              <a:t>Spring</a:t>
-            </a:r>
-            <a:r>
-              <a:rPr lang="ko-KR" altLang="en-US" sz="2000" dirty="0"/>
-              <a:t> </a:t>
-            </a:r>
-            <a:r>
-              <a:rPr lang="en-US" altLang="ko-KR" sz="2000" dirty="0"/>
-              <a:t>Framework </a:t>
-            </a:r>
-            <a:r>
-              <a:rPr lang="ko-KR" altLang="en-US" sz="2000" dirty="0"/>
-              <a:t>숙달</a:t>
-            </a:r>
-            <a:endParaRPr lang="en-US" altLang="ko-KR" sz="2000" dirty="0"/>
-          </a:p>
-        </p:txBody>
-      </p:sp>
-      <p:sp>
-        <p:nvSpPr>
-          <p:cNvPr id="15" name="직사각형 14">
-            <a:extLst>
-              <a:ext uri="{FF2B5EF4-FFF2-40B4-BE49-F238E27FC236}">
-                <a16:creationId xmlns:a16="http://schemas.microsoft.com/office/drawing/2014/main" id="{95C00803-5D62-4DDC-8F66-5127BD603C56}"/>
-              </a:ext>
-            </a:extLst>
-          </p:cNvPr>
-          <p:cNvSpPr/>
-          <p:nvPr/>
-        </p:nvSpPr>
-        <p:spPr>
-          <a:xfrm>
-            <a:off x="293611" y="0"/>
-            <a:ext cx="1432217" cy="152700"/>
-          </a:xfrm>
-          <a:prstGeom prst="rect">
-            <a:avLst/>
-          </a:prstGeom>
-          <a:ln>
-            <a:noFill/>
-          </a:ln>
-        </p:spPr>
-        <p:style>
-          <a:lnRef idx="2">
-            <a:schemeClr val="accent1">
-              <a:shade val="50000"/>
-            </a:schemeClr>
-          </a:lnRef>
-          <a:fillRef idx="1">
-            <a:schemeClr val="accent1"/>
-          </a:fillRef>
-          <a:effectRef idx="0">
-            <a:schemeClr val="accent1"/>
-          </a:effectRef>
-          <a:fontRef idx="minor">
-            <a:schemeClr val="lt1"/>
-          </a:fontRef>
-        </p:style>
-        <p:txBody>
-          <a:bodyPr rtlCol="0" anchor="ctr"/>
-          <a:lstStyle/>
-          <a:p>
-            <a:pPr algn="ctr"/>
-            <a:endParaRPr lang="ko-KR" altLang="en-US"/>
-          </a:p>
-        </p:txBody>
-      </p:sp>
-      <p:sp>
-        <p:nvSpPr>
-          <p:cNvPr id="16" name="직사각형 15">
-            <a:extLst>
-              <a:ext uri="{FF2B5EF4-FFF2-40B4-BE49-F238E27FC236}">
-                <a16:creationId xmlns:a16="http://schemas.microsoft.com/office/drawing/2014/main" id="{0DE9F634-4134-4BCF-879A-017CFBF4E700}"/>
-              </a:ext>
-            </a:extLst>
-          </p:cNvPr>
-          <p:cNvSpPr/>
-          <p:nvPr/>
-        </p:nvSpPr>
-        <p:spPr>
-          <a:xfrm>
-            <a:off x="11148933" y="6814543"/>
-            <a:ext cx="626228" cy="45719"/>
-          </a:xfrm>
-          <a:prstGeom prst="rect">
-            <a:avLst/>
-          </a:prstGeom>
-          <a:ln>
-            <a:noFill/>
-          </a:ln>
-        </p:spPr>
-        <p:style>
-          <a:lnRef idx="2">
-            <a:schemeClr val="accent1">
-              <a:shade val="50000"/>
-            </a:schemeClr>
-          </a:lnRef>
-          <a:fillRef idx="1">
-            <a:schemeClr val="accent1"/>
-          </a:fillRef>
-          <a:effectRef idx="0">
-            <a:schemeClr val="accent1"/>
-          </a:effectRef>
-          <a:fontRef idx="minor">
-            <a:schemeClr val="lt1"/>
-          </a:fontRef>
-        </p:style>
-        <p:txBody>
-          <a:bodyPr rtlCol="0" anchor="ctr"/>
-          <a:lstStyle/>
-          <a:p>
-            <a:pPr algn="ctr"/>
-            <a:endParaRPr lang="ko-KR" altLang="en-US"/>
-          </a:p>
-        </p:txBody>
-      </p:sp>
-      <p:sp>
-        <p:nvSpPr>
-          <p:cNvPr id="17" name="TextBox 16">
-            <a:extLst>
-              <a:ext uri="{FF2B5EF4-FFF2-40B4-BE49-F238E27FC236}">
-                <a16:creationId xmlns:a16="http://schemas.microsoft.com/office/drawing/2014/main" id="{68566875-F742-43B6-8CFC-F95662D18BE7}"/>
-              </a:ext>
-            </a:extLst>
-          </p:cNvPr>
-          <p:cNvSpPr txBox="1"/>
-          <p:nvPr/>
-        </p:nvSpPr>
-        <p:spPr>
-          <a:xfrm>
-            <a:off x="441438" y="356959"/>
-            <a:ext cx="2377574" cy="769441"/>
-          </a:xfrm>
-          <a:prstGeom prst="rect">
-            <a:avLst/>
-          </a:prstGeom>
-          <a:noFill/>
-        </p:spPr>
-        <p:txBody>
-          <a:bodyPr wrap="none" rtlCol="0">
-            <a:spAutoFit/>
-          </a:bodyPr>
-          <a:lstStyle/>
-          <a:p>
-            <a:r>
-              <a:rPr lang="ko-KR" altLang="en-US" sz="4400" dirty="0">
-                <a:solidFill>
-                  <a:schemeClr val="tx1">
-                    <a:lumMod val="85000"/>
-                    <a:lumOff val="15000"/>
-                  </a:schemeClr>
-                </a:solidFill>
-                <a:latin typeface="+mj-ea"/>
-                <a:ea typeface="+mj-ea"/>
-              </a:rPr>
-              <a:t>차주 계획</a:t>
-            </a:r>
-          </a:p>
-        </p:txBody>
-      </p:sp>
-      <p:cxnSp>
-        <p:nvCxnSpPr>
-          <p:cNvPr id="18" name="직선 연결선 17">
-            <a:extLst>
-              <a:ext uri="{FF2B5EF4-FFF2-40B4-BE49-F238E27FC236}">
-                <a16:creationId xmlns:a16="http://schemas.microsoft.com/office/drawing/2014/main" id="{5134904B-0486-4E2E-823B-1014BD3BCBFD}"/>
-              </a:ext>
-            </a:extLst>
-          </p:cNvPr>
-          <p:cNvCxnSpPr>
-            <a:cxnSpLocks/>
-          </p:cNvCxnSpPr>
-          <p:nvPr/>
-        </p:nvCxnSpPr>
-        <p:spPr>
-          <a:xfrm>
-            <a:off x="11999710" y="1966048"/>
-            <a:ext cx="0" cy="4891952"/>
-          </a:xfrm>
-          <a:prstGeom prst="line">
-            <a:avLst/>
-          </a:prstGeom>
-        </p:spPr>
-        <p:style>
-          <a:lnRef idx="1">
-            <a:schemeClr val="accent1"/>
-          </a:lnRef>
-          <a:fillRef idx="0">
-            <a:schemeClr val="accent1"/>
-          </a:fillRef>
-          <a:effectRef idx="0">
-            <a:schemeClr val="accent1"/>
-          </a:effectRef>
-          <a:fontRef idx="minor">
-            <a:schemeClr val="tx1"/>
-          </a:fontRef>
-        </p:style>
-      </p:cxnSp>
-      <p:cxnSp>
-        <p:nvCxnSpPr>
-          <p:cNvPr id="19" name="직선 연결선 18">
-            <a:extLst>
-              <a:ext uri="{FF2B5EF4-FFF2-40B4-BE49-F238E27FC236}">
-                <a16:creationId xmlns:a16="http://schemas.microsoft.com/office/drawing/2014/main" id="{7139EBB0-C8E5-4548-B458-0E99FD0FB0C8}"/>
-              </a:ext>
-            </a:extLst>
-          </p:cNvPr>
-          <p:cNvCxnSpPr>
-            <a:cxnSpLocks/>
-          </p:cNvCxnSpPr>
-          <p:nvPr/>
-        </p:nvCxnSpPr>
-        <p:spPr>
-          <a:xfrm>
-            <a:off x="11999710" y="0"/>
-            <a:ext cx="0" cy="741680"/>
-          </a:xfrm>
-          <a:prstGeom prst="line">
-            <a:avLst/>
-          </a:prstGeom>
-        </p:spPr>
-        <p:style>
-          <a:lnRef idx="1">
-            <a:schemeClr val="accent1"/>
-          </a:lnRef>
-          <a:fillRef idx="0">
-            <a:schemeClr val="accent1"/>
-          </a:fillRef>
-          <a:effectRef idx="0">
-            <a:schemeClr val="accent1"/>
-          </a:effectRef>
-          <a:fontRef idx="minor">
-            <a:schemeClr val="tx1"/>
-          </a:fontRef>
-        </p:style>
-      </p:cxnSp>
-      <p:sp>
-        <p:nvSpPr>
-          <p:cNvPr id="2" name="직사각형 1">
-            <a:extLst>
-              <a:ext uri="{FF2B5EF4-FFF2-40B4-BE49-F238E27FC236}">
-                <a16:creationId xmlns:a16="http://schemas.microsoft.com/office/drawing/2014/main" id="{7F536447-68DC-48F5-91DF-64517A83FA3C}"/>
-              </a:ext>
-            </a:extLst>
-          </p:cNvPr>
-          <p:cNvSpPr/>
-          <p:nvPr/>
-        </p:nvSpPr>
-        <p:spPr>
-          <a:xfrm>
-            <a:off x="441438" y="4582510"/>
-            <a:ext cx="1019500" cy="872359"/>
-          </a:xfrm>
-          <a:prstGeom prst="rect">
-            <a:avLst/>
-          </a:prstGeom>
-          <a:solidFill>
-            <a:schemeClr val="bg1"/>
-          </a:solidFill>
-          <a:ln>
-            <a:noFill/>
-          </a:ln>
-        </p:spPr>
-        <p:style>
-          <a:lnRef idx="2">
-            <a:schemeClr val="accent1">
-              <a:shade val="50000"/>
-            </a:schemeClr>
-          </a:lnRef>
-          <a:fillRef idx="1">
-            <a:schemeClr val="accent1"/>
-          </a:fillRef>
-          <a:effectRef idx="0">
-            <a:schemeClr val="accent1"/>
-          </a:effectRef>
-          <a:fontRef idx="minor">
-            <a:schemeClr val="lt1"/>
-          </a:fontRef>
-        </p:style>
-        <p:txBody>
-          <a:bodyPr rtlCol="0" anchor="ctr"/>
-          <a:lstStyle/>
-          <a:p>
-            <a:pPr algn="ctr"/>
-            <a:endParaRPr lang="ko-KR" altLang="en-US"/>
-          </a:p>
-        </p:txBody>
-      </p:sp>
-    </p:spTree>
-    <p:extLst>
-      <p:ext uri="{BB962C8B-B14F-4D97-AF65-F5344CB8AC3E}">
-        <p14:creationId xmlns:p14="http://schemas.microsoft.com/office/powerpoint/2010/main" val="3900091982"/>
-      </p:ext>
-    </p:extLst>
-  </p:cSld>
-  <p:clrMapOvr>
-    <a:masterClrMapping/>
-  </p:clrMapOvr>
-  <mc:AlternateContent xmlns:mc="http://schemas.openxmlformats.org/markup-compatibility/2006" xmlns:p159="http://schemas.microsoft.com/office/powerpoint/2015/09/main">
-    <mc:Choice Requires="p159">
-      <p:transition xmlns:p14="http://schemas.microsoft.com/office/powerpoint/2010/main" spd="slow" p14:dur="2000">
-        <p159:morph option="byObject"/>
-      </p:transition>
-    </mc:Choice>
-    <mc:Fallback xmlns="">
-      <p:transition spd="slow">
-        <p:fade/>
-      </p:transition>
-    </mc:Fallback>
-  </mc:AlternateContent>
-</p:sld>
-</file>
-
-<file path=ppt/slides/slide14.xml><?xml version="1.0" encoding="utf-8"?>
-<p:sld xmlns:a="http://schemas.openxmlformats.org/drawingml/2006/main" xmlns:r="http://schemas.openxmlformats.org/officeDocument/2006/relationships" xmlns:p="http://schemas.openxmlformats.org/presentationml/2006/main">
-  <p:cSld>
-    <p:bg>
-      <p:bgPr>
-        <a:gradFill flip="none" rotWithShape="1">
-          <a:gsLst>
-            <a:gs pos="0">
-              <a:schemeClr val="accent1">
-                <a:lumMod val="89000"/>
-              </a:schemeClr>
-            </a:gs>
-            <a:gs pos="24000">
-              <a:srgbClr val="DCB6C7"/>
-            </a:gs>
-            <a:gs pos="49000">
-              <a:srgbClr val="FEDECE"/>
-            </a:gs>
-            <a:gs pos="97409">
-              <a:srgbClr val="FF8687"/>
-            </a:gs>
-            <a:gs pos="74000">
-              <a:srgbClr val="FFAB94"/>
-            </a:gs>
-          </a:gsLst>
-          <a:lin ang="2700000" scaled="1"/>
-          <a:tileRect/>
-        </a:gradFill>
-        <a:effectLst/>
-      </p:bgPr>
-    </p:bg>
-    <p:spTree>
-      <p:nvGrpSpPr>
-        <p:cNvPr id="1" name=""/>
-        <p:cNvGrpSpPr/>
-        <p:nvPr/>
-      </p:nvGrpSpPr>
-      <p:grpSpPr>
-        <a:xfrm>
-          <a:off x="0" y="0"/>
-          <a:ext cx="0" cy="0"/>
-          <a:chOff x="0" y="0"/>
-          <a:chExt cx="0" cy="0"/>
-        </a:xfrm>
-      </p:grpSpPr>
-      <p:sp>
-        <p:nvSpPr>
-          <p:cNvPr id="2" name="TextBox 1">
-            <a:extLst>
-              <a:ext uri="{FF2B5EF4-FFF2-40B4-BE49-F238E27FC236}">
-                <a16:creationId xmlns:a16="http://schemas.microsoft.com/office/drawing/2014/main" id="{34D71BC1-3E47-4870-8BD3-65E9C58E25CC}"/>
-              </a:ext>
-            </a:extLst>
-          </p:cNvPr>
-          <p:cNvSpPr txBox="1"/>
-          <p:nvPr/>
-        </p:nvSpPr>
-        <p:spPr>
-          <a:xfrm>
-            <a:off x="3329516" y="2921168"/>
-            <a:ext cx="5532968" cy="1015663"/>
-          </a:xfrm>
-          <a:prstGeom prst="rect">
-            <a:avLst/>
-          </a:prstGeom>
-          <a:noFill/>
-        </p:spPr>
-        <p:txBody>
-          <a:bodyPr wrap="square" rtlCol="0">
-            <a:spAutoFit/>
-          </a:bodyPr>
-          <a:lstStyle/>
-          <a:p>
-            <a:pPr algn="ctr"/>
-            <a:r>
-              <a:rPr lang="ko-KR" altLang="en-US" sz="6000" b="1" dirty="0">
-                <a:solidFill>
-                  <a:srgbClr val="3C3D46"/>
-                </a:solidFill>
-              </a:rPr>
-              <a:t>감사합니다</a:t>
-            </a:r>
-          </a:p>
-        </p:txBody>
-      </p:sp>
-    </p:spTree>
-    <p:extLst>
-      <p:ext uri="{BB962C8B-B14F-4D97-AF65-F5344CB8AC3E}">
-        <p14:creationId xmlns:p14="http://schemas.microsoft.com/office/powerpoint/2010/main" val="4260233939"/>
-      </p:ext>
-    </p:extLst>
-  </p:cSld>
-  <p:clrMapOvr>
-    <a:masterClrMapping/>
-  </p:clrMapOvr>
-  <mc:AlternateContent xmlns:mc="http://schemas.openxmlformats.org/markup-compatibility/2006" xmlns:p159="http://schemas.microsoft.com/office/powerpoint/2015/09/main">
-    <mc:Choice Requires="p159">
-      <p:transition xmlns:p14="http://schemas.microsoft.com/office/powerpoint/2010/main" spd="slow" p14:dur="2000">
-        <p159:morph option="byObject"/>
-      </p:transition>
-    </mc:Choice>
-    <mc:Fallback xmlns="">
-      <p:transition spd="slow">
-        <p:fade/>
-      </p:transition>
-    </mc:Fallback>
-  </mc:AlternateContent>
-</p:sld>
-</file>
-
-<file path=ppt/slides/slide2.xml><?xml version="1.0" encoding="utf-8"?>
-<p:sld xmlns:a="http://schemas.openxmlformats.org/drawingml/2006/main" xmlns:r="http://schemas.openxmlformats.org/officeDocument/2006/relationships" xmlns:p="http://schemas.openxmlformats.org/presentationml/2006/main">
-  <p:cSld>
-    <p:spTree>
-      <p:nvGrpSpPr>
-        <p:cNvPr id="1" name=""/>
-        <p:cNvGrpSpPr/>
-        <p:nvPr/>
-      </p:nvGrpSpPr>
-      <p:grpSpPr>
-        <a:xfrm>
-          <a:off x="0" y="0"/>
-          <a:ext cx="0" cy="0"/>
-          <a:chOff x="0" y="0"/>
-          <a:chExt cx="0" cy="0"/>
-        </a:xfrm>
-      </p:grpSpPr>
-      <p:sp>
-        <p:nvSpPr>
-          <p:cNvPr id="214" name="직사각형 213">
-            <a:extLst>
-              <a:ext uri="{FF2B5EF4-FFF2-40B4-BE49-F238E27FC236}">
-                <a16:creationId xmlns:a16="http://schemas.microsoft.com/office/drawing/2014/main" id="{62C5C816-676B-40BE-AFC6-D52115F2510D}"/>
-              </a:ext>
-            </a:extLst>
-          </p:cNvPr>
-          <p:cNvSpPr/>
-          <p:nvPr/>
-        </p:nvSpPr>
-        <p:spPr>
-          <a:xfrm>
-            <a:off x="293611" y="0"/>
-            <a:ext cx="1432217" cy="152700"/>
-          </a:xfrm>
-          <a:prstGeom prst="rect">
-            <a:avLst/>
-          </a:prstGeom>
-          <a:ln>
-            <a:noFill/>
-          </a:ln>
-        </p:spPr>
-        <p:style>
-          <a:lnRef idx="2">
-            <a:schemeClr val="accent1">
-              <a:shade val="50000"/>
-            </a:schemeClr>
-          </a:lnRef>
-          <a:fillRef idx="1">
-            <a:schemeClr val="accent1"/>
-          </a:fillRef>
-          <a:effectRef idx="0">
-            <a:schemeClr val="accent1"/>
-          </a:effectRef>
-          <a:fontRef idx="minor">
-            <a:schemeClr val="lt1"/>
-          </a:fontRef>
-        </p:style>
-        <p:txBody>
-          <a:bodyPr rtlCol="0" anchor="ctr"/>
-          <a:lstStyle/>
-          <a:p>
-            <a:pPr algn="ctr"/>
-            <a:endParaRPr lang="ko-KR" altLang="en-US"/>
-          </a:p>
-        </p:txBody>
-      </p:sp>
-      <p:sp>
-        <p:nvSpPr>
-          <p:cNvPr id="216" name="TextBox 215">
-            <a:extLst>
-              <a:ext uri="{FF2B5EF4-FFF2-40B4-BE49-F238E27FC236}">
-                <a16:creationId xmlns:a16="http://schemas.microsoft.com/office/drawing/2014/main" id="{3F63DE3B-D3A6-4673-9DDF-BCD6DFD2780A}"/>
-              </a:ext>
-            </a:extLst>
-          </p:cNvPr>
-          <p:cNvSpPr txBox="1"/>
-          <p:nvPr/>
-        </p:nvSpPr>
-        <p:spPr>
-          <a:xfrm>
-            <a:off x="404425" y="251785"/>
-            <a:ext cx="1210588" cy="769441"/>
-          </a:xfrm>
-          <a:prstGeom prst="rect">
-            <a:avLst/>
-          </a:prstGeom>
-          <a:noFill/>
-        </p:spPr>
-        <p:txBody>
-          <a:bodyPr wrap="none" rtlCol="0">
-            <a:spAutoFit/>
-          </a:bodyPr>
-          <a:lstStyle/>
-          <a:p>
-            <a:r>
-              <a:rPr lang="ko-KR" altLang="en-US" sz="4400" dirty="0">
-                <a:solidFill>
-                  <a:schemeClr val="tx1">
-                    <a:lumMod val="85000"/>
-                    <a:lumOff val="15000"/>
-                  </a:schemeClr>
-                </a:solidFill>
-                <a:latin typeface="+mj-ea"/>
-                <a:ea typeface="+mj-ea"/>
-              </a:rPr>
-              <a:t>일정</a:t>
-            </a:r>
-          </a:p>
-        </p:txBody>
-      </p:sp>
-      <p:cxnSp>
-        <p:nvCxnSpPr>
-          <p:cNvPr id="222" name="직선 연결선 221">
-            <a:extLst>
-              <a:ext uri="{FF2B5EF4-FFF2-40B4-BE49-F238E27FC236}">
-                <a16:creationId xmlns:a16="http://schemas.microsoft.com/office/drawing/2014/main" id="{46A6E6ED-B32C-4C80-889E-D9E6C4F31E3B}"/>
-              </a:ext>
-            </a:extLst>
-          </p:cNvPr>
-          <p:cNvCxnSpPr>
-            <a:cxnSpLocks/>
-          </p:cNvCxnSpPr>
-          <p:nvPr/>
-        </p:nvCxnSpPr>
-        <p:spPr>
-          <a:xfrm>
-            <a:off x="11999710" y="0"/>
-            <a:ext cx="0" cy="741680"/>
-          </a:xfrm>
-          <a:prstGeom prst="line">
-            <a:avLst/>
-          </a:prstGeom>
-        </p:spPr>
-        <p:style>
-          <a:lnRef idx="1">
-            <a:schemeClr val="accent1"/>
-          </a:lnRef>
-          <a:fillRef idx="0">
-            <a:schemeClr val="accent1"/>
-          </a:fillRef>
-          <a:effectRef idx="0">
-            <a:schemeClr val="accent1"/>
-          </a:effectRef>
-          <a:fontRef idx="minor">
-            <a:schemeClr val="tx1"/>
-          </a:fontRef>
-        </p:style>
-      </p:cxnSp>
-      <p:pic>
-        <p:nvPicPr>
-          <p:cNvPr id="3" name="그림 2">
-            <a:extLst>
-              <a:ext uri="{FF2B5EF4-FFF2-40B4-BE49-F238E27FC236}">
-                <a16:creationId xmlns:a16="http://schemas.microsoft.com/office/drawing/2014/main" id="{05DE0391-90D5-4395-A46C-8470053079F5}"/>
-              </a:ext>
-            </a:extLst>
-          </p:cNvPr>
-          <p:cNvPicPr>
-            <a:picLocks noChangeAspect="1"/>
-          </p:cNvPicPr>
-          <p:nvPr/>
-        </p:nvPicPr>
-        <p:blipFill>
-          <a:blip r:embed="rId2"/>
-          <a:stretch>
-            <a:fillRect/>
-          </a:stretch>
-        </p:blipFill>
-        <p:spPr>
-          <a:xfrm>
-            <a:off x="87329" y="1913411"/>
-            <a:ext cx="12017342" cy="3031178"/>
-          </a:xfrm>
-          <a:prstGeom prst="rect">
-            <a:avLst/>
-          </a:prstGeom>
-        </p:spPr>
-      </p:pic>
-      <p:cxnSp>
-        <p:nvCxnSpPr>
-          <p:cNvPr id="8" name="직선 연결선 7">
-            <a:extLst>
-              <a:ext uri="{FF2B5EF4-FFF2-40B4-BE49-F238E27FC236}">
-                <a16:creationId xmlns:a16="http://schemas.microsoft.com/office/drawing/2014/main" id="{621869A1-3582-4924-8251-166738D77B71}"/>
-              </a:ext>
-            </a:extLst>
-          </p:cNvPr>
-          <p:cNvCxnSpPr>
-            <a:cxnSpLocks/>
-          </p:cNvCxnSpPr>
-          <p:nvPr/>
-        </p:nvCxnSpPr>
-        <p:spPr>
-          <a:xfrm>
-            <a:off x="11999710" y="6116320"/>
-            <a:ext cx="0" cy="741680"/>
-          </a:xfrm>
-          <a:prstGeom prst="line">
-            <a:avLst/>
-          </a:prstGeom>
-        </p:spPr>
-        <p:style>
-          <a:lnRef idx="1">
-            <a:schemeClr val="accent1"/>
-          </a:lnRef>
-          <a:fillRef idx="0">
-            <a:schemeClr val="accent1"/>
-          </a:fillRef>
-          <a:effectRef idx="0">
-            <a:schemeClr val="accent1"/>
-          </a:effectRef>
-          <a:fontRef idx="minor">
-            <a:schemeClr val="tx1"/>
-          </a:fontRef>
-        </p:style>
-      </p:cxnSp>
-    </p:spTree>
-    <p:extLst>
-      <p:ext uri="{BB962C8B-B14F-4D97-AF65-F5344CB8AC3E}">
-        <p14:creationId xmlns:p14="http://schemas.microsoft.com/office/powerpoint/2010/main" val="1116994982"/>
-      </p:ext>
-    </p:extLst>
-  </p:cSld>
-  <p:clrMapOvr>
-    <a:masterClrMapping/>
-  </p:clrMapOvr>
-  <mc:AlternateContent xmlns:mc="http://schemas.openxmlformats.org/markup-compatibility/2006" xmlns:p159="http://schemas.microsoft.com/office/powerpoint/2015/09/main">
-    <mc:Choice Requires="p159">
-      <p:transition xmlns:p14="http://schemas.microsoft.com/office/powerpoint/2010/main" spd="slow" p14:dur="2000">
-        <p159:morph option="byObject"/>
-      </p:transition>
-    </mc:Choice>
-    <mc:Fallback xmlns="">
-      <p:transition spd="slow">
-        <p:fade/>
-      </p:transition>
-    </mc:Fallback>
-  </mc:AlternateContent>
-</p:sld>
-</file>
-
-<file path=ppt/slides/slide3.xml><?xml version="1.0" encoding="utf-8"?>
-<p:sld xmlns:a="http://schemas.openxmlformats.org/drawingml/2006/main" xmlns:r="http://schemas.openxmlformats.org/officeDocument/2006/relationships" xmlns:p="http://schemas.openxmlformats.org/presentationml/2006/main">
-  <p:cSld>
-    <p:spTree>
-      <p:nvGrpSpPr>
-        <p:cNvPr id="1" name=""/>
-        <p:cNvGrpSpPr/>
-        <p:nvPr/>
-      </p:nvGrpSpPr>
-      <p:grpSpPr>
-        <a:xfrm>
-          <a:off x="0" y="0"/>
-          <a:ext cx="0" cy="0"/>
-          <a:chOff x="0" y="0"/>
-          <a:chExt cx="0" cy="0"/>
-        </a:xfrm>
-      </p:grpSpPr>
-      <p:sp>
-        <p:nvSpPr>
-          <p:cNvPr id="16" name="직사각형 15">
-            <a:extLst>
-              <a:ext uri="{FF2B5EF4-FFF2-40B4-BE49-F238E27FC236}">
-                <a16:creationId xmlns:a16="http://schemas.microsoft.com/office/drawing/2014/main" id="{0DE9F634-4134-4BCF-879A-017CFBF4E700}"/>
-              </a:ext>
-            </a:extLst>
-          </p:cNvPr>
-          <p:cNvSpPr/>
-          <p:nvPr/>
-        </p:nvSpPr>
-        <p:spPr>
-          <a:xfrm>
-            <a:off x="11148933" y="6814543"/>
-            <a:ext cx="626228" cy="45719"/>
-          </a:xfrm>
-          <a:prstGeom prst="rect">
-            <a:avLst/>
-          </a:prstGeom>
-          <a:ln>
-            <a:noFill/>
-          </a:ln>
-        </p:spPr>
-        <p:style>
-          <a:lnRef idx="2">
-            <a:schemeClr val="accent1">
-              <a:shade val="50000"/>
-            </a:schemeClr>
-          </a:lnRef>
-          <a:fillRef idx="1">
-            <a:schemeClr val="accent1"/>
-          </a:fillRef>
-          <a:effectRef idx="0">
-            <a:schemeClr val="accent1"/>
-          </a:effectRef>
-          <a:fontRef idx="minor">
-            <a:schemeClr val="lt1"/>
-          </a:fontRef>
-        </p:style>
-        <p:txBody>
-          <a:bodyPr rtlCol="0" anchor="ctr"/>
-          <a:lstStyle/>
-          <a:p>
-            <a:pPr algn="ctr"/>
-            <a:endParaRPr lang="ko-KR" altLang="en-US"/>
-          </a:p>
-        </p:txBody>
-      </p:sp>
-      <p:sp>
-        <p:nvSpPr>
-          <p:cNvPr id="17" name="TextBox 16">
-            <a:extLst>
-              <a:ext uri="{FF2B5EF4-FFF2-40B4-BE49-F238E27FC236}">
-                <a16:creationId xmlns:a16="http://schemas.microsoft.com/office/drawing/2014/main" id="{68566875-F742-43B6-8CFC-F95662D18BE7}"/>
-              </a:ext>
-            </a:extLst>
-          </p:cNvPr>
-          <p:cNvSpPr txBox="1"/>
-          <p:nvPr/>
-        </p:nvSpPr>
-        <p:spPr>
-          <a:xfrm>
-            <a:off x="441438" y="356959"/>
-            <a:ext cx="2890535" cy="769441"/>
-          </a:xfrm>
-          <a:prstGeom prst="rect">
-            <a:avLst/>
-          </a:prstGeom>
-          <a:noFill/>
-        </p:spPr>
-        <p:txBody>
-          <a:bodyPr wrap="none" rtlCol="0">
-            <a:spAutoFit/>
-          </a:bodyPr>
-          <a:lstStyle/>
-          <a:p>
-            <a:r>
-              <a:rPr lang="ko-KR" altLang="en-US" sz="4400" dirty="0">
-                <a:solidFill>
-                  <a:schemeClr val="tx1">
-                    <a:lumMod val="85000"/>
-                    <a:lumOff val="15000"/>
-                  </a:schemeClr>
-                </a:solidFill>
-                <a:latin typeface="+mj-ea"/>
-                <a:ea typeface="+mj-ea"/>
-              </a:rPr>
-              <a:t>페이지 설계</a:t>
-            </a:r>
-          </a:p>
-        </p:txBody>
-      </p:sp>
-      <p:cxnSp>
-        <p:nvCxnSpPr>
-          <p:cNvPr id="18" name="직선 연결선 17">
-            <a:extLst>
-              <a:ext uri="{FF2B5EF4-FFF2-40B4-BE49-F238E27FC236}">
-                <a16:creationId xmlns:a16="http://schemas.microsoft.com/office/drawing/2014/main" id="{5134904B-0486-4E2E-823B-1014BD3BCBFD}"/>
-              </a:ext>
-            </a:extLst>
-          </p:cNvPr>
-          <p:cNvCxnSpPr>
-            <a:cxnSpLocks/>
-          </p:cNvCxnSpPr>
-          <p:nvPr/>
-        </p:nvCxnSpPr>
-        <p:spPr>
-          <a:xfrm>
-            <a:off x="11999710" y="1966048"/>
-            <a:ext cx="0" cy="4891952"/>
-          </a:xfrm>
-          <a:prstGeom prst="line">
-            <a:avLst/>
-          </a:prstGeom>
-        </p:spPr>
-        <p:style>
-          <a:lnRef idx="1">
-            <a:schemeClr val="accent1"/>
-          </a:lnRef>
-          <a:fillRef idx="0">
-            <a:schemeClr val="accent1"/>
-          </a:fillRef>
-          <a:effectRef idx="0">
-            <a:schemeClr val="accent1"/>
-          </a:effectRef>
-          <a:fontRef idx="minor">
-            <a:schemeClr val="tx1"/>
-          </a:fontRef>
-        </p:style>
-      </p:cxnSp>
-      <p:cxnSp>
-        <p:nvCxnSpPr>
-          <p:cNvPr id="19" name="직선 연결선 18">
-            <a:extLst>
-              <a:ext uri="{FF2B5EF4-FFF2-40B4-BE49-F238E27FC236}">
-                <a16:creationId xmlns:a16="http://schemas.microsoft.com/office/drawing/2014/main" id="{7139EBB0-C8E5-4548-B458-0E99FD0FB0C8}"/>
-              </a:ext>
-            </a:extLst>
-          </p:cNvPr>
-          <p:cNvCxnSpPr>
-            <a:cxnSpLocks/>
-          </p:cNvCxnSpPr>
-          <p:nvPr/>
-        </p:nvCxnSpPr>
-        <p:spPr>
-          <a:xfrm>
-            <a:off x="11999710" y="0"/>
-            <a:ext cx="0" cy="741680"/>
-          </a:xfrm>
-          <a:prstGeom prst="line">
-            <a:avLst/>
-          </a:prstGeom>
-        </p:spPr>
-        <p:style>
-          <a:lnRef idx="1">
-            <a:schemeClr val="accent1"/>
-          </a:lnRef>
-          <a:fillRef idx="0">
-            <a:schemeClr val="accent1"/>
-          </a:fillRef>
-          <a:effectRef idx="0">
-            <a:schemeClr val="accent1"/>
-          </a:effectRef>
-          <a:fontRef idx="minor">
-            <a:schemeClr val="tx1"/>
-          </a:fontRef>
-        </p:style>
-      </p:cxnSp>
-      <p:sp>
-        <p:nvSpPr>
-          <p:cNvPr id="2" name="직사각형 1">
-            <a:extLst>
-              <a:ext uri="{FF2B5EF4-FFF2-40B4-BE49-F238E27FC236}">
-                <a16:creationId xmlns:a16="http://schemas.microsoft.com/office/drawing/2014/main" id="{7F536447-68DC-48F5-91DF-64517A83FA3C}"/>
-              </a:ext>
-            </a:extLst>
-          </p:cNvPr>
-          <p:cNvSpPr/>
-          <p:nvPr/>
-        </p:nvSpPr>
-        <p:spPr>
-          <a:xfrm>
-            <a:off x="441438" y="4582510"/>
-            <a:ext cx="1019500" cy="872359"/>
-          </a:xfrm>
-          <a:prstGeom prst="rect">
-            <a:avLst/>
-          </a:prstGeom>
-          <a:solidFill>
-            <a:schemeClr val="bg1"/>
-          </a:solidFill>
-          <a:ln>
-            <a:noFill/>
-          </a:ln>
-        </p:spPr>
-        <p:style>
-          <a:lnRef idx="2">
-            <a:schemeClr val="accent1">
-              <a:shade val="50000"/>
-            </a:schemeClr>
-          </a:lnRef>
-          <a:fillRef idx="1">
-            <a:schemeClr val="accent1"/>
-          </a:fillRef>
-          <a:effectRef idx="0">
-            <a:schemeClr val="accent1"/>
-          </a:effectRef>
-          <a:fontRef idx="minor">
-            <a:schemeClr val="lt1"/>
-          </a:fontRef>
-        </p:style>
-        <p:txBody>
-          <a:bodyPr rtlCol="0" anchor="ctr"/>
-          <a:lstStyle/>
-          <a:p>
-            <a:pPr algn="ctr"/>
-            <a:endParaRPr lang="ko-KR" altLang="en-US"/>
-          </a:p>
-        </p:txBody>
-      </p:sp>
-      <p:pic>
-        <p:nvPicPr>
-          <p:cNvPr id="3" name="그림 2">
-            <a:extLst>
-              <a:ext uri="{FF2B5EF4-FFF2-40B4-BE49-F238E27FC236}">
-                <a16:creationId xmlns:a16="http://schemas.microsoft.com/office/drawing/2014/main" id="{BB2A76BE-1B43-486E-AD7C-2898C153458A}"/>
-              </a:ext>
-            </a:extLst>
-          </p:cNvPr>
-          <p:cNvPicPr>
-            <a:picLocks noChangeAspect="1"/>
-          </p:cNvPicPr>
-          <p:nvPr/>
-        </p:nvPicPr>
-        <p:blipFill>
-          <a:blip r:embed="rId2"/>
-          <a:stretch>
-            <a:fillRect/>
-          </a:stretch>
-        </p:blipFill>
-        <p:spPr>
-          <a:xfrm>
-            <a:off x="1602331" y="1486370"/>
-            <a:ext cx="8987338" cy="4891952"/>
-          </a:xfrm>
-          <a:prstGeom prst="rect">
-            <a:avLst/>
-          </a:prstGeom>
-        </p:spPr>
-      </p:pic>
-    </p:spTree>
-    <p:extLst>
-      <p:ext uri="{BB962C8B-B14F-4D97-AF65-F5344CB8AC3E}">
-        <p14:creationId xmlns:p14="http://schemas.microsoft.com/office/powerpoint/2010/main" val="1716743506"/>
-      </p:ext>
-    </p:extLst>
-  </p:cSld>
-  <p:clrMapOvr>
-    <a:masterClrMapping/>
-  </p:clrMapOvr>
-  <mc:AlternateContent xmlns:mc="http://schemas.openxmlformats.org/markup-compatibility/2006" xmlns:p159="http://schemas.microsoft.com/office/powerpoint/2015/09/main">
-    <mc:Choice Requires="p159">
-      <p:transition xmlns:p14="http://schemas.microsoft.com/office/powerpoint/2010/main" spd="slow" p14:dur="2000">
-        <p159:morph option="byObject"/>
-      </p:transition>
-    </mc:Choice>
-    <mc:Fallback xmlns="">
-      <p:transition spd="slow">
-        <p:fade/>
-      </p:transition>
-    </mc:Fallback>
-  </mc:AlternateContent>
-</p:sld>
-</file>
-
-<file path=ppt/slides/slide4.xml><?xml version="1.0" encoding="utf-8"?>
-<p:sld xmlns:a="http://schemas.openxmlformats.org/drawingml/2006/main" xmlns:r="http://schemas.openxmlformats.org/officeDocument/2006/relationships" xmlns:p="http://schemas.openxmlformats.org/presentationml/2006/main">
-  <p:cSld>
-    <p:spTree>
-      <p:nvGrpSpPr>
-        <p:cNvPr id="1" name=""/>
-        <p:cNvGrpSpPr/>
-        <p:nvPr/>
-      </p:nvGrpSpPr>
-      <p:grpSpPr>
-        <a:xfrm>
-          <a:off x="0" y="0"/>
-          <a:ext cx="0" cy="0"/>
-          <a:chOff x="0" y="0"/>
-          <a:chExt cx="0" cy="0"/>
-        </a:xfrm>
-      </p:grpSpPr>
-      <p:sp>
-        <p:nvSpPr>
           <p:cNvPr id="16" name="직사각형 15">
             <a:extLst>
               <a:ext uri="{FF2B5EF4-FFF2-40B4-BE49-F238E27FC236}">
@@ -6944,7 +4751,7 @@
 </p:sld>
 </file>
 
-<file path=ppt/slides/slide5.xml><?xml version="1.0" encoding="utf-8"?>
+<file path=ppt/slides/slide13.xml><?xml version="1.0" encoding="utf-8"?>
 <p:sld xmlns:a="http://schemas.openxmlformats.org/drawingml/2006/main" xmlns:r="http://schemas.openxmlformats.org/officeDocument/2006/relationships" xmlns:p="http://schemas.openxmlformats.org/presentationml/2006/main">
   <p:cSld>
     <p:spTree>
@@ -7528,6 +5335,2252 @@
 </p:sld>
 </file>
 
+<file path=ppt/slides/slide14.xml><?xml version="1.0" encoding="utf-8"?>
+<p:sld xmlns:a="http://schemas.openxmlformats.org/drawingml/2006/main" xmlns:r="http://schemas.openxmlformats.org/officeDocument/2006/relationships" xmlns:p="http://schemas.openxmlformats.org/presentationml/2006/main">
+  <p:cSld>
+    <p:spTree>
+      <p:nvGrpSpPr>
+        <p:cNvPr id="1" name=""/>
+        <p:cNvGrpSpPr/>
+        <p:nvPr/>
+      </p:nvGrpSpPr>
+      <p:grpSpPr>
+        <a:xfrm>
+          <a:off x="0" y="0"/>
+          <a:ext cx="0" cy="0"/>
+          <a:chOff x="0" y="0"/>
+          <a:chExt cx="0" cy="0"/>
+        </a:xfrm>
+      </p:grpSpPr>
+      <p:grpSp>
+        <p:nvGrpSpPr>
+          <p:cNvPr id="8" name="그룹 7">
+            <a:extLst>
+              <a:ext uri="{FF2B5EF4-FFF2-40B4-BE49-F238E27FC236}">
+                <a16:creationId xmlns:a16="http://schemas.microsoft.com/office/drawing/2014/main" id="{85DCB0B9-F406-4303-80D9-795C8C2D576F}"/>
+              </a:ext>
+            </a:extLst>
+          </p:cNvPr>
+          <p:cNvGrpSpPr/>
+          <p:nvPr/>
+        </p:nvGrpSpPr>
+        <p:grpSpPr>
+          <a:xfrm>
+            <a:off x="876784" y="2772629"/>
+            <a:ext cx="265869" cy="2682240"/>
+            <a:chOff x="396240" y="2448560"/>
+            <a:chExt cx="265869" cy="2682240"/>
+          </a:xfrm>
+        </p:grpSpPr>
+        <p:sp>
+          <p:nvSpPr>
+            <p:cNvPr id="4" name="타원 3">
+              <a:extLst>
+                <a:ext uri="{FF2B5EF4-FFF2-40B4-BE49-F238E27FC236}">
+                  <a16:creationId xmlns:a16="http://schemas.microsoft.com/office/drawing/2014/main" id="{053316FF-DED2-4ADB-93F6-600758CC3A53}"/>
+                </a:ext>
+              </a:extLst>
+            </p:cNvPr>
+            <p:cNvSpPr/>
+            <p:nvPr/>
+          </p:nvSpPr>
+          <p:spPr>
+            <a:xfrm>
+              <a:off x="396240" y="2448560"/>
+              <a:ext cx="265869" cy="265869"/>
+            </a:xfrm>
+            <a:prstGeom prst="ellipse">
+              <a:avLst/>
+            </a:prstGeom>
+            <a:ln>
+              <a:noFill/>
+            </a:ln>
+          </p:spPr>
+          <p:style>
+            <a:lnRef idx="2">
+              <a:schemeClr val="accent1">
+                <a:shade val="50000"/>
+              </a:schemeClr>
+            </a:lnRef>
+            <a:fillRef idx="1">
+              <a:schemeClr val="accent1"/>
+            </a:fillRef>
+            <a:effectRef idx="0">
+              <a:schemeClr val="accent1"/>
+            </a:effectRef>
+            <a:fontRef idx="minor">
+              <a:schemeClr val="lt1"/>
+            </a:fontRef>
+          </p:style>
+          <p:txBody>
+            <a:bodyPr rtlCol="0" anchor="ctr"/>
+            <a:lstStyle/>
+            <a:p>
+              <a:pPr algn="ctr"/>
+              <a:endParaRPr lang="ko-KR" altLang="en-US"/>
+            </a:p>
+          </p:txBody>
+        </p:sp>
+        <p:sp>
+          <p:nvSpPr>
+            <p:cNvPr id="5" name="타원 4">
+              <a:extLst>
+                <a:ext uri="{FF2B5EF4-FFF2-40B4-BE49-F238E27FC236}">
+                  <a16:creationId xmlns:a16="http://schemas.microsoft.com/office/drawing/2014/main" id="{9BC15923-DFAA-41CF-A14B-C12BD157E17B}"/>
+                </a:ext>
+              </a:extLst>
+            </p:cNvPr>
+            <p:cNvSpPr/>
+            <p:nvPr/>
+          </p:nvSpPr>
+          <p:spPr>
+            <a:xfrm>
+              <a:off x="396240" y="3656746"/>
+              <a:ext cx="265869" cy="265869"/>
+            </a:xfrm>
+            <a:prstGeom prst="ellipse">
+              <a:avLst/>
+            </a:prstGeom>
+            <a:ln>
+              <a:noFill/>
+            </a:ln>
+          </p:spPr>
+          <p:style>
+            <a:lnRef idx="2">
+              <a:schemeClr val="accent1">
+                <a:shade val="50000"/>
+              </a:schemeClr>
+            </a:lnRef>
+            <a:fillRef idx="1">
+              <a:schemeClr val="accent1"/>
+            </a:fillRef>
+            <a:effectRef idx="0">
+              <a:schemeClr val="accent1"/>
+            </a:effectRef>
+            <a:fontRef idx="minor">
+              <a:schemeClr val="lt1"/>
+            </a:fontRef>
+          </p:style>
+          <p:txBody>
+            <a:bodyPr rtlCol="0" anchor="ctr"/>
+            <a:lstStyle/>
+            <a:p>
+              <a:pPr algn="ctr"/>
+              <a:endParaRPr lang="ko-KR" altLang="en-US"/>
+            </a:p>
+          </p:txBody>
+        </p:sp>
+        <p:sp>
+          <p:nvSpPr>
+            <p:cNvPr id="6" name="타원 5">
+              <a:extLst>
+                <a:ext uri="{FF2B5EF4-FFF2-40B4-BE49-F238E27FC236}">
+                  <a16:creationId xmlns:a16="http://schemas.microsoft.com/office/drawing/2014/main" id="{2FA75BEA-D8FA-4D80-8632-9E5C4FFAB67E}"/>
+                </a:ext>
+              </a:extLst>
+            </p:cNvPr>
+            <p:cNvSpPr/>
+            <p:nvPr/>
+          </p:nvSpPr>
+          <p:spPr>
+            <a:xfrm>
+              <a:off x="396240" y="4864931"/>
+              <a:ext cx="265869" cy="265869"/>
+            </a:xfrm>
+            <a:prstGeom prst="ellipse">
+              <a:avLst/>
+            </a:prstGeom>
+            <a:ln>
+              <a:noFill/>
+            </a:ln>
+          </p:spPr>
+          <p:style>
+            <a:lnRef idx="2">
+              <a:schemeClr val="accent1">
+                <a:shade val="50000"/>
+              </a:schemeClr>
+            </a:lnRef>
+            <a:fillRef idx="1">
+              <a:schemeClr val="accent1"/>
+            </a:fillRef>
+            <a:effectRef idx="0">
+              <a:schemeClr val="accent1"/>
+            </a:effectRef>
+            <a:fontRef idx="minor">
+              <a:schemeClr val="lt1"/>
+            </a:fontRef>
+          </p:style>
+          <p:txBody>
+            <a:bodyPr rtlCol="0" anchor="ctr"/>
+            <a:lstStyle/>
+            <a:p>
+              <a:pPr algn="ctr"/>
+              <a:endParaRPr lang="ko-KR" altLang="en-US"/>
+            </a:p>
+          </p:txBody>
+        </p:sp>
+      </p:grpSp>
+      <p:sp>
+        <p:nvSpPr>
+          <p:cNvPr id="12" name="TextBox 11">
+            <a:extLst>
+              <a:ext uri="{FF2B5EF4-FFF2-40B4-BE49-F238E27FC236}">
+                <a16:creationId xmlns:a16="http://schemas.microsoft.com/office/drawing/2014/main" id="{2D181403-7959-46FE-8FF5-5A0ACA130389}"/>
+              </a:ext>
+            </a:extLst>
+          </p:cNvPr>
+          <p:cNvSpPr txBox="1"/>
+          <p:nvPr/>
+        </p:nvSpPr>
+        <p:spPr>
+          <a:xfrm>
+            <a:off x="1460938" y="2705236"/>
+            <a:ext cx="8205537" cy="400110"/>
+          </a:xfrm>
+          <a:prstGeom prst="rect">
+            <a:avLst/>
+          </a:prstGeom>
+          <a:noFill/>
+        </p:spPr>
+        <p:txBody>
+          <a:bodyPr wrap="square" rtlCol="0">
+            <a:spAutoFit/>
+          </a:bodyPr>
+          <a:lstStyle/>
+          <a:p>
+            <a:pPr algn="just"/>
+            <a:r>
+              <a:rPr lang="ko-KR" altLang="en-US" sz="2000" dirty="0"/>
+              <a:t>페이지 틀 개발 시작</a:t>
+            </a:r>
+          </a:p>
+        </p:txBody>
+      </p:sp>
+      <p:sp>
+        <p:nvSpPr>
+          <p:cNvPr id="14" name="TextBox 13">
+            <a:extLst>
+              <a:ext uri="{FF2B5EF4-FFF2-40B4-BE49-F238E27FC236}">
+                <a16:creationId xmlns:a16="http://schemas.microsoft.com/office/drawing/2014/main" id="{70EE63BC-A4D2-46BB-AC0B-CCD9B69EACF8}"/>
+              </a:ext>
+            </a:extLst>
+          </p:cNvPr>
+          <p:cNvSpPr txBox="1"/>
+          <p:nvPr/>
+        </p:nvSpPr>
+        <p:spPr>
+          <a:xfrm>
+            <a:off x="1460938" y="3877352"/>
+            <a:ext cx="8205537" cy="400110"/>
+          </a:xfrm>
+          <a:prstGeom prst="rect">
+            <a:avLst/>
+          </a:prstGeom>
+          <a:noFill/>
+        </p:spPr>
+        <p:txBody>
+          <a:bodyPr wrap="square" rtlCol="0">
+            <a:spAutoFit/>
+          </a:bodyPr>
+          <a:lstStyle/>
+          <a:p>
+            <a:pPr algn="just"/>
+            <a:r>
+              <a:rPr lang="en-US" altLang="ko-KR" sz="2000" dirty="0"/>
+              <a:t>Spring</a:t>
+            </a:r>
+            <a:r>
+              <a:rPr lang="ko-KR" altLang="en-US" sz="2000" dirty="0"/>
+              <a:t> </a:t>
+            </a:r>
+            <a:r>
+              <a:rPr lang="en-US" altLang="ko-KR" sz="2000" dirty="0"/>
+              <a:t>Framework </a:t>
+            </a:r>
+            <a:r>
+              <a:rPr lang="ko-KR" altLang="en-US" sz="2000" dirty="0"/>
+              <a:t>숙달</a:t>
+            </a:r>
+            <a:endParaRPr lang="en-US" altLang="ko-KR" sz="2000" dirty="0"/>
+          </a:p>
+        </p:txBody>
+      </p:sp>
+      <p:sp>
+        <p:nvSpPr>
+          <p:cNvPr id="15" name="직사각형 14">
+            <a:extLst>
+              <a:ext uri="{FF2B5EF4-FFF2-40B4-BE49-F238E27FC236}">
+                <a16:creationId xmlns:a16="http://schemas.microsoft.com/office/drawing/2014/main" id="{95C00803-5D62-4DDC-8F66-5127BD603C56}"/>
+              </a:ext>
+            </a:extLst>
+          </p:cNvPr>
+          <p:cNvSpPr/>
+          <p:nvPr/>
+        </p:nvSpPr>
+        <p:spPr>
+          <a:xfrm>
+            <a:off x="293611" y="0"/>
+            <a:ext cx="1432217" cy="152700"/>
+          </a:xfrm>
+          <a:prstGeom prst="rect">
+            <a:avLst/>
+          </a:prstGeom>
+          <a:ln>
+            <a:noFill/>
+          </a:ln>
+        </p:spPr>
+        <p:style>
+          <a:lnRef idx="2">
+            <a:schemeClr val="accent1">
+              <a:shade val="50000"/>
+            </a:schemeClr>
+          </a:lnRef>
+          <a:fillRef idx="1">
+            <a:schemeClr val="accent1"/>
+          </a:fillRef>
+          <a:effectRef idx="0">
+            <a:schemeClr val="accent1"/>
+          </a:effectRef>
+          <a:fontRef idx="minor">
+            <a:schemeClr val="lt1"/>
+          </a:fontRef>
+        </p:style>
+        <p:txBody>
+          <a:bodyPr rtlCol="0" anchor="ctr"/>
+          <a:lstStyle/>
+          <a:p>
+            <a:pPr algn="ctr"/>
+            <a:endParaRPr lang="ko-KR" altLang="en-US"/>
+          </a:p>
+        </p:txBody>
+      </p:sp>
+      <p:sp>
+        <p:nvSpPr>
+          <p:cNvPr id="16" name="직사각형 15">
+            <a:extLst>
+              <a:ext uri="{FF2B5EF4-FFF2-40B4-BE49-F238E27FC236}">
+                <a16:creationId xmlns:a16="http://schemas.microsoft.com/office/drawing/2014/main" id="{0DE9F634-4134-4BCF-879A-017CFBF4E700}"/>
+              </a:ext>
+            </a:extLst>
+          </p:cNvPr>
+          <p:cNvSpPr/>
+          <p:nvPr/>
+        </p:nvSpPr>
+        <p:spPr>
+          <a:xfrm>
+            <a:off x="11148933" y="6814543"/>
+            <a:ext cx="626228" cy="45719"/>
+          </a:xfrm>
+          <a:prstGeom prst="rect">
+            <a:avLst/>
+          </a:prstGeom>
+          <a:ln>
+            <a:noFill/>
+          </a:ln>
+        </p:spPr>
+        <p:style>
+          <a:lnRef idx="2">
+            <a:schemeClr val="accent1">
+              <a:shade val="50000"/>
+            </a:schemeClr>
+          </a:lnRef>
+          <a:fillRef idx="1">
+            <a:schemeClr val="accent1"/>
+          </a:fillRef>
+          <a:effectRef idx="0">
+            <a:schemeClr val="accent1"/>
+          </a:effectRef>
+          <a:fontRef idx="minor">
+            <a:schemeClr val="lt1"/>
+          </a:fontRef>
+        </p:style>
+        <p:txBody>
+          <a:bodyPr rtlCol="0" anchor="ctr"/>
+          <a:lstStyle/>
+          <a:p>
+            <a:pPr algn="ctr"/>
+            <a:endParaRPr lang="ko-KR" altLang="en-US"/>
+          </a:p>
+        </p:txBody>
+      </p:sp>
+      <p:sp>
+        <p:nvSpPr>
+          <p:cNvPr id="17" name="TextBox 16">
+            <a:extLst>
+              <a:ext uri="{FF2B5EF4-FFF2-40B4-BE49-F238E27FC236}">
+                <a16:creationId xmlns:a16="http://schemas.microsoft.com/office/drawing/2014/main" id="{68566875-F742-43B6-8CFC-F95662D18BE7}"/>
+              </a:ext>
+            </a:extLst>
+          </p:cNvPr>
+          <p:cNvSpPr txBox="1"/>
+          <p:nvPr/>
+        </p:nvSpPr>
+        <p:spPr>
+          <a:xfrm>
+            <a:off x="441438" y="356959"/>
+            <a:ext cx="2377574" cy="769441"/>
+          </a:xfrm>
+          <a:prstGeom prst="rect">
+            <a:avLst/>
+          </a:prstGeom>
+          <a:noFill/>
+        </p:spPr>
+        <p:txBody>
+          <a:bodyPr wrap="none" rtlCol="0">
+            <a:spAutoFit/>
+          </a:bodyPr>
+          <a:lstStyle/>
+          <a:p>
+            <a:r>
+              <a:rPr lang="ko-KR" altLang="en-US" sz="4400" dirty="0">
+                <a:solidFill>
+                  <a:schemeClr val="tx1">
+                    <a:lumMod val="85000"/>
+                    <a:lumOff val="15000"/>
+                  </a:schemeClr>
+                </a:solidFill>
+                <a:latin typeface="+mj-ea"/>
+                <a:ea typeface="+mj-ea"/>
+              </a:rPr>
+              <a:t>차주 계획</a:t>
+            </a:r>
+          </a:p>
+        </p:txBody>
+      </p:sp>
+      <p:cxnSp>
+        <p:nvCxnSpPr>
+          <p:cNvPr id="18" name="직선 연결선 17">
+            <a:extLst>
+              <a:ext uri="{FF2B5EF4-FFF2-40B4-BE49-F238E27FC236}">
+                <a16:creationId xmlns:a16="http://schemas.microsoft.com/office/drawing/2014/main" id="{5134904B-0486-4E2E-823B-1014BD3BCBFD}"/>
+              </a:ext>
+            </a:extLst>
+          </p:cNvPr>
+          <p:cNvCxnSpPr>
+            <a:cxnSpLocks/>
+          </p:cNvCxnSpPr>
+          <p:nvPr/>
+        </p:nvCxnSpPr>
+        <p:spPr>
+          <a:xfrm>
+            <a:off x="11999710" y="1966048"/>
+            <a:ext cx="0" cy="4891952"/>
+          </a:xfrm>
+          <a:prstGeom prst="line">
+            <a:avLst/>
+          </a:prstGeom>
+        </p:spPr>
+        <p:style>
+          <a:lnRef idx="1">
+            <a:schemeClr val="accent1"/>
+          </a:lnRef>
+          <a:fillRef idx="0">
+            <a:schemeClr val="accent1"/>
+          </a:fillRef>
+          <a:effectRef idx="0">
+            <a:schemeClr val="accent1"/>
+          </a:effectRef>
+          <a:fontRef idx="minor">
+            <a:schemeClr val="tx1"/>
+          </a:fontRef>
+        </p:style>
+      </p:cxnSp>
+      <p:cxnSp>
+        <p:nvCxnSpPr>
+          <p:cNvPr id="19" name="직선 연결선 18">
+            <a:extLst>
+              <a:ext uri="{FF2B5EF4-FFF2-40B4-BE49-F238E27FC236}">
+                <a16:creationId xmlns:a16="http://schemas.microsoft.com/office/drawing/2014/main" id="{7139EBB0-C8E5-4548-B458-0E99FD0FB0C8}"/>
+              </a:ext>
+            </a:extLst>
+          </p:cNvPr>
+          <p:cNvCxnSpPr>
+            <a:cxnSpLocks/>
+          </p:cNvCxnSpPr>
+          <p:nvPr/>
+        </p:nvCxnSpPr>
+        <p:spPr>
+          <a:xfrm>
+            <a:off x="11999710" y="0"/>
+            <a:ext cx="0" cy="741680"/>
+          </a:xfrm>
+          <a:prstGeom prst="line">
+            <a:avLst/>
+          </a:prstGeom>
+        </p:spPr>
+        <p:style>
+          <a:lnRef idx="1">
+            <a:schemeClr val="accent1"/>
+          </a:lnRef>
+          <a:fillRef idx="0">
+            <a:schemeClr val="accent1"/>
+          </a:fillRef>
+          <a:effectRef idx="0">
+            <a:schemeClr val="accent1"/>
+          </a:effectRef>
+          <a:fontRef idx="minor">
+            <a:schemeClr val="tx1"/>
+          </a:fontRef>
+        </p:style>
+      </p:cxnSp>
+      <p:sp>
+        <p:nvSpPr>
+          <p:cNvPr id="2" name="직사각형 1">
+            <a:extLst>
+              <a:ext uri="{FF2B5EF4-FFF2-40B4-BE49-F238E27FC236}">
+                <a16:creationId xmlns:a16="http://schemas.microsoft.com/office/drawing/2014/main" id="{7F536447-68DC-48F5-91DF-64517A83FA3C}"/>
+              </a:ext>
+            </a:extLst>
+          </p:cNvPr>
+          <p:cNvSpPr/>
+          <p:nvPr/>
+        </p:nvSpPr>
+        <p:spPr>
+          <a:xfrm>
+            <a:off x="441438" y="4582510"/>
+            <a:ext cx="1019500" cy="872359"/>
+          </a:xfrm>
+          <a:prstGeom prst="rect">
+            <a:avLst/>
+          </a:prstGeom>
+          <a:solidFill>
+            <a:schemeClr val="bg1"/>
+          </a:solidFill>
+          <a:ln>
+            <a:noFill/>
+          </a:ln>
+        </p:spPr>
+        <p:style>
+          <a:lnRef idx="2">
+            <a:schemeClr val="accent1">
+              <a:shade val="50000"/>
+            </a:schemeClr>
+          </a:lnRef>
+          <a:fillRef idx="1">
+            <a:schemeClr val="accent1"/>
+          </a:fillRef>
+          <a:effectRef idx="0">
+            <a:schemeClr val="accent1"/>
+          </a:effectRef>
+          <a:fontRef idx="minor">
+            <a:schemeClr val="lt1"/>
+          </a:fontRef>
+        </p:style>
+        <p:txBody>
+          <a:bodyPr rtlCol="0" anchor="ctr"/>
+          <a:lstStyle/>
+          <a:p>
+            <a:pPr algn="ctr"/>
+            <a:endParaRPr lang="ko-KR" altLang="en-US"/>
+          </a:p>
+        </p:txBody>
+      </p:sp>
+    </p:spTree>
+    <p:extLst>
+      <p:ext uri="{BB962C8B-B14F-4D97-AF65-F5344CB8AC3E}">
+        <p14:creationId xmlns:p14="http://schemas.microsoft.com/office/powerpoint/2010/main" val="3900091982"/>
+      </p:ext>
+    </p:extLst>
+  </p:cSld>
+  <p:clrMapOvr>
+    <a:masterClrMapping/>
+  </p:clrMapOvr>
+  <mc:AlternateContent xmlns:mc="http://schemas.openxmlformats.org/markup-compatibility/2006" xmlns:p159="http://schemas.microsoft.com/office/powerpoint/2015/09/main">
+    <mc:Choice Requires="p159">
+      <p:transition xmlns:p14="http://schemas.microsoft.com/office/powerpoint/2010/main" spd="slow" p14:dur="2000">
+        <p159:morph option="byObject"/>
+      </p:transition>
+    </mc:Choice>
+    <mc:Fallback xmlns="">
+      <p:transition spd="slow">
+        <p:fade/>
+      </p:transition>
+    </mc:Fallback>
+  </mc:AlternateContent>
+</p:sld>
+</file>
+
+<file path=ppt/slides/slide15.xml><?xml version="1.0" encoding="utf-8"?>
+<p:sld xmlns:a="http://schemas.openxmlformats.org/drawingml/2006/main" xmlns:r="http://schemas.openxmlformats.org/officeDocument/2006/relationships" xmlns:p="http://schemas.openxmlformats.org/presentationml/2006/main">
+  <p:cSld>
+    <p:bg>
+      <p:bgPr>
+        <a:gradFill flip="none" rotWithShape="1">
+          <a:gsLst>
+            <a:gs pos="0">
+              <a:schemeClr val="accent1">
+                <a:lumMod val="89000"/>
+              </a:schemeClr>
+            </a:gs>
+            <a:gs pos="24000">
+              <a:srgbClr val="DCB6C7"/>
+            </a:gs>
+            <a:gs pos="49000">
+              <a:srgbClr val="FEDECE"/>
+            </a:gs>
+            <a:gs pos="97409">
+              <a:srgbClr val="FF8687"/>
+            </a:gs>
+            <a:gs pos="74000">
+              <a:srgbClr val="FFAB94"/>
+            </a:gs>
+          </a:gsLst>
+          <a:lin ang="2700000" scaled="1"/>
+          <a:tileRect/>
+        </a:gradFill>
+        <a:effectLst/>
+      </p:bgPr>
+    </p:bg>
+    <p:spTree>
+      <p:nvGrpSpPr>
+        <p:cNvPr id="1" name=""/>
+        <p:cNvGrpSpPr/>
+        <p:nvPr/>
+      </p:nvGrpSpPr>
+      <p:grpSpPr>
+        <a:xfrm>
+          <a:off x="0" y="0"/>
+          <a:ext cx="0" cy="0"/>
+          <a:chOff x="0" y="0"/>
+          <a:chExt cx="0" cy="0"/>
+        </a:xfrm>
+      </p:grpSpPr>
+      <p:sp>
+        <p:nvSpPr>
+          <p:cNvPr id="2" name="TextBox 1">
+            <a:extLst>
+              <a:ext uri="{FF2B5EF4-FFF2-40B4-BE49-F238E27FC236}">
+                <a16:creationId xmlns:a16="http://schemas.microsoft.com/office/drawing/2014/main" id="{34D71BC1-3E47-4870-8BD3-65E9C58E25CC}"/>
+              </a:ext>
+            </a:extLst>
+          </p:cNvPr>
+          <p:cNvSpPr txBox="1"/>
+          <p:nvPr/>
+        </p:nvSpPr>
+        <p:spPr>
+          <a:xfrm>
+            <a:off x="3329516" y="2921168"/>
+            <a:ext cx="5532968" cy="1015663"/>
+          </a:xfrm>
+          <a:prstGeom prst="rect">
+            <a:avLst/>
+          </a:prstGeom>
+          <a:noFill/>
+        </p:spPr>
+        <p:txBody>
+          <a:bodyPr wrap="square" rtlCol="0">
+            <a:spAutoFit/>
+          </a:bodyPr>
+          <a:lstStyle/>
+          <a:p>
+            <a:pPr algn="ctr"/>
+            <a:r>
+              <a:rPr lang="ko-KR" altLang="en-US" sz="6000" b="1" dirty="0">
+                <a:solidFill>
+                  <a:srgbClr val="3C3D46"/>
+                </a:solidFill>
+              </a:rPr>
+              <a:t>감사합니다</a:t>
+            </a:r>
+          </a:p>
+        </p:txBody>
+      </p:sp>
+    </p:spTree>
+    <p:extLst>
+      <p:ext uri="{BB962C8B-B14F-4D97-AF65-F5344CB8AC3E}">
+        <p14:creationId xmlns:p14="http://schemas.microsoft.com/office/powerpoint/2010/main" val="4260233939"/>
+      </p:ext>
+    </p:extLst>
+  </p:cSld>
+  <p:clrMapOvr>
+    <a:masterClrMapping/>
+  </p:clrMapOvr>
+  <mc:AlternateContent xmlns:mc="http://schemas.openxmlformats.org/markup-compatibility/2006" xmlns:p159="http://schemas.microsoft.com/office/powerpoint/2015/09/main">
+    <mc:Choice Requires="p159">
+      <p:transition xmlns:p14="http://schemas.microsoft.com/office/powerpoint/2010/main" spd="slow" p14:dur="2000">
+        <p159:morph option="byObject"/>
+      </p:transition>
+    </mc:Choice>
+    <mc:Fallback xmlns="">
+      <p:transition spd="slow">
+        <p:fade/>
+      </p:transition>
+    </mc:Fallback>
+  </mc:AlternateContent>
+</p:sld>
+</file>
+
+<file path=ppt/slides/slide2.xml><?xml version="1.0" encoding="utf-8"?>
+<p:sld xmlns:a="http://schemas.openxmlformats.org/drawingml/2006/main" xmlns:r="http://schemas.openxmlformats.org/officeDocument/2006/relationships" xmlns:p="http://schemas.openxmlformats.org/presentationml/2006/main">
+  <p:cSld>
+    <p:spTree>
+      <p:nvGrpSpPr>
+        <p:cNvPr id="1" name=""/>
+        <p:cNvGrpSpPr/>
+        <p:nvPr/>
+      </p:nvGrpSpPr>
+      <p:grpSpPr>
+        <a:xfrm>
+          <a:off x="0" y="0"/>
+          <a:ext cx="0" cy="0"/>
+          <a:chOff x="0" y="0"/>
+          <a:chExt cx="0" cy="0"/>
+        </a:xfrm>
+      </p:grpSpPr>
+      <p:sp>
+        <p:nvSpPr>
+          <p:cNvPr id="214" name="직사각형 213">
+            <a:extLst>
+              <a:ext uri="{FF2B5EF4-FFF2-40B4-BE49-F238E27FC236}">
+                <a16:creationId xmlns:a16="http://schemas.microsoft.com/office/drawing/2014/main" id="{62C5C816-676B-40BE-AFC6-D52115F2510D}"/>
+              </a:ext>
+            </a:extLst>
+          </p:cNvPr>
+          <p:cNvSpPr/>
+          <p:nvPr/>
+        </p:nvSpPr>
+        <p:spPr>
+          <a:xfrm>
+            <a:off x="293611" y="0"/>
+            <a:ext cx="1432217" cy="152700"/>
+          </a:xfrm>
+          <a:prstGeom prst="rect">
+            <a:avLst/>
+          </a:prstGeom>
+          <a:ln>
+            <a:noFill/>
+          </a:ln>
+        </p:spPr>
+        <p:style>
+          <a:lnRef idx="2">
+            <a:schemeClr val="accent1">
+              <a:shade val="50000"/>
+            </a:schemeClr>
+          </a:lnRef>
+          <a:fillRef idx="1">
+            <a:schemeClr val="accent1"/>
+          </a:fillRef>
+          <a:effectRef idx="0">
+            <a:schemeClr val="accent1"/>
+          </a:effectRef>
+          <a:fontRef idx="minor">
+            <a:schemeClr val="lt1"/>
+          </a:fontRef>
+        </p:style>
+        <p:txBody>
+          <a:bodyPr rtlCol="0" anchor="ctr"/>
+          <a:lstStyle/>
+          <a:p>
+            <a:pPr algn="ctr"/>
+            <a:endParaRPr lang="ko-KR" altLang="en-US"/>
+          </a:p>
+        </p:txBody>
+      </p:sp>
+      <p:sp>
+        <p:nvSpPr>
+          <p:cNvPr id="216" name="TextBox 215">
+            <a:extLst>
+              <a:ext uri="{FF2B5EF4-FFF2-40B4-BE49-F238E27FC236}">
+                <a16:creationId xmlns:a16="http://schemas.microsoft.com/office/drawing/2014/main" id="{3F63DE3B-D3A6-4673-9DDF-BCD6DFD2780A}"/>
+              </a:ext>
+            </a:extLst>
+          </p:cNvPr>
+          <p:cNvSpPr txBox="1"/>
+          <p:nvPr/>
+        </p:nvSpPr>
+        <p:spPr>
+          <a:xfrm>
+            <a:off x="404425" y="251785"/>
+            <a:ext cx="1210588" cy="769441"/>
+          </a:xfrm>
+          <a:prstGeom prst="rect">
+            <a:avLst/>
+          </a:prstGeom>
+          <a:noFill/>
+        </p:spPr>
+        <p:txBody>
+          <a:bodyPr wrap="none" rtlCol="0">
+            <a:spAutoFit/>
+          </a:bodyPr>
+          <a:lstStyle/>
+          <a:p>
+            <a:r>
+              <a:rPr lang="ko-KR" altLang="en-US" sz="4400" dirty="0">
+                <a:solidFill>
+                  <a:schemeClr val="tx1">
+                    <a:lumMod val="85000"/>
+                    <a:lumOff val="15000"/>
+                  </a:schemeClr>
+                </a:solidFill>
+                <a:latin typeface="+mj-ea"/>
+                <a:ea typeface="+mj-ea"/>
+              </a:rPr>
+              <a:t>일정</a:t>
+            </a:r>
+          </a:p>
+        </p:txBody>
+      </p:sp>
+      <p:cxnSp>
+        <p:nvCxnSpPr>
+          <p:cNvPr id="222" name="직선 연결선 221">
+            <a:extLst>
+              <a:ext uri="{FF2B5EF4-FFF2-40B4-BE49-F238E27FC236}">
+                <a16:creationId xmlns:a16="http://schemas.microsoft.com/office/drawing/2014/main" id="{46A6E6ED-B32C-4C80-889E-D9E6C4F31E3B}"/>
+              </a:ext>
+            </a:extLst>
+          </p:cNvPr>
+          <p:cNvCxnSpPr>
+            <a:cxnSpLocks/>
+          </p:cNvCxnSpPr>
+          <p:nvPr/>
+        </p:nvCxnSpPr>
+        <p:spPr>
+          <a:xfrm>
+            <a:off x="11999710" y="0"/>
+            <a:ext cx="0" cy="741680"/>
+          </a:xfrm>
+          <a:prstGeom prst="line">
+            <a:avLst/>
+          </a:prstGeom>
+        </p:spPr>
+        <p:style>
+          <a:lnRef idx="1">
+            <a:schemeClr val="accent1"/>
+          </a:lnRef>
+          <a:fillRef idx="0">
+            <a:schemeClr val="accent1"/>
+          </a:fillRef>
+          <a:effectRef idx="0">
+            <a:schemeClr val="accent1"/>
+          </a:effectRef>
+          <a:fontRef idx="minor">
+            <a:schemeClr val="tx1"/>
+          </a:fontRef>
+        </p:style>
+      </p:cxnSp>
+      <p:pic>
+        <p:nvPicPr>
+          <p:cNvPr id="3" name="그림 2">
+            <a:extLst>
+              <a:ext uri="{FF2B5EF4-FFF2-40B4-BE49-F238E27FC236}">
+                <a16:creationId xmlns:a16="http://schemas.microsoft.com/office/drawing/2014/main" id="{05DE0391-90D5-4395-A46C-8470053079F5}"/>
+              </a:ext>
+            </a:extLst>
+          </p:cNvPr>
+          <p:cNvPicPr>
+            <a:picLocks noChangeAspect="1"/>
+          </p:cNvPicPr>
+          <p:nvPr/>
+        </p:nvPicPr>
+        <p:blipFill>
+          <a:blip r:embed="rId2"/>
+          <a:stretch>
+            <a:fillRect/>
+          </a:stretch>
+        </p:blipFill>
+        <p:spPr>
+          <a:xfrm>
+            <a:off x="87329" y="1913411"/>
+            <a:ext cx="12017342" cy="3031178"/>
+          </a:xfrm>
+          <a:prstGeom prst="rect">
+            <a:avLst/>
+          </a:prstGeom>
+        </p:spPr>
+      </p:pic>
+      <p:cxnSp>
+        <p:nvCxnSpPr>
+          <p:cNvPr id="8" name="직선 연결선 7">
+            <a:extLst>
+              <a:ext uri="{FF2B5EF4-FFF2-40B4-BE49-F238E27FC236}">
+                <a16:creationId xmlns:a16="http://schemas.microsoft.com/office/drawing/2014/main" id="{621869A1-3582-4924-8251-166738D77B71}"/>
+              </a:ext>
+            </a:extLst>
+          </p:cNvPr>
+          <p:cNvCxnSpPr>
+            <a:cxnSpLocks/>
+          </p:cNvCxnSpPr>
+          <p:nvPr/>
+        </p:nvCxnSpPr>
+        <p:spPr>
+          <a:xfrm>
+            <a:off x="11999710" y="6116320"/>
+            <a:ext cx="0" cy="741680"/>
+          </a:xfrm>
+          <a:prstGeom prst="line">
+            <a:avLst/>
+          </a:prstGeom>
+        </p:spPr>
+        <p:style>
+          <a:lnRef idx="1">
+            <a:schemeClr val="accent1"/>
+          </a:lnRef>
+          <a:fillRef idx="0">
+            <a:schemeClr val="accent1"/>
+          </a:fillRef>
+          <a:effectRef idx="0">
+            <a:schemeClr val="accent1"/>
+          </a:effectRef>
+          <a:fontRef idx="minor">
+            <a:schemeClr val="tx1"/>
+          </a:fontRef>
+        </p:style>
+      </p:cxnSp>
+    </p:spTree>
+    <p:extLst>
+      <p:ext uri="{BB962C8B-B14F-4D97-AF65-F5344CB8AC3E}">
+        <p14:creationId xmlns:p14="http://schemas.microsoft.com/office/powerpoint/2010/main" val="1116994982"/>
+      </p:ext>
+    </p:extLst>
+  </p:cSld>
+  <p:clrMapOvr>
+    <a:masterClrMapping/>
+  </p:clrMapOvr>
+  <mc:AlternateContent xmlns:mc="http://schemas.openxmlformats.org/markup-compatibility/2006" xmlns:p159="http://schemas.microsoft.com/office/powerpoint/2015/09/main">
+    <mc:Choice Requires="p159">
+      <p:transition xmlns:p14="http://schemas.microsoft.com/office/powerpoint/2010/main" spd="slow" p14:dur="2000">
+        <p159:morph option="byObject"/>
+      </p:transition>
+    </mc:Choice>
+    <mc:Fallback xmlns="">
+      <p:transition spd="slow">
+        <p:fade/>
+      </p:transition>
+    </mc:Fallback>
+  </mc:AlternateContent>
+</p:sld>
+</file>
+
+<file path=ppt/slides/slide3.xml><?xml version="1.0" encoding="utf-8"?>
+<p:sld xmlns:a="http://schemas.openxmlformats.org/drawingml/2006/main" xmlns:r="http://schemas.openxmlformats.org/officeDocument/2006/relationships" xmlns:p="http://schemas.openxmlformats.org/presentationml/2006/main">
+  <p:cSld>
+    <p:spTree>
+      <p:nvGrpSpPr>
+        <p:cNvPr id="1" name=""/>
+        <p:cNvGrpSpPr/>
+        <p:nvPr/>
+      </p:nvGrpSpPr>
+      <p:grpSpPr>
+        <a:xfrm>
+          <a:off x="0" y="0"/>
+          <a:ext cx="0" cy="0"/>
+          <a:chOff x="0" y="0"/>
+          <a:chExt cx="0" cy="0"/>
+        </a:xfrm>
+      </p:grpSpPr>
+      <p:sp>
+        <p:nvSpPr>
+          <p:cNvPr id="16" name="직사각형 15">
+            <a:extLst>
+              <a:ext uri="{FF2B5EF4-FFF2-40B4-BE49-F238E27FC236}">
+                <a16:creationId xmlns:a16="http://schemas.microsoft.com/office/drawing/2014/main" id="{0DE9F634-4134-4BCF-879A-017CFBF4E700}"/>
+              </a:ext>
+            </a:extLst>
+          </p:cNvPr>
+          <p:cNvSpPr/>
+          <p:nvPr/>
+        </p:nvSpPr>
+        <p:spPr>
+          <a:xfrm>
+            <a:off x="11148933" y="6814543"/>
+            <a:ext cx="626228" cy="45719"/>
+          </a:xfrm>
+          <a:prstGeom prst="rect">
+            <a:avLst/>
+          </a:prstGeom>
+          <a:ln>
+            <a:noFill/>
+          </a:ln>
+        </p:spPr>
+        <p:style>
+          <a:lnRef idx="2">
+            <a:schemeClr val="accent1">
+              <a:shade val="50000"/>
+            </a:schemeClr>
+          </a:lnRef>
+          <a:fillRef idx="1">
+            <a:schemeClr val="accent1"/>
+          </a:fillRef>
+          <a:effectRef idx="0">
+            <a:schemeClr val="accent1"/>
+          </a:effectRef>
+          <a:fontRef idx="minor">
+            <a:schemeClr val="lt1"/>
+          </a:fontRef>
+        </p:style>
+        <p:txBody>
+          <a:bodyPr rtlCol="0" anchor="ctr"/>
+          <a:lstStyle/>
+          <a:p>
+            <a:pPr algn="ctr"/>
+            <a:endParaRPr lang="ko-KR" altLang="en-US"/>
+          </a:p>
+        </p:txBody>
+      </p:sp>
+      <p:sp>
+        <p:nvSpPr>
+          <p:cNvPr id="17" name="TextBox 16">
+            <a:extLst>
+              <a:ext uri="{FF2B5EF4-FFF2-40B4-BE49-F238E27FC236}">
+                <a16:creationId xmlns:a16="http://schemas.microsoft.com/office/drawing/2014/main" id="{68566875-F742-43B6-8CFC-F95662D18BE7}"/>
+              </a:ext>
+            </a:extLst>
+          </p:cNvPr>
+          <p:cNvSpPr txBox="1"/>
+          <p:nvPr/>
+        </p:nvSpPr>
+        <p:spPr>
+          <a:xfrm>
+            <a:off x="441438" y="356959"/>
+            <a:ext cx="3770584" cy="769441"/>
+          </a:xfrm>
+          <a:prstGeom prst="rect">
+            <a:avLst/>
+          </a:prstGeom>
+          <a:noFill/>
+        </p:spPr>
+        <p:txBody>
+          <a:bodyPr wrap="none" rtlCol="0">
+            <a:spAutoFit/>
+          </a:bodyPr>
+          <a:lstStyle/>
+          <a:p>
+            <a:r>
+              <a:rPr lang="en-US" altLang="ko-KR" sz="4400" dirty="0">
+                <a:solidFill>
+                  <a:schemeClr val="tx1">
+                    <a:lumMod val="85000"/>
+                    <a:lumOff val="15000"/>
+                  </a:schemeClr>
+                </a:solidFill>
+                <a:latin typeface="+mj-ea"/>
+                <a:ea typeface="+mj-ea"/>
+              </a:rPr>
+              <a:t>DB</a:t>
+            </a:r>
+            <a:r>
+              <a:rPr lang="ko-KR" altLang="en-US" sz="4400" dirty="0">
+                <a:solidFill>
+                  <a:schemeClr val="tx1">
+                    <a:lumMod val="85000"/>
+                    <a:lumOff val="15000"/>
+                  </a:schemeClr>
+                </a:solidFill>
+                <a:latin typeface="+mj-ea"/>
+                <a:ea typeface="+mj-ea"/>
+              </a:rPr>
+              <a:t> 및 </a:t>
+            </a:r>
+            <a:r>
+              <a:rPr lang="en-US" altLang="ko-KR" sz="4400" dirty="0">
+                <a:solidFill>
+                  <a:schemeClr val="tx1">
+                    <a:lumMod val="85000"/>
+                    <a:lumOff val="15000"/>
+                  </a:schemeClr>
+                </a:solidFill>
+                <a:latin typeface="+mj-ea"/>
+                <a:ea typeface="+mj-ea"/>
+              </a:rPr>
+              <a:t>API </a:t>
+            </a:r>
+            <a:r>
+              <a:rPr lang="ko-KR" altLang="en-US" sz="4400" dirty="0">
+                <a:solidFill>
+                  <a:schemeClr val="tx1">
+                    <a:lumMod val="85000"/>
+                    <a:lumOff val="15000"/>
+                  </a:schemeClr>
+                </a:solidFill>
+                <a:latin typeface="+mj-ea"/>
+                <a:ea typeface="+mj-ea"/>
+              </a:rPr>
+              <a:t>설계</a:t>
+            </a:r>
+          </a:p>
+        </p:txBody>
+      </p:sp>
+      <p:cxnSp>
+        <p:nvCxnSpPr>
+          <p:cNvPr id="18" name="직선 연결선 17">
+            <a:extLst>
+              <a:ext uri="{FF2B5EF4-FFF2-40B4-BE49-F238E27FC236}">
+                <a16:creationId xmlns:a16="http://schemas.microsoft.com/office/drawing/2014/main" id="{5134904B-0486-4E2E-823B-1014BD3BCBFD}"/>
+              </a:ext>
+            </a:extLst>
+          </p:cNvPr>
+          <p:cNvCxnSpPr>
+            <a:cxnSpLocks/>
+          </p:cNvCxnSpPr>
+          <p:nvPr/>
+        </p:nvCxnSpPr>
+        <p:spPr>
+          <a:xfrm>
+            <a:off x="11999710" y="1966048"/>
+            <a:ext cx="0" cy="4891952"/>
+          </a:xfrm>
+          <a:prstGeom prst="line">
+            <a:avLst/>
+          </a:prstGeom>
+        </p:spPr>
+        <p:style>
+          <a:lnRef idx="1">
+            <a:schemeClr val="accent1"/>
+          </a:lnRef>
+          <a:fillRef idx="0">
+            <a:schemeClr val="accent1"/>
+          </a:fillRef>
+          <a:effectRef idx="0">
+            <a:schemeClr val="accent1"/>
+          </a:effectRef>
+          <a:fontRef idx="minor">
+            <a:schemeClr val="tx1"/>
+          </a:fontRef>
+        </p:style>
+      </p:cxnSp>
+      <p:cxnSp>
+        <p:nvCxnSpPr>
+          <p:cNvPr id="19" name="직선 연결선 18">
+            <a:extLst>
+              <a:ext uri="{FF2B5EF4-FFF2-40B4-BE49-F238E27FC236}">
+                <a16:creationId xmlns:a16="http://schemas.microsoft.com/office/drawing/2014/main" id="{7139EBB0-C8E5-4548-B458-0E99FD0FB0C8}"/>
+              </a:ext>
+            </a:extLst>
+          </p:cNvPr>
+          <p:cNvCxnSpPr>
+            <a:cxnSpLocks/>
+          </p:cNvCxnSpPr>
+          <p:nvPr/>
+        </p:nvCxnSpPr>
+        <p:spPr>
+          <a:xfrm>
+            <a:off x="11999710" y="0"/>
+            <a:ext cx="0" cy="741680"/>
+          </a:xfrm>
+          <a:prstGeom prst="line">
+            <a:avLst/>
+          </a:prstGeom>
+        </p:spPr>
+        <p:style>
+          <a:lnRef idx="1">
+            <a:schemeClr val="accent1"/>
+          </a:lnRef>
+          <a:fillRef idx="0">
+            <a:schemeClr val="accent1"/>
+          </a:fillRef>
+          <a:effectRef idx="0">
+            <a:schemeClr val="accent1"/>
+          </a:effectRef>
+          <a:fontRef idx="minor">
+            <a:schemeClr val="tx1"/>
+          </a:fontRef>
+        </p:style>
+      </p:cxnSp>
+      <p:sp>
+        <p:nvSpPr>
+          <p:cNvPr id="2" name="직사각형 1">
+            <a:extLst>
+              <a:ext uri="{FF2B5EF4-FFF2-40B4-BE49-F238E27FC236}">
+                <a16:creationId xmlns:a16="http://schemas.microsoft.com/office/drawing/2014/main" id="{7F536447-68DC-48F5-91DF-64517A83FA3C}"/>
+              </a:ext>
+            </a:extLst>
+          </p:cNvPr>
+          <p:cNvSpPr/>
+          <p:nvPr/>
+        </p:nvSpPr>
+        <p:spPr>
+          <a:xfrm>
+            <a:off x="441438" y="4582510"/>
+            <a:ext cx="1019500" cy="872359"/>
+          </a:xfrm>
+          <a:prstGeom prst="rect">
+            <a:avLst/>
+          </a:prstGeom>
+          <a:solidFill>
+            <a:schemeClr val="bg1"/>
+          </a:solidFill>
+          <a:ln>
+            <a:noFill/>
+          </a:ln>
+        </p:spPr>
+        <p:style>
+          <a:lnRef idx="2">
+            <a:schemeClr val="accent1">
+              <a:shade val="50000"/>
+            </a:schemeClr>
+          </a:lnRef>
+          <a:fillRef idx="1">
+            <a:schemeClr val="accent1"/>
+          </a:fillRef>
+          <a:effectRef idx="0">
+            <a:schemeClr val="accent1"/>
+          </a:effectRef>
+          <a:fontRef idx="minor">
+            <a:schemeClr val="lt1"/>
+          </a:fontRef>
+        </p:style>
+        <p:txBody>
+          <a:bodyPr rtlCol="0" anchor="ctr"/>
+          <a:lstStyle/>
+          <a:p>
+            <a:pPr algn="ctr"/>
+            <a:endParaRPr lang="ko-KR" altLang="en-US"/>
+          </a:p>
+        </p:txBody>
+      </p:sp>
+      <p:sp>
+        <p:nvSpPr>
+          <p:cNvPr id="7" name="TextBox 6">
+            <a:extLst>
+              <a:ext uri="{FF2B5EF4-FFF2-40B4-BE49-F238E27FC236}">
+                <a16:creationId xmlns:a16="http://schemas.microsoft.com/office/drawing/2014/main" id="{27C50A32-0E2E-4F6B-9D33-D351463586A4}"/>
+              </a:ext>
+            </a:extLst>
+          </p:cNvPr>
+          <p:cNvSpPr txBox="1"/>
+          <p:nvPr/>
+        </p:nvSpPr>
+        <p:spPr>
+          <a:xfrm>
+            <a:off x="4514197" y="541624"/>
+            <a:ext cx="2769472" cy="400110"/>
+          </a:xfrm>
+          <a:prstGeom prst="rect">
+            <a:avLst/>
+          </a:prstGeom>
+          <a:noFill/>
+        </p:spPr>
+        <p:txBody>
+          <a:bodyPr wrap="square" rtlCol="0">
+            <a:spAutoFit/>
+          </a:bodyPr>
+          <a:lstStyle/>
+          <a:p>
+            <a:r>
+              <a:rPr lang="en-US" altLang="ko-KR" sz="2000" dirty="0">
+                <a:solidFill>
+                  <a:schemeClr val="tx1">
+                    <a:lumMod val="85000"/>
+                    <a:lumOff val="15000"/>
+                  </a:schemeClr>
+                </a:solidFill>
+                <a:latin typeface="+mj-ea"/>
+                <a:ea typeface="+mj-ea"/>
+              </a:rPr>
+              <a:t>Time</a:t>
+            </a:r>
+            <a:r>
+              <a:rPr lang="ko-KR" altLang="en-US" sz="2000" dirty="0">
+                <a:solidFill>
+                  <a:schemeClr val="tx1">
+                    <a:lumMod val="85000"/>
+                    <a:lumOff val="15000"/>
+                  </a:schemeClr>
+                </a:solidFill>
+                <a:latin typeface="+mj-ea"/>
+                <a:ea typeface="+mj-ea"/>
+              </a:rPr>
+              <a:t> </a:t>
+            </a:r>
+            <a:r>
+              <a:rPr lang="en-US" altLang="ko-KR" sz="2000" dirty="0">
+                <a:solidFill>
+                  <a:schemeClr val="tx1">
+                    <a:lumMod val="85000"/>
+                    <a:lumOff val="15000"/>
+                  </a:schemeClr>
+                </a:solidFill>
+                <a:latin typeface="+mj-ea"/>
+                <a:ea typeface="+mj-ea"/>
+              </a:rPr>
+              <a:t>- performance</a:t>
+            </a:r>
+            <a:endParaRPr lang="ko-KR" altLang="en-US" sz="2000" dirty="0">
+              <a:solidFill>
+                <a:schemeClr val="tx1">
+                  <a:lumMod val="85000"/>
+                  <a:lumOff val="15000"/>
+                </a:schemeClr>
+              </a:solidFill>
+              <a:latin typeface="+mj-ea"/>
+              <a:ea typeface="+mj-ea"/>
+            </a:endParaRPr>
+          </a:p>
+        </p:txBody>
+      </p:sp>
+      <p:pic>
+        <p:nvPicPr>
+          <p:cNvPr id="3" name="그림 2">
+            <a:extLst>
+              <a:ext uri="{FF2B5EF4-FFF2-40B4-BE49-F238E27FC236}">
+                <a16:creationId xmlns:a16="http://schemas.microsoft.com/office/drawing/2014/main" id="{E5C56957-CDB2-402B-A14F-F24CCE68DE18}"/>
+              </a:ext>
+            </a:extLst>
+          </p:cNvPr>
+          <p:cNvPicPr>
+            <a:picLocks noChangeAspect="1"/>
+          </p:cNvPicPr>
+          <p:nvPr/>
+        </p:nvPicPr>
+        <p:blipFill>
+          <a:blip r:embed="rId2"/>
+          <a:stretch>
+            <a:fillRect/>
+          </a:stretch>
+        </p:blipFill>
+        <p:spPr>
+          <a:xfrm>
+            <a:off x="3535354" y="1126400"/>
+            <a:ext cx="5121292" cy="5484076"/>
+          </a:xfrm>
+          <a:prstGeom prst="rect">
+            <a:avLst/>
+          </a:prstGeom>
+        </p:spPr>
+      </p:pic>
+      <p:pic>
+        <p:nvPicPr>
+          <p:cNvPr id="4" name="그림 3">
+            <a:extLst>
+              <a:ext uri="{FF2B5EF4-FFF2-40B4-BE49-F238E27FC236}">
+                <a16:creationId xmlns:a16="http://schemas.microsoft.com/office/drawing/2014/main" id="{FB775D28-0C8C-4302-A878-44C9AE19FC4E}"/>
+              </a:ext>
+            </a:extLst>
+          </p:cNvPr>
+          <p:cNvPicPr>
+            <a:picLocks noChangeAspect="1"/>
+          </p:cNvPicPr>
+          <p:nvPr/>
+        </p:nvPicPr>
+        <p:blipFill>
+          <a:blip r:embed="rId3"/>
+          <a:stretch>
+            <a:fillRect/>
+          </a:stretch>
+        </p:blipFill>
+        <p:spPr>
+          <a:xfrm>
+            <a:off x="4205548" y="-24196"/>
+            <a:ext cx="7986452" cy="510584"/>
+          </a:xfrm>
+          <a:prstGeom prst="rect">
+            <a:avLst/>
+          </a:prstGeom>
+        </p:spPr>
+      </p:pic>
+    </p:spTree>
+    <p:extLst>
+      <p:ext uri="{BB962C8B-B14F-4D97-AF65-F5344CB8AC3E}">
+        <p14:creationId xmlns:p14="http://schemas.microsoft.com/office/powerpoint/2010/main" val="1908723292"/>
+      </p:ext>
+    </p:extLst>
+  </p:cSld>
+  <p:clrMapOvr>
+    <a:masterClrMapping/>
+  </p:clrMapOvr>
+  <mc:AlternateContent xmlns:mc="http://schemas.openxmlformats.org/markup-compatibility/2006" xmlns:p159="http://schemas.microsoft.com/office/powerpoint/2015/09/main">
+    <mc:Choice Requires="p159">
+      <p:transition xmlns:p14="http://schemas.microsoft.com/office/powerpoint/2010/main" spd="slow" p14:dur="2000">
+        <p159:morph option="byObject"/>
+      </p:transition>
+    </mc:Choice>
+    <mc:Fallback xmlns="">
+      <p:transition spd="slow">
+        <p:fade/>
+      </p:transition>
+    </mc:Fallback>
+  </mc:AlternateContent>
+</p:sld>
+</file>
+
+<file path=ppt/slides/slide4.xml><?xml version="1.0" encoding="utf-8"?>
+<p:sld xmlns:a="http://schemas.openxmlformats.org/drawingml/2006/main" xmlns:r="http://schemas.openxmlformats.org/officeDocument/2006/relationships" xmlns:p="http://schemas.openxmlformats.org/presentationml/2006/main">
+  <p:cSld>
+    <p:spTree>
+      <p:nvGrpSpPr>
+        <p:cNvPr id="1" name=""/>
+        <p:cNvGrpSpPr/>
+        <p:nvPr/>
+      </p:nvGrpSpPr>
+      <p:grpSpPr>
+        <a:xfrm>
+          <a:off x="0" y="0"/>
+          <a:ext cx="0" cy="0"/>
+          <a:chOff x="0" y="0"/>
+          <a:chExt cx="0" cy="0"/>
+        </a:xfrm>
+      </p:grpSpPr>
+      <p:sp>
+        <p:nvSpPr>
+          <p:cNvPr id="16" name="직사각형 15">
+            <a:extLst>
+              <a:ext uri="{FF2B5EF4-FFF2-40B4-BE49-F238E27FC236}">
+                <a16:creationId xmlns:a16="http://schemas.microsoft.com/office/drawing/2014/main" id="{0DE9F634-4134-4BCF-879A-017CFBF4E700}"/>
+              </a:ext>
+            </a:extLst>
+          </p:cNvPr>
+          <p:cNvSpPr/>
+          <p:nvPr/>
+        </p:nvSpPr>
+        <p:spPr>
+          <a:xfrm>
+            <a:off x="11148933" y="6814543"/>
+            <a:ext cx="626228" cy="45719"/>
+          </a:xfrm>
+          <a:prstGeom prst="rect">
+            <a:avLst/>
+          </a:prstGeom>
+          <a:ln>
+            <a:noFill/>
+          </a:ln>
+        </p:spPr>
+        <p:style>
+          <a:lnRef idx="2">
+            <a:schemeClr val="accent1">
+              <a:shade val="50000"/>
+            </a:schemeClr>
+          </a:lnRef>
+          <a:fillRef idx="1">
+            <a:schemeClr val="accent1"/>
+          </a:fillRef>
+          <a:effectRef idx="0">
+            <a:schemeClr val="accent1"/>
+          </a:effectRef>
+          <a:fontRef idx="minor">
+            <a:schemeClr val="lt1"/>
+          </a:fontRef>
+        </p:style>
+        <p:txBody>
+          <a:bodyPr rtlCol="0" anchor="ctr"/>
+          <a:lstStyle/>
+          <a:p>
+            <a:pPr algn="ctr"/>
+            <a:endParaRPr lang="ko-KR" altLang="en-US"/>
+          </a:p>
+        </p:txBody>
+      </p:sp>
+      <p:sp>
+        <p:nvSpPr>
+          <p:cNvPr id="17" name="TextBox 16">
+            <a:extLst>
+              <a:ext uri="{FF2B5EF4-FFF2-40B4-BE49-F238E27FC236}">
+                <a16:creationId xmlns:a16="http://schemas.microsoft.com/office/drawing/2014/main" id="{68566875-F742-43B6-8CFC-F95662D18BE7}"/>
+              </a:ext>
+            </a:extLst>
+          </p:cNvPr>
+          <p:cNvSpPr txBox="1"/>
+          <p:nvPr/>
+        </p:nvSpPr>
+        <p:spPr>
+          <a:xfrm>
+            <a:off x="441438" y="356959"/>
+            <a:ext cx="3770584" cy="769441"/>
+          </a:xfrm>
+          <a:prstGeom prst="rect">
+            <a:avLst/>
+          </a:prstGeom>
+          <a:noFill/>
+        </p:spPr>
+        <p:txBody>
+          <a:bodyPr wrap="none" rtlCol="0">
+            <a:spAutoFit/>
+          </a:bodyPr>
+          <a:lstStyle/>
+          <a:p>
+            <a:r>
+              <a:rPr lang="en-US" altLang="ko-KR" sz="4400" dirty="0">
+                <a:solidFill>
+                  <a:schemeClr val="tx1">
+                    <a:lumMod val="85000"/>
+                    <a:lumOff val="15000"/>
+                  </a:schemeClr>
+                </a:solidFill>
+                <a:latin typeface="+mj-ea"/>
+                <a:ea typeface="+mj-ea"/>
+              </a:rPr>
+              <a:t>DB</a:t>
+            </a:r>
+            <a:r>
+              <a:rPr lang="ko-KR" altLang="en-US" sz="4400" dirty="0">
+                <a:solidFill>
+                  <a:schemeClr val="tx1">
+                    <a:lumMod val="85000"/>
+                    <a:lumOff val="15000"/>
+                  </a:schemeClr>
+                </a:solidFill>
+                <a:latin typeface="+mj-ea"/>
+                <a:ea typeface="+mj-ea"/>
+              </a:rPr>
+              <a:t> 및 </a:t>
+            </a:r>
+            <a:r>
+              <a:rPr lang="en-US" altLang="ko-KR" sz="4400" dirty="0">
+                <a:solidFill>
+                  <a:schemeClr val="tx1">
+                    <a:lumMod val="85000"/>
+                    <a:lumOff val="15000"/>
+                  </a:schemeClr>
+                </a:solidFill>
+                <a:latin typeface="+mj-ea"/>
+                <a:ea typeface="+mj-ea"/>
+              </a:rPr>
+              <a:t>API </a:t>
+            </a:r>
+            <a:r>
+              <a:rPr lang="ko-KR" altLang="en-US" sz="4400" dirty="0">
+                <a:solidFill>
+                  <a:schemeClr val="tx1">
+                    <a:lumMod val="85000"/>
+                    <a:lumOff val="15000"/>
+                  </a:schemeClr>
+                </a:solidFill>
+                <a:latin typeface="+mj-ea"/>
+                <a:ea typeface="+mj-ea"/>
+              </a:rPr>
+              <a:t>설계</a:t>
+            </a:r>
+          </a:p>
+        </p:txBody>
+      </p:sp>
+      <p:cxnSp>
+        <p:nvCxnSpPr>
+          <p:cNvPr id="18" name="직선 연결선 17">
+            <a:extLst>
+              <a:ext uri="{FF2B5EF4-FFF2-40B4-BE49-F238E27FC236}">
+                <a16:creationId xmlns:a16="http://schemas.microsoft.com/office/drawing/2014/main" id="{5134904B-0486-4E2E-823B-1014BD3BCBFD}"/>
+              </a:ext>
+            </a:extLst>
+          </p:cNvPr>
+          <p:cNvCxnSpPr>
+            <a:cxnSpLocks/>
+          </p:cNvCxnSpPr>
+          <p:nvPr/>
+        </p:nvCxnSpPr>
+        <p:spPr>
+          <a:xfrm>
+            <a:off x="11999710" y="1966048"/>
+            <a:ext cx="0" cy="4891952"/>
+          </a:xfrm>
+          <a:prstGeom prst="line">
+            <a:avLst/>
+          </a:prstGeom>
+        </p:spPr>
+        <p:style>
+          <a:lnRef idx="1">
+            <a:schemeClr val="accent1"/>
+          </a:lnRef>
+          <a:fillRef idx="0">
+            <a:schemeClr val="accent1"/>
+          </a:fillRef>
+          <a:effectRef idx="0">
+            <a:schemeClr val="accent1"/>
+          </a:effectRef>
+          <a:fontRef idx="minor">
+            <a:schemeClr val="tx1"/>
+          </a:fontRef>
+        </p:style>
+      </p:cxnSp>
+      <p:cxnSp>
+        <p:nvCxnSpPr>
+          <p:cNvPr id="19" name="직선 연결선 18">
+            <a:extLst>
+              <a:ext uri="{FF2B5EF4-FFF2-40B4-BE49-F238E27FC236}">
+                <a16:creationId xmlns:a16="http://schemas.microsoft.com/office/drawing/2014/main" id="{7139EBB0-C8E5-4548-B458-0E99FD0FB0C8}"/>
+              </a:ext>
+            </a:extLst>
+          </p:cNvPr>
+          <p:cNvCxnSpPr>
+            <a:cxnSpLocks/>
+          </p:cNvCxnSpPr>
+          <p:nvPr/>
+        </p:nvCxnSpPr>
+        <p:spPr>
+          <a:xfrm>
+            <a:off x="11999710" y="0"/>
+            <a:ext cx="0" cy="741680"/>
+          </a:xfrm>
+          <a:prstGeom prst="line">
+            <a:avLst/>
+          </a:prstGeom>
+        </p:spPr>
+        <p:style>
+          <a:lnRef idx="1">
+            <a:schemeClr val="accent1"/>
+          </a:lnRef>
+          <a:fillRef idx="0">
+            <a:schemeClr val="accent1"/>
+          </a:fillRef>
+          <a:effectRef idx="0">
+            <a:schemeClr val="accent1"/>
+          </a:effectRef>
+          <a:fontRef idx="minor">
+            <a:schemeClr val="tx1"/>
+          </a:fontRef>
+        </p:style>
+      </p:cxnSp>
+      <p:sp>
+        <p:nvSpPr>
+          <p:cNvPr id="2" name="직사각형 1">
+            <a:extLst>
+              <a:ext uri="{FF2B5EF4-FFF2-40B4-BE49-F238E27FC236}">
+                <a16:creationId xmlns:a16="http://schemas.microsoft.com/office/drawing/2014/main" id="{7F536447-68DC-48F5-91DF-64517A83FA3C}"/>
+              </a:ext>
+            </a:extLst>
+          </p:cNvPr>
+          <p:cNvSpPr/>
+          <p:nvPr/>
+        </p:nvSpPr>
+        <p:spPr>
+          <a:xfrm>
+            <a:off x="441438" y="4582510"/>
+            <a:ext cx="1019500" cy="872359"/>
+          </a:xfrm>
+          <a:prstGeom prst="rect">
+            <a:avLst/>
+          </a:prstGeom>
+          <a:solidFill>
+            <a:schemeClr val="bg1"/>
+          </a:solidFill>
+          <a:ln>
+            <a:noFill/>
+          </a:ln>
+        </p:spPr>
+        <p:style>
+          <a:lnRef idx="2">
+            <a:schemeClr val="accent1">
+              <a:shade val="50000"/>
+            </a:schemeClr>
+          </a:lnRef>
+          <a:fillRef idx="1">
+            <a:schemeClr val="accent1"/>
+          </a:fillRef>
+          <a:effectRef idx="0">
+            <a:schemeClr val="accent1"/>
+          </a:effectRef>
+          <a:fontRef idx="minor">
+            <a:schemeClr val="lt1"/>
+          </a:fontRef>
+        </p:style>
+        <p:txBody>
+          <a:bodyPr rtlCol="0" anchor="ctr"/>
+          <a:lstStyle/>
+          <a:p>
+            <a:pPr algn="ctr"/>
+            <a:endParaRPr lang="ko-KR" altLang="en-US"/>
+          </a:p>
+        </p:txBody>
+      </p:sp>
+      <p:sp>
+        <p:nvSpPr>
+          <p:cNvPr id="7" name="TextBox 6">
+            <a:extLst>
+              <a:ext uri="{FF2B5EF4-FFF2-40B4-BE49-F238E27FC236}">
+                <a16:creationId xmlns:a16="http://schemas.microsoft.com/office/drawing/2014/main" id="{27C50A32-0E2E-4F6B-9D33-D351463586A4}"/>
+              </a:ext>
+            </a:extLst>
+          </p:cNvPr>
+          <p:cNvSpPr txBox="1"/>
+          <p:nvPr/>
+        </p:nvSpPr>
+        <p:spPr>
+          <a:xfrm>
+            <a:off x="4514197" y="541624"/>
+            <a:ext cx="2002209" cy="400110"/>
+          </a:xfrm>
+          <a:prstGeom prst="rect">
+            <a:avLst/>
+          </a:prstGeom>
+          <a:noFill/>
+        </p:spPr>
+        <p:txBody>
+          <a:bodyPr wrap="square" rtlCol="0">
+            <a:spAutoFit/>
+          </a:bodyPr>
+          <a:lstStyle/>
+          <a:p>
+            <a:r>
+              <a:rPr lang="en-US" altLang="ko-KR" sz="2000" dirty="0">
+                <a:solidFill>
+                  <a:schemeClr val="tx1">
+                    <a:lumMod val="85000"/>
+                    <a:lumOff val="15000"/>
+                  </a:schemeClr>
+                </a:solidFill>
+                <a:latin typeface="+mj-ea"/>
+                <a:ea typeface="+mj-ea"/>
+              </a:rPr>
+              <a:t>Time</a:t>
+            </a:r>
+            <a:r>
+              <a:rPr lang="ko-KR" altLang="en-US" sz="2000" dirty="0">
+                <a:solidFill>
+                  <a:schemeClr val="tx1">
+                    <a:lumMod val="85000"/>
+                    <a:lumOff val="15000"/>
+                  </a:schemeClr>
+                </a:solidFill>
+                <a:latin typeface="+mj-ea"/>
+                <a:ea typeface="+mj-ea"/>
+              </a:rPr>
+              <a:t> </a:t>
+            </a:r>
+            <a:r>
+              <a:rPr lang="en-US" altLang="ko-KR" sz="2000" dirty="0">
+                <a:solidFill>
+                  <a:schemeClr val="tx1">
+                    <a:lumMod val="85000"/>
+                    <a:lumOff val="15000"/>
+                  </a:schemeClr>
+                </a:solidFill>
+                <a:latin typeface="+mj-ea"/>
+                <a:ea typeface="+mj-ea"/>
+              </a:rPr>
+              <a:t>- Festival</a:t>
+            </a:r>
+            <a:endParaRPr lang="ko-KR" altLang="en-US" sz="2000" dirty="0">
+              <a:solidFill>
+                <a:schemeClr val="tx1">
+                  <a:lumMod val="85000"/>
+                  <a:lumOff val="15000"/>
+                </a:schemeClr>
+              </a:solidFill>
+              <a:latin typeface="+mj-ea"/>
+              <a:ea typeface="+mj-ea"/>
+            </a:endParaRPr>
+          </a:p>
+        </p:txBody>
+      </p:sp>
+      <p:pic>
+        <p:nvPicPr>
+          <p:cNvPr id="5" name="그림 4">
+            <a:extLst>
+              <a:ext uri="{FF2B5EF4-FFF2-40B4-BE49-F238E27FC236}">
+                <a16:creationId xmlns:a16="http://schemas.microsoft.com/office/drawing/2014/main" id="{337BFDBA-70D7-4FDE-86A7-CB8D69167529}"/>
+              </a:ext>
+            </a:extLst>
+          </p:cNvPr>
+          <p:cNvPicPr>
+            <a:picLocks noChangeAspect="1"/>
+          </p:cNvPicPr>
+          <p:nvPr/>
+        </p:nvPicPr>
+        <p:blipFill>
+          <a:blip r:embed="rId2"/>
+          <a:stretch>
+            <a:fillRect/>
+          </a:stretch>
+        </p:blipFill>
+        <p:spPr>
+          <a:xfrm>
+            <a:off x="3699038" y="1126400"/>
+            <a:ext cx="4793923" cy="5586619"/>
+          </a:xfrm>
+          <a:prstGeom prst="rect">
+            <a:avLst/>
+          </a:prstGeom>
+        </p:spPr>
+      </p:pic>
+      <p:pic>
+        <p:nvPicPr>
+          <p:cNvPr id="6" name="그림 5">
+            <a:extLst>
+              <a:ext uri="{FF2B5EF4-FFF2-40B4-BE49-F238E27FC236}">
+                <a16:creationId xmlns:a16="http://schemas.microsoft.com/office/drawing/2014/main" id="{11E8250C-631E-4F95-B0AE-8B2B3F82157A}"/>
+              </a:ext>
+            </a:extLst>
+          </p:cNvPr>
+          <p:cNvPicPr>
+            <a:picLocks noChangeAspect="1"/>
+          </p:cNvPicPr>
+          <p:nvPr/>
+        </p:nvPicPr>
+        <p:blipFill>
+          <a:blip r:embed="rId3"/>
+          <a:stretch>
+            <a:fillRect/>
+          </a:stretch>
+        </p:blipFill>
+        <p:spPr>
+          <a:xfrm>
+            <a:off x="4098859" y="0"/>
+            <a:ext cx="8093141" cy="472481"/>
+          </a:xfrm>
+          <a:prstGeom prst="rect">
+            <a:avLst/>
+          </a:prstGeom>
+        </p:spPr>
+      </p:pic>
+    </p:spTree>
+    <p:extLst>
+      <p:ext uri="{BB962C8B-B14F-4D97-AF65-F5344CB8AC3E}">
+        <p14:creationId xmlns:p14="http://schemas.microsoft.com/office/powerpoint/2010/main" val="2418672243"/>
+      </p:ext>
+    </p:extLst>
+  </p:cSld>
+  <p:clrMapOvr>
+    <a:masterClrMapping/>
+  </p:clrMapOvr>
+  <mc:AlternateContent xmlns:mc="http://schemas.openxmlformats.org/markup-compatibility/2006" xmlns:p159="http://schemas.microsoft.com/office/powerpoint/2015/09/main">
+    <mc:Choice Requires="p159">
+      <p:transition xmlns:p14="http://schemas.microsoft.com/office/powerpoint/2010/main" spd="slow" p14:dur="2000">
+        <p159:morph option="byObject"/>
+      </p:transition>
+    </mc:Choice>
+    <mc:Fallback xmlns="">
+      <p:transition spd="slow">
+        <p:fade/>
+      </p:transition>
+    </mc:Fallback>
+  </mc:AlternateContent>
+</p:sld>
+</file>
+
+<file path=ppt/slides/slide5.xml><?xml version="1.0" encoding="utf-8"?>
+<p:sld xmlns:a="http://schemas.openxmlformats.org/drawingml/2006/main" xmlns:r="http://schemas.openxmlformats.org/officeDocument/2006/relationships" xmlns:p="http://schemas.openxmlformats.org/presentationml/2006/main">
+  <p:cSld>
+    <p:spTree>
+      <p:nvGrpSpPr>
+        <p:cNvPr id="1" name=""/>
+        <p:cNvGrpSpPr/>
+        <p:nvPr/>
+      </p:nvGrpSpPr>
+      <p:grpSpPr>
+        <a:xfrm>
+          <a:off x="0" y="0"/>
+          <a:ext cx="0" cy="0"/>
+          <a:chOff x="0" y="0"/>
+          <a:chExt cx="0" cy="0"/>
+        </a:xfrm>
+      </p:grpSpPr>
+      <p:sp>
+        <p:nvSpPr>
+          <p:cNvPr id="16" name="직사각형 15">
+            <a:extLst>
+              <a:ext uri="{FF2B5EF4-FFF2-40B4-BE49-F238E27FC236}">
+                <a16:creationId xmlns:a16="http://schemas.microsoft.com/office/drawing/2014/main" id="{0DE9F634-4134-4BCF-879A-017CFBF4E700}"/>
+              </a:ext>
+            </a:extLst>
+          </p:cNvPr>
+          <p:cNvSpPr/>
+          <p:nvPr/>
+        </p:nvSpPr>
+        <p:spPr>
+          <a:xfrm>
+            <a:off x="11148933" y="6814543"/>
+            <a:ext cx="626228" cy="45719"/>
+          </a:xfrm>
+          <a:prstGeom prst="rect">
+            <a:avLst/>
+          </a:prstGeom>
+          <a:ln>
+            <a:noFill/>
+          </a:ln>
+        </p:spPr>
+        <p:style>
+          <a:lnRef idx="2">
+            <a:schemeClr val="accent1">
+              <a:shade val="50000"/>
+            </a:schemeClr>
+          </a:lnRef>
+          <a:fillRef idx="1">
+            <a:schemeClr val="accent1"/>
+          </a:fillRef>
+          <a:effectRef idx="0">
+            <a:schemeClr val="accent1"/>
+          </a:effectRef>
+          <a:fontRef idx="minor">
+            <a:schemeClr val="lt1"/>
+          </a:fontRef>
+        </p:style>
+        <p:txBody>
+          <a:bodyPr rtlCol="0" anchor="ctr"/>
+          <a:lstStyle/>
+          <a:p>
+            <a:pPr algn="ctr"/>
+            <a:endParaRPr lang="ko-KR" altLang="en-US"/>
+          </a:p>
+        </p:txBody>
+      </p:sp>
+      <p:sp>
+        <p:nvSpPr>
+          <p:cNvPr id="17" name="TextBox 16">
+            <a:extLst>
+              <a:ext uri="{FF2B5EF4-FFF2-40B4-BE49-F238E27FC236}">
+                <a16:creationId xmlns:a16="http://schemas.microsoft.com/office/drawing/2014/main" id="{68566875-F742-43B6-8CFC-F95662D18BE7}"/>
+              </a:ext>
+            </a:extLst>
+          </p:cNvPr>
+          <p:cNvSpPr txBox="1"/>
+          <p:nvPr/>
+        </p:nvSpPr>
+        <p:spPr>
+          <a:xfrm>
+            <a:off x="441438" y="356959"/>
+            <a:ext cx="3770584" cy="769441"/>
+          </a:xfrm>
+          <a:prstGeom prst="rect">
+            <a:avLst/>
+          </a:prstGeom>
+          <a:noFill/>
+        </p:spPr>
+        <p:txBody>
+          <a:bodyPr wrap="none" rtlCol="0">
+            <a:spAutoFit/>
+          </a:bodyPr>
+          <a:lstStyle/>
+          <a:p>
+            <a:r>
+              <a:rPr lang="en-US" altLang="ko-KR" sz="4400" dirty="0">
+                <a:solidFill>
+                  <a:schemeClr val="tx1">
+                    <a:lumMod val="85000"/>
+                    <a:lumOff val="15000"/>
+                  </a:schemeClr>
+                </a:solidFill>
+                <a:latin typeface="+mj-ea"/>
+                <a:ea typeface="+mj-ea"/>
+              </a:rPr>
+              <a:t>DB</a:t>
+            </a:r>
+            <a:r>
+              <a:rPr lang="ko-KR" altLang="en-US" sz="4400" dirty="0">
+                <a:solidFill>
+                  <a:schemeClr val="tx1">
+                    <a:lumMod val="85000"/>
+                    <a:lumOff val="15000"/>
+                  </a:schemeClr>
+                </a:solidFill>
+                <a:latin typeface="+mj-ea"/>
+                <a:ea typeface="+mj-ea"/>
+              </a:rPr>
+              <a:t> 및 </a:t>
+            </a:r>
+            <a:r>
+              <a:rPr lang="en-US" altLang="ko-KR" sz="4400" dirty="0">
+                <a:solidFill>
+                  <a:schemeClr val="tx1">
+                    <a:lumMod val="85000"/>
+                    <a:lumOff val="15000"/>
+                  </a:schemeClr>
+                </a:solidFill>
+                <a:latin typeface="+mj-ea"/>
+                <a:ea typeface="+mj-ea"/>
+              </a:rPr>
+              <a:t>API </a:t>
+            </a:r>
+            <a:r>
+              <a:rPr lang="ko-KR" altLang="en-US" sz="4400" dirty="0">
+                <a:solidFill>
+                  <a:schemeClr val="tx1">
+                    <a:lumMod val="85000"/>
+                    <a:lumOff val="15000"/>
+                  </a:schemeClr>
+                </a:solidFill>
+                <a:latin typeface="+mj-ea"/>
+                <a:ea typeface="+mj-ea"/>
+              </a:rPr>
+              <a:t>설계</a:t>
+            </a:r>
+          </a:p>
+        </p:txBody>
+      </p:sp>
+      <p:cxnSp>
+        <p:nvCxnSpPr>
+          <p:cNvPr id="18" name="직선 연결선 17">
+            <a:extLst>
+              <a:ext uri="{FF2B5EF4-FFF2-40B4-BE49-F238E27FC236}">
+                <a16:creationId xmlns:a16="http://schemas.microsoft.com/office/drawing/2014/main" id="{5134904B-0486-4E2E-823B-1014BD3BCBFD}"/>
+              </a:ext>
+            </a:extLst>
+          </p:cNvPr>
+          <p:cNvCxnSpPr>
+            <a:cxnSpLocks/>
+          </p:cNvCxnSpPr>
+          <p:nvPr/>
+        </p:nvCxnSpPr>
+        <p:spPr>
+          <a:xfrm>
+            <a:off x="11999710" y="1966048"/>
+            <a:ext cx="0" cy="4891952"/>
+          </a:xfrm>
+          <a:prstGeom prst="line">
+            <a:avLst/>
+          </a:prstGeom>
+        </p:spPr>
+        <p:style>
+          <a:lnRef idx="1">
+            <a:schemeClr val="accent1"/>
+          </a:lnRef>
+          <a:fillRef idx="0">
+            <a:schemeClr val="accent1"/>
+          </a:fillRef>
+          <a:effectRef idx="0">
+            <a:schemeClr val="accent1"/>
+          </a:effectRef>
+          <a:fontRef idx="minor">
+            <a:schemeClr val="tx1"/>
+          </a:fontRef>
+        </p:style>
+      </p:cxnSp>
+      <p:cxnSp>
+        <p:nvCxnSpPr>
+          <p:cNvPr id="19" name="직선 연결선 18">
+            <a:extLst>
+              <a:ext uri="{FF2B5EF4-FFF2-40B4-BE49-F238E27FC236}">
+                <a16:creationId xmlns:a16="http://schemas.microsoft.com/office/drawing/2014/main" id="{7139EBB0-C8E5-4548-B458-0E99FD0FB0C8}"/>
+              </a:ext>
+            </a:extLst>
+          </p:cNvPr>
+          <p:cNvCxnSpPr>
+            <a:cxnSpLocks/>
+          </p:cNvCxnSpPr>
+          <p:nvPr/>
+        </p:nvCxnSpPr>
+        <p:spPr>
+          <a:xfrm>
+            <a:off x="11999710" y="0"/>
+            <a:ext cx="0" cy="741680"/>
+          </a:xfrm>
+          <a:prstGeom prst="line">
+            <a:avLst/>
+          </a:prstGeom>
+        </p:spPr>
+        <p:style>
+          <a:lnRef idx="1">
+            <a:schemeClr val="accent1"/>
+          </a:lnRef>
+          <a:fillRef idx="0">
+            <a:schemeClr val="accent1"/>
+          </a:fillRef>
+          <a:effectRef idx="0">
+            <a:schemeClr val="accent1"/>
+          </a:effectRef>
+          <a:fontRef idx="minor">
+            <a:schemeClr val="tx1"/>
+          </a:fontRef>
+        </p:style>
+      </p:cxnSp>
+      <p:sp>
+        <p:nvSpPr>
+          <p:cNvPr id="2" name="직사각형 1">
+            <a:extLst>
+              <a:ext uri="{FF2B5EF4-FFF2-40B4-BE49-F238E27FC236}">
+                <a16:creationId xmlns:a16="http://schemas.microsoft.com/office/drawing/2014/main" id="{7F536447-68DC-48F5-91DF-64517A83FA3C}"/>
+              </a:ext>
+            </a:extLst>
+          </p:cNvPr>
+          <p:cNvSpPr/>
+          <p:nvPr/>
+        </p:nvSpPr>
+        <p:spPr>
+          <a:xfrm>
+            <a:off x="441438" y="4582510"/>
+            <a:ext cx="1019500" cy="872359"/>
+          </a:xfrm>
+          <a:prstGeom prst="rect">
+            <a:avLst/>
+          </a:prstGeom>
+          <a:solidFill>
+            <a:schemeClr val="bg1"/>
+          </a:solidFill>
+          <a:ln>
+            <a:noFill/>
+          </a:ln>
+        </p:spPr>
+        <p:style>
+          <a:lnRef idx="2">
+            <a:schemeClr val="accent1">
+              <a:shade val="50000"/>
+            </a:schemeClr>
+          </a:lnRef>
+          <a:fillRef idx="1">
+            <a:schemeClr val="accent1"/>
+          </a:fillRef>
+          <a:effectRef idx="0">
+            <a:schemeClr val="accent1"/>
+          </a:effectRef>
+          <a:fontRef idx="minor">
+            <a:schemeClr val="lt1"/>
+          </a:fontRef>
+        </p:style>
+        <p:txBody>
+          <a:bodyPr rtlCol="0" anchor="ctr"/>
+          <a:lstStyle/>
+          <a:p>
+            <a:pPr algn="ctr"/>
+            <a:endParaRPr lang="ko-KR" altLang="en-US"/>
+          </a:p>
+        </p:txBody>
+      </p:sp>
+      <p:sp>
+        <p:nvSpPr>
+          <p:cNvPr id="7" name="TextBox 6">
+            <a:extLst>
+              <a:ext uri="{FF2B5EF4-FFF2-40B4-BE49-F238E27FC236}">
+                <a16:creationId xmlns:a16="http://schemas.microsoft.com/office/drawing/2014/main" id="{27C50A32-0E2E-4F6B-9D33-D351463586A4}"/>
+              </a:ext>
+            </a:extLst>
+          </p:cNvPr>
+          <p:cNvSpPr txBox="1"/>
+          <p:nvPr/>
+        </p:nvSpPr>
+        <p:spPr>
+          <a:xfrm>
+            <a:off x="4514197" y="541624"/>
+            <a:ext cx="3305500" cy="400110"/>
+          </a:xfrm>
+          <a:prstGeom prst="rect">
+            <a:avLst/>
+          </a:prstGeom>
+          <a:noFill/>
+        </p:spPr>
+        <p:txBody>
+          <a:bodyPr wrap="square" rtlCol="0">
+            <a:spAutoFit/>
+          </a:bodyPr>
+          <a:lstStyle/>
+          <a:p>
+            <a:r>
+              <a:rPr lang="en-US" altLang="ko-KR" sz="2000" dirty="0">
+                <a:solidFill>
+                  <a:schemeClr val="tx1">
+                    <a:lumMod val="85000"/>
+                    <a:lumOff val="15000"/>
+                  </a:schemeClr>
+                </a:solidFill>
+                <a:latin typeface="+mj-ea"/>
+                <a:ea typeface="+mj-ea"/>
+              </a:rPr>
+              <a:t>GIS</a:t>
+            </a:r>
+            <a:r>
+              <a:rPr lang="ko-KR" altLang="en-US" sz="2000" dirty="0">
+                <a:solidFill>
+                  <a:schemeClr val="tx1">
+                    <a:lumMod val="85000"/>
+                    <a:lumOff val="15000"/>
+                  </a:schemeClr>
+                </a:solidFill>
+                <a:latin typeface="+mj-ea"/>
+                <a:ea typeface="+mj-ea"/>
+              </a:rPr>
+              <a:t> </a:t>
+            </a:r>
+            <a:r>
+              <a:rPr lang="en-US" altLang="ko-KR" sz="2000" dirty="0">
+                <a:solidFill>
+                  <a:schemeClr val="tx1">
+                    <a:lumMod val="85000"/>
+                    <a:lumOff val="15000"/>
+                  </a:schemeClr>
+                </a:solidFill>
+                <a:latin typeface="+mj-ea"/>
+                <a:ea typeface="+mj-ea"/>
+              </a:rPr>
+              <a:t>- C</a:t>
+            </a:r>
+            <a:r>
+              <a:rPr lang="en-US" altLang="ko-KR" dirty="0"/>
+              <a:t>ultural properties</a:t>
+            </a:r>
+            <a:endParaRPr lang="ko-KR" altLang="en-US" sz="2000" dirty="0">
+              <a:solidFill>
+                <a:schemeClr val="tx1">
+                  <a:lumMod val="85000"/>
+                  <a:lumOff val="15000"/>
+                </a:schemeClr>
+              </a:solidFill>
+              <a:latin typeface="+mj-ea"/>
+              <a:ea typeface="+mj-ea"/>
+            </a:endParaRPr>
+          </a:p>
+        </p:txBody>
+      </p:sp>
+      <p:pic>
+        <p:nvPicPr>
+          <p:cNvPr id="3" name="그림 2">
+            <a:extLst>
+              <a:ext uri="{FF2B5EF4-FFF2-40B4-BE49-F238E27FC236}">
+                <a16:creationId xmlns:a16="http://schemas.microsoft.com/office/drawing/2014/main" id="{19FF7912-20A9-45B6-8D44-4470CE5C59B4}"/>
+              </a:ext>
+            </a:extLst>
+          </p:cNvPr>
+          <p:cNvPicPr>
+            <a:picLocks noChangeAspect="1"/>
+          </p:cNvPicPr>
+          <p:nvPr/>
+        </p:nvPicPr>
+        <p:blipFill>
+          <a:blip r:embed="rId2"/>
+          <a:stretch>
+            <a:fillRect/>
+          </a:stretch>
+        </p:blipFill>
+        <p:spPr>
+          <a:xfrm>
+            <a:off x="3862309" y="1126400"/>
+            <a:ext cx="4467382" cy="5633645"/>
+          </a:xfrm>
+          <a:prstGeom prst="rect">
+            <a:avLst/>
+          </a:prstGeom>
+        </p:spPr>
+      </p:pic>
+      <p:pic>
+        <p:nvPicPr>
+          <p:cNvPr id="4" name="그림 3">
+            <a:extLst>
+              <a:ext uri="{FF2B5EF4-FFF2-40B4-BE49-F238E27FC236}">
+                <a16:creationId xmlns:a16="http://schemas.microsoft.com/office/drawing/2014/main" id="{B703AB48-579A-47A2-9C1C-66CC11BC1011}"/>
+              </a:ext>
+            </a:extLst>
+          </p:cNvPr>
+          <p:cNvPicPr>
+            <a:picLocks noChangeAspect="1"/>
+          </p:cNvPicPr>
+          <p:nvPr/>
+        </p:nvPicPr>
+        <p:blipFill>
+          <a:blip r:embed="rId3"/>
+          <a:stretch>
+            <a:fillRect/>
+          </a:stretch>
+        </p:blipFill>
+        <p:spPr>
+          <a:xfrm>
+            <a:off x="4296996" y="0"/>
+            <a:ext cx="7895004" cy="472481"/>
+          </a:xfrm>
+          <a:prstGeom prst="rect">
+            <a:avLst/>
+          </a:prstGeom>
+        </p:spPr>
+      </p:pic>
+    </p:spTree>
+    <p:extLst>
+      <p:ext uri="{BB962C8B-B14F-4D97-AF65-F5344CB8AC3E}">
+        <p14:creationId xmlns:p14="http://schemas.microsoft.com/office/powerpoint/2010/main" val="4241383309"/>
+      </p:ext>
+    </p:extLst>
+  </p:cSld>
+  <p:clrMapOvr>
+    <a:masterClrMapping/>
+  </p:clrMapOvr>
+  <mc:AlternateContent xmlns:mc="http://schemas.openxmlformats.org/markup-compatibility/2006" xmlns:p159="http://schemas.microsoft.com/office/powerpoint/2015/09/main">
+    <mc:Choice Requires="p159">
+      <p:transition xmlns:p14="http://schemas.microsoft.com/office/powerpoint/2010/main" spd="slow" p14:dur="2000">
+        <p159:morph option="byObject"/>
+      </p:transition>
+    </mc:Choice>
+    <mc:Fallback xmlns="">
+      <p:transition spd="slow">
+        <p:fade/>
+      </p:transition>
+    </mc:Fallback>
+  </mc:AlternateContent>
+</p:sld>
+</file>
+
 <file path=ppt/slides/slide6.xml><?xml version="1.0" encoding="utf-8"?>
 <p:sld xmlns:a="http://schemas.openxmlformats.org/drawingml/2006/main" xmlns:r="http://schemas.openxmlformats.org/officeDocument/2006/relationships" xmlns:p="http://schemas.openxmlformats.org/presentationml/2006/main">
   <p:cSld>
@@ -7820,7 +7873,7 @@
         <p:spPr>
           <a:xfrm>
             <a:off x="4514197" y="541624"/>
-            <a:ext cx="2769472" cy="400110"/>
+            <a:ext cx="3305500" cy="400110"/>
           </a:xfrm>
           <a:prstGeom prst="rect">
             <a:avLst/>
@@ -7844,7 +7897,7 @@
                 <a:latin typeface="+mj-ea"/>
                 <a:ea typeface="+mj-ea"/>
               </a:rPr>
-              <a:t>Time</a:t>
+              <a:t>GIS</a:t>
             </a:r>
             <a:r>
               <a:rPr lang="ko-KR" altLang="en-US" sz="2000" dirty="0">
@@ -7870,7 +7923,11 @@
                 <a:latin typeface="+mj-ea"/>
                 <a:ea typeface="+mj-ea"/>
               </a:rPr>
-              <a:t>- performance</a:t>
+              <a:t>- C</a:t>
+            </a:r>
+            <a:r>
+              <a:rPr lang="en-US" altLang="ko-KR" dirty="0"/>
+              <a:t>ultural properties</a:t>
             </a:r>
             <a:endParaRPr lang="ko-KR" altLang="en-US" sz="2000" dirty="0">
               <a:solidFill>
@@ -7887,10 +7944,10 @@
       </p:sp>
       <p:pic>
         <p:nvPicPr>
-          <p:cNvPr id="3" name="그림 2">
-            <a:extLst>
-              <a:ext uri="{FF2B5EF4-FFF2-40B4-BE49-F238E27FC236}">
-                <a16:creationId xmlns:a16="http://schemas.microsoft.com/office/drawing/2014/main" id="{E5C56957-CDB2-402B-A14F-F24CCE68DE18}"/>
+          <p:cNvPr id="4" name="그림 3">
+            <a:extLst>
+              <a:ext uri="{FF2B5EF4-FFF2-40B4-BE49-F238E27FC236}">
+                <a16:creationId xmlns:a16="http://schemas.microsoft.com/office/drawing/2014/main" id="{B703AB48-579A-47A2-9C1C-66CC11BC1011}"/>
               </a:ext>
             </a:extLst>
           </p:cNvPr>
@@ -7907,8 +7964,8 @@
         </p:blipFill>
         <p:spPr>
           <a:xfrm>
-            <a:off x="3535354" y="1126400"/>
-            <a:ext cx="5121292" cy="5484076"/>
+            <a:off x="4296996" y="0"/>
+            <a:ext cx="7895004" cy="472481"/>
           </a:xfrm>
           <a:prstGeom prst="rect">
             <a:avLst/>
@@ -7917,10 +7974,10 @@
       </p:pic>
       <p:pic>
         <p:nvPicPr>
-          <p:cNvPr id="4" name="그림 3">
-            <a:extLst>
-              <a:ext uri="{FF2B5EF4-FFF2-40B4-BE49-F238E27FC236}">
-                <a16:creationId xmlns:a16="http://schemas.microsoft.com/office/drawing/2014/main" id="{FB775D28-0C8C-4302-A878-44C9AE19FC4E}"/>
+          <p:cNvPr id="5" name="그림 4">
+            <a:extLst>
+              <a:ext uri="{FF2B5EF4-FFF2-40B4-BE49-F238E27FC236}">
+                <a16:creationId xmlns:a16="http://schemas.microsoft.com/office/drawing/2014/main" id="{73D75A70-8BDB-4528-BF73-46F5472957B6}"/>
               </a:ext>
             </a:extLst>
           </p:cNvPr>
@@ -7937,8 +7994,8 @@
         </p:blipFill>
         <p:spPr>
           <a:xfrm>
-            <a:off x="4205548" y="-24196"/>
-            <a:ext cx="7986452" cy="510584"/>
+            <a:off x="3885590" y="1271176"/>
+            <a:ext cx="4420820" cy="4723024"/>
           </a:xfrm>
           <a:prstGeom prst="rect">
             <a:avLst/>
@@ -7948,7 +8005,7 @@
     </p:spTree>
     <p:extLst>
       <p:ext uri="{BB962C8B-B14F-4D97-AF65-F5344CB8AC3E}">
-        <p14:creationId xmlns:p14="http://schemas.microsoft.com/office/powerpoint/2010/main" val="1908723292"/>
+        <p14:creationId xmlns:p14="http://schemas.microsoft.com/office/powerpoint/2010/main" val="3351746689"/>
       </p:ext>
     </p:extLst>
   </p:cSld>
@@ -8262,7 +8319,7 @@
         <p:spPr>
           <a:xfrm>
             <a:off x="4514197" y="541624"/>
-            <a:ext cx="2002209" cy="400110"/>
+            <a:ext cx="3305500" cy="400110"/>
           </a:xfrm>
           <a:prstGeom prst="rect">
             <a:avLst/>
@@ -8286,7 +8343,7 @@
                 <a:latin typeface="+mj-ea"/>
                 <a:ea typeface="+mj-ea"/>
               </a:rPr>
-              <a:t>Time</a:t>
+              <a:t>GIS</a:t>
             </a:r>
             <a:r>
               <a:rPr lang="ko-KR" altLang="en-US" sz="2000" dirty="0">
@@ -8312,7 +8369,11 @@
                 <a:latin typeface="+mj-ea"/>
                 <a:ea typeface="+mj-ea"/>
               </a:rPr>
-              <a:t>- Festival</a:t>
+              <a:t>– C</a:t>
+            </a:r>
+            <a:r>
+              <a:rPr lang="en-US" altLang="ko-KR" dirty="0"/>
+              <a:t>ulture Oasis</a:t>
             </a:r>
             <a:endParaRPr lang="ko-KR" altLang="en-US" sz="2000" dirty="0">
               <a:solidFill>
@@ -8329,10 +8390,10 @@
       </p:sp>
       <p:pic>
         <p:nvPicPr>
-          <p:cNvPr id="5" name="그림 4">
-            <a:extLst>
-              <a:ext uri="{FF2B5EF4-FFF2-40B4-BE49-F238E27FC236}">
-                <a16:creationId xmlns:a16="http://schemas.microsoft.com/office/drawing/2014/main" id="{337BFDBA-70D7-4FDE-86A7-CB8D69167529}"/>
+          <p:cNvPr id="3" name="그림 2">
+            <a:extLst>
+              <a:ext uri="{FF2B5EF4-FFF2-40B4-BE49-F238E27FC236}">
+                <a16:creationId xmlns:a16="http://schemas.microsoft.com/office/drawing/2014/main" id="{872FF3FE-D1FF-46F6-ACA1-581CE89A61BB}"/>
               </a:ext>
             </a:extLst>
           </p:cNvPr>
@@ -8349,38 +8410,8 @@
         </p:blipFill>
         <p:spPr>
           <a:xfrm>
-            <a:off x="3699038" y="1126400"/>
-            <a:ext cx="4793923" cy="5586619"/>
-          </a:xfrm>
-          <a:prstGeom prst="rect">
-            <a:avLst/>
-          </a:prstGeom>
-        </p:spPr>
-      </p:pic>
-      <p:pic>
-        <p:nvPicPr>
-          <p:cNvPr id="6" name="그림 5">
-            <a:extLst>
-              <a:ext uri="{FF2B5EF4-FFF2-40B4-BE49-F238E27FC236}">
-                <a16:creationId xmlns:a16="http://schemas.microsoft.com/office/drawing/2014/main" id="{11E8250C-631E-4F95-B0AE-8B2B3F82157A}"/>
-              </a:ext>
-            </a:extLst>
-          </p:cNvPr>
-          <p:cNvPicPr>
-            <a:picLocks noChangeAspect="1"/>
-          </p:cNvPicPr>
-          <p:nvPr/>
-        </p:nvPicPr>
-        <p:blipFill>
-          <a:blip r:embed="rId3"/>
-          <a:stretch>
-            <a:fillRect/>
-          </a:stretch>
-        </p:blipFill>
-        <p:spPr>
-          <a:xfrm>
-            <a:off x="4098859" y="0"/>
-            <a:ext cx="8093141" cy="472481"/>
+            <a:off x="1557667" y="1403131"/>
+            <a:ext cx="9218559" cy="5038510"/>
           </a:xfrm>
           <a:prstGeom prst="rect">
             <a:avLst/>
@@ -8390,7 +8421,7 @@
     </p:spTree>
     <p:extLst>
       <p:ext uri="{BB962C8B-B14F-4D97-AF65-F5344CB8AC3E}">
-        <p14:creationId xmlns:p14="http://schemas.microsoft.com/office/powerpoint/2010/main" val="2418672243"/>
+        <p14:creationId xmlns:p14="http://schemas.microsoft.com/office/powerpoint/2010/main" val="2821930374"/>
       </p:ext>
     </p:extLst>
   </p:cSld>
@@ -8754,11 +8785,11 @@
                 <a:latin typeface="+mj-ea"/>
                 <a:ea typeface="+mj-ea"/>
               </a:rPr>
-              <a:t>- C</a:t>
+              <a:t>– C</a:t>
             </a:r>
             <a:r>
               <a:rPr lang="en-US" altLang="ko-KR" dirty="0"/>
-              <a:t>ultural properties</a:t>
+              <a:t>ulture Oasis</a:t>
             </a:r>
             <a:endParaRPr lang="ko-KR" altLang="en-US" sz="2000" dirty="0">
               <a:solidFill>
@@ -8775,10 +8806,10 @@
       </p:sp>
       <p:pic>
         <p:nvPicPr>
-          <p:cNvPr id="3" name="그림 2">
-            <a:extLst>
-              <a:ext uri="{FF2B5EF4-FFF2-40B4-BE49-F238E27FC236}">
-                <a16:creationId xmlns:a16="http://schemas.microsoft.com/office/drawing/2014/main" id="{19FF7912-20A9-45B6-8D44-4470CE5C59B4}"/>
+          <p:cNvPr id="4" name="그림 3">
+            <a:extLst>
+              <a:ext uri="{FF2B5EF4-FFF2-40B4-BE49-F238E27FC236}">
+                <a16:creationId xmlns:a16="http://schemas.microsoft.com/office/drawing/2014/main" id="{C55CAD89-0AB0-407E-B8BF-2DADC38719D1}"/>
               </a:ext>
             </a:extLst>
           </p:cNvPr>
@@ -8795,38 +8826,8 @@
         </p:blipFill>
         <p:spPr>
           <a:xfrm>
-            <a:off x="3862309" y="1126400"/>
-            <a:ext cx="4467382" cy="5633645"/>
-          </a:xfrm>
-          <a:prstGeom prst="rect">
-            <a:avLst/>
-          </a:prstGeom>
-        </p:spPr>
-      </p:pic>
-      <p:pic>
-        <p:nvPicPr>
-          <p:cNvPr id="4" name="그림 3">
-            <a:extLst>
-              <a:ext uri="{FF2B5EF4-FFF2-40B4-BE49-F238E27FC236}">
-                <a16:creationId xmlns:a16="http://schemas.microsoft.com/office/drawing/2014/main" id="{B703AB48-579A-47A2-9C1C-66CC11BC1011}"/>
-              </a:ext>
-            </a:extLst>
-          </p:cNvPr>
-          <p:cNvPicPr>
-            <a:picLocks noChangeAspect="1"/>
-          </p:cNvPicPr>
-          <p:nvPr/>
-        </p:nvPicPr>
-        <p:blipFill>
-          <a:blip r:embed="rId3"/>
-          <a:stretch>
-            <a:fillRect/>
-          </a:stretch>
-        </p:blipFill>
-        <p:spPr>
-          <a:xfrm>
-            <a:off x="4296996" y="0"/>
-            <a:ext cx="7895004" cy="472481"/>
+            <a:off x="2675173" y="1126400"/>
+            <a:ext cx="6841654" cy="5688143"/>
           </a:xfrm>
           <a:prstGeom prst="rect">
             <a:avLst/>
@@ -8836,7 +8837,7 @@
     </p:spTree>
     <p:extLst>
       <p:ext uri="{BB962C8B-B14F-4D97-AF65-F5344CB8AC3E}">
-        <p14:creationId xmlns:p14="http://schemas.microsoft.com/office/powerpoint/2010/main" val="4241383309"/>
+        <p14:creationId xmlns:p14="http://schemas.microsoft.com/office/powerpoint/2010/main" val="2482912631"/>
       </p:ext>
     </p:extLst>
   </p:cSld>
@@ -8877,55 +8878,6 @@
       </p:grpSpPr>
       <p:sp>
         <p:nvSpPr>
-          <p:cNvPr id="16" name="직사각형 15">
-            <a:extLst>
-              <a:ext uri="{FF2B5EF4-FFF2-40B4-BE49-F238E27FC236}">
-                <a16:creationId xmlns:a16="http://schemas.microsoft.com/office/drawing/2014/main" id="{0DE9F634-4134-4BCF-879A-017CFBF4E700}"/>
-              </a:ext>
-            </a:extLst>
-          </p:cNvPr>
-          <p:cNvSpPr/>
-          <p:nvPr/>
-        </p:nvSpPr>
-        <p:spPr>
-          <a:xfrm>
-            <a:off x="11148933" y="6814543"/>
-            <a:ext cx="626228" cy="45719"/>
-          </a:xfrm>
-          <a:prstGeom prst="rect">
-            <a:avLst/>
-          </a:prstGeom>
-          <a:ln>
-            <a:noFill/>
-          </a:ln>
-        </p:spPr>
-        <p:style>
-          <a:lnRef idx="2">
-            <a:schemeClr val="accent1">
-              <a:shade val="50000"/>
-            </a:schemeClr>
-          </a:lnRef>
-          <a:fillRef idx="1">
-            <a:schemeClr val="accent1"/>
-          </a:fillRef>
-          <a:effectRef idx="0">
-            <a:schemeClr val="accent1"/>
-          </a:effectRef>
-          <a:fontRef idx="minor">
-            <a:schemeClr val="lt1"/>
-          </a:fontRef>
-        </p:style>
-        <p:txBody>
-          <a:bodyPr rtlCol="0" anchor="ctr"/>
-          <a:lstStyle/>
-          <a:p>
-            <a:pPr algn="ctr"/>
-            <a:endParaRPr lang="ko-KR" altLang="en-US"/>
-          </a:p>
-        </p:txBody>
-      </p:sp>
-      <p:sp>
-        <p:nvSpPr>
           <p:cNvPr id="17" name="TextBox 16">
             <a:extLst>
               <a:ext uri="{FF2B5EF4-FFF2-40B4-BE49-F238E27FC236}">
@@ -9200,11 +9152,11 @@
                 <a:latin typeface="+mj-ea"/>
                 <a:ea typeface="+mj-ea"/>
               </a:rPr>
-              <a:t>- C</a:t>
+              <a:t>– C</a:t>
             </a:r>
             <a:r>
               <a:rPr lang="en-US" altLang="ko-KR" dirty="0"/>
-              <a:t>ultural properties</a:t>
+              <a:t>ulture Oasis</a:t>
             </a:r>
             <a:endParaRPr lang="ko-KR" altLang="en-US" sz="2000" dirty="0">
               <a:solidFill>
@@ -9219,70 +9171,486 @@
           </a:p>
         </p:txBody>
       </p:sp>
-      <p:pic>
-        <p:nvPicPr>
-          <p:cNvPr id="4" name="그림 3">
-            <a:extLst>
-              <a:ext uri="{FF2B5EF4-FFF2-40B4-BE49-F238E27FC236}">
-                <a16:creationId xmlns:a16="http://schemas.microsoft.com/office/drawing/2014/main" id="{B703AB48-579A-47A2-9C1C-66CC11BC1011}"/>
-              </a:ext>
-            </a:extLst>
-          </p:cNvPr>
-          <p:cNvPicPr>
-            <a:picLocks noChangeAspect="1"/>
-          </p:cNvPicPr>
+      <p:sp>
+        <p:nvSpPr>
+          <p:cNvPr id="3" name="직사각형 2">
+            <a:extLst>
+              <a:ext uri="{FF2B5EF4-FFF2-40B4-BE49-F238E27FC236}">
+                <a16:creationId xmlns:a16="http://schemas.microsoft.com/office/drawing/2014/main" id="{8826F9AD-4399-42BB-BB54-A4C93ED6DD7F}"/>
+              </a:ext>
+            </a:extLst>
+          </p:cNvPr>
+          <p:cNvSpPr/>
           <p:nvPr/>
-        </p:nvPicPr>
-        <p:blipFill>
-          <a:blip r:embed="rId2"/>
-          <a:stretch>
-            <a:fillRect/>
-          </a:stretch>
-        </p:blipFill>
-        <p:spPr>
-          <a:xfrm>
-            <a:off x="4296996" y="0"/>
-            <a:ext cx="7895004" cy="472481"/>
+        </p:nvSpPr>
+        <p:spPr>
+          <a:xfrm>
+            <a:off x="1366345" y="2522483"/>
+            <a:ext cx="3689120" cy="2364827"/>
           </a:xfrm>
           <a:prstGeom prst="rect">
             <a:avLst/>
           </a:prstGeom>
-        </p:spPr>
-      </p:pic>
-      <p:pic>
-        <p:nvPicPr>
-          <p:cNvPr id="5" name="그림 4">
-            <a:extLst>
-              <a:ext uri="{FF2B5EF4-FFF2-40B4-BE49-F238E27FC236}">
-                <a16:creationId xmlns:a16="http://schemas.microsoft.com/office/drawing/2014/main" id="{73D75A70-8BDB-4528-BF73-46F5472957B6}"/>
-              </a:ext>
-            </a:extLst>
-          </p:cNvPr>
-          <p:cNvPicPr>
-            <a:picLocks noChangeAspect="1"/>
-          </p:cNvPicPr>
+          <a:ln>
+            <a:noFill/>
+          </a:ln>
+        </p:spPr>
+        <p:style>
+          <a:lnRef idx="2">
+            <a:schemeClr val="accent1">
+              <a:shade val="50000"/>
+            </a:schemeClr>
+          </a:lnRef>
+          <a:fillRef idx="1">
+            <a:schemeClr val="accent1"/>
+          </a:fillRef>
+          <a:effectRef idx="0">
+            <a:schemeClr val="accent1"/>
+          </a:effectRef>
+          <a:fontRef idx="minor">
+            <a:schemeClr val="lt1"/>
+          </a:fontRef>
+        </p:style>
+        <p:txBody>
+          <a:bodyPr rtlCol="0" anchor="ctr"/>
+          <a:lstStyle/>
+          <a:p>
+            <a:pPr algn="ctr"/>
+            <a:r>
+              <a:rPr lang="en-US" altLang="ko-KR" sz="3600" dirty="0"/>
+              <a:t>Oasis</a:t>
+            </a:r>
+            <a:endParaRPr lang="ko-KR" altLang="en-US" sz="3600" dirty="0"/>
+          </a:p>
+        </p:txBody>
+      </p:sp>
+      <p:sp>
+        <p:nvSpPr>
+          <p:cNvPr id="11" name="직사각형 10">
+            <a:extLst>
+              <a:ext uri="{FF2B5EF4-FFF2-40B4-BE49-F238E27FC236}">
+                <a16:creationId xmlns:a16="http://schemas.microsoft.com/office/drawing/2014/main" id="{72806942-DD2C-4C52-8920-F4C2EDC7EAD9}"/>
+              </a:ext>
+            </a:extLst>
+          </p:cNvPr>
+          <p:cNvSpPr/>
           <p:nvPr/>
-        </p:nvPicPr>
-        <p:blipFill>
-          <a:blip r:embed="rId3"/>
-          <a:stretch>
-            <a:fillRect/>
-          </a:stretch>
-        </p:blipFill>
-        <p:spPr>
-          <a:xfrm>
-            <a:off x="3885590" y="1271176"/>
-            <a:ext cx="4420820" cy="4723024"/>
+        </p:nvSpPr>
+        <p:spPr>
+          <a:xfrm>
+            <a:off x="6367716" y="1226948"/>
+            <a:ext cx="4319742" cy="641745"/>
           </a:xfrm>
           <a:prstGeom prst="rect">
             <a:avLst/>
           </a:prstGeom>
-        </p:spPr>
-      </p:pic>
+          <a:solidFill>
+            <a:schemeClr val="accent2">
+              <a:lumMod val="50000"/>
+            </a:schemeClr>
+          </a:solidFill>
+          <a:ln>
+            <a:noFill/>
+          </a:ln>
+        </p:spPr>
+        <p:style>
+          <a:lnRef idx="2">
+            <a:schemeClr val="accent1">
+              <a:shade val="50000"/>
+            </a:schemeClr>
+          </a:lnRef>
+          <a:fillRef idx="1">
+            <a:schemeClr val="accent1"/>
+          </a:fillRef>
+          <a:effectRef idx="0">
+            <a:schemeClr val="accent1"/>
+          </a:effectRef>
+          <a:fontRef idx="minor">
+            <a:schemeClr val="lt1"/>
+          </a:fontRef>
+        </p:style>
+        <p:txBody>
+          <a:bodyPr rtlCol="0" anchor="ctr"/>
+          <a:lstStyle/>
+          <a:p>
+            <a:pPr algn="ctr"/>
+            <a:r>
+              <a:rPr lang="ko-KR" altLang="en-US" dirty="0"/>
+              <a:t>활동 분야 </a:t>
+            </a:r>
+            <a:r>
+              <a:rPr lang="en-US" altLang="ko-KR" dirty="0"/>
+              <a:t>+</a:t>
+            </a:r>
+            <a:r>
+              <a:rPr lang="ko-KR" altLang="en-US" dirty="0"/>
+              <a:t> 내용</a:t>
+            </a:r>
+          </a:p>
+        </p:txBody>
+      </p:sp>
+      <p:sp>
+        <p:nvSpPr>
+          <p:cNvPr id="12" name="직사각형 11">
+            <a:extLst>
+              <a:ext uri="{FF2B5EF4-FFF2-40B4-BE49-F238E27FC236}">
+                <a16:creationId xmlns:a16="http://schemas.microsoft.com/office/drawing/2014/main" id="{2CAAFB54-2D85-49F7-86A4-C5FD96E028FF}"/>
+              </a:ext>
+            </a:extLst>
+          </p:cNvPr>
+          <p:cNvSpPr/>
+          <p:nvPr/>
+        </p:nvSpPr>
+        <p:spPr>
+          <a:xfrm>
+            <a:off x="6396919" y="3338546"/>
+            <a:ext cx="4319742" cy="641745"/>
+          </a:xfrm>
+          <a:prstGeom prst="rect">
+            <a:avLst/>
+          </a:prstGeom>
+          <a:solidFill>
+            <a:schemeClr val="accent3">
+              <a:lumMod val="60000"/>
+              <a:lumOff val="40000"/>
+            </a:schemeClr>
+          </a:solidFill>
+          <a:ln>
+            <a:noFill/>
+          </a:ln>
+        </p:spPr>
+        <p:style>
+          <a:lnRef idx="2">
+            <a:schemeClr val="accent1">
+              <a:shade val="50000"/>
+            </a:schemeClr>
+          </a:lnRef>
+          <a:fillRef idx="1">
+            <a:schemeClr val="accent1"/>
+          </a:fillRef>
+          <a:effectRef idx="0">
+            <a:schemeClr val="accent1"/>
+          </a:effectRef>
+          <a:fontRef idx="minor">
+            <a:schemeClr val="lt1"/>
+          </a:fontRef>
+        </p:style>
+        <p:txBody>
+          <a:bodyPr rtlCol="0" anchor="ctr"/>
+          <a:lstStyle/>
+          <a:p>
+            <a:pPr algn="ctr"/>
+            <a:r>
+              <a:rPr lang="ko-KR" altLang="en-US" dirty="0"/>
+              <a:t>고유 번호</a:t>
+            </a:r>
+          </a:p>
+        </p:txBody>
+      </p:sp>
+      <p:sp>
+        <p:nvSpPr>
+          <p:cNvPr id="13" name="직사각형 12">
+            <a:extLst>
+              <a:ext uri="{FF2B5EF4-FFF2-40B4-BE49-F238E27FC236}">
+                <a16:creationId xmlns:a16="http://schemas.microsoft.com/office/drawing/2014/main" id="{84CF4A93-066D-466E-B07A-61306DF9DA48}"/>
+              </a:ext>
+            </a:extLst>
+          </p:cNvPr>
+          <p:cNvSpPr/>
+          <p:nvPr/>
+        </p:nvSpPr>
+        <p:spPr>
+          <a:xfrm>
+            <a:off x="6396919" y="4398943"/>
+            <a:ext cx="4319742" cy="641745"/>
+          </a:xfrm>
+          <a:prstGeom prst="rect">
+            <a:avLst/>
+          </a:prstGeom>
+          <a:solidFill>
+            <a:schemeClr val="accent2">
+              <a:lumMod val="50000"/>
+            </a:schemeClr>
+          </a:solidFill>
+          <a:ln>
+            <a:noFill/>
+          </a:ln>
+        </p:spPr>
+        <p:style>
+          <a:lnRef idx="2">
+            <a:schemeClr val="accent1">
+              <a:shade val="50000"/>
+            </a:schemeClr>
+          </a:lnRef>
+          <a:fillRef idx="1">
+            <a:schemeClr val="accent1"/>
+          </a:fillRef>
+          <a:effectRef idx="0">
+            <a:schemeClr val="accent1"/>
+          </a:effectRef>
+          <a:fontRef idx="minor">
+            <a:schemeClr val="lt1"/>
+          </a:fontRef>
+        </p:style>
+        <p:txBody>
+          <a:bodyPr rtlCol="0" anchor="ctr"/>
+          <a:lstStyle/>
+          <a:p>
+            <a:pPr algn="ctr"/>
+            <a:r>
+              <a:rPr lang="ko-KR" altLang="en-US" dirty="0"/>
+              <a:t>전시</a:t>
+            </a:r>
+            <a:r>
+              <a:rPr lang="en-US" altLang="ko-KR" dirty="0"/>
+              <a:t>/</a:t>
+            </a:r>
+            <a:r>
+              <a:rPr lang="ko-KR" altLang="en-US" dirty="0"/>
+              <a:t>공연</a:t>
+            </a:r>
+          </a:p>
+        </p:txBody>
+      </p:sp>
+      <p:sp>
+        <p:nvSpPr>
+          <p:cNvPr id="14" name="직사각형 13">
+            <a:extLst>
+              <a:ext uri="{FF2B5EF4-FFF2-40B4-BE49-F238E27FC236}">
+                <a16:creationId xmlns:a16="http://schemas.microsoft.com/office/drawing/2014/main" id="{4FA6C33E-A41B-402E-BDFE-380019C442AF}"/>
+              </a:ext>
+            </a:extLst>
+          </p:cNvPr>
+          <p:cNvSpPr/>
+          <p:nvPr/>
+        </p:nvSpPr>
+        <p:spPr>
+          <a:xfrm>
+            <a:off x="6396919" y="5454869"/>
+            <a:ext cx="4319742" cy="641745"/>
+          </a:xfrm>
+          <a:prstGeom prst="rect">
+            <a:avLst/>
+          </a:prstGeom>
+          <a:solidFill>
+            <a:schemeClr val="accent2">
+              <a:lumMod val="50000"/>
+            </a:schemeClr>
+          </a:solidFill>
+          <a:ln>
+            <a:noFill/>
+          </a:ln>
+        </p:spPr>
+        <p:style>
+          <a:lnRef idx="2">
+            <a:schemeClr val="accent1">
+              <a:shade val="50000"/>
+            </a:schemeClr>
+          </a:lnRef>
+          <a:fillRef idx="1">
+            <a:schemeClr val="accent1"/>
+          </a:fillRef>
+          <a:effectRef idx="0">
+            <a:schemeClr val="accent1"/>
+          </a:effectRef>
+          <a:fontRef idx="minor">
+            <a:schemeClr val="lt1"/>
+          </a:fontRef>
+        </p:style>
+        <p:txBody>
+          <a:bodyPr rtlCol="0" anchor="ctr"/>
+          <a:lstStyle/>
+          <a:p>
+            <a:pPr algn="ctr"/>
+            <a:r>
+              <a:rPr lang="ko-KR" altLang="en-US" dirty="0"/>
+              <a:t>장소 </a:t>
+            </a:r>
+            <a:r>
+              <a:rPr lang="en-US" altLang="ko-KR" dirty="0"/>
+              <a:t>+ </a:t>
+            </a:r>
+            <a:r>
+              <a:rPr lang="ko-KR" altLang="en-US" dirty="0"/>
+              <a:t>전화번호</a:t>
+            </a:r>
+          </a:p>
+        </p:txBody>
+      </p:sp>
+      <p:sp>
+        <p:nvSpPr>
+          <p:cNvPr id="15" name="TextBox 14">
+            <a:extLst>
+              <a:ext uri="{FF2B5EF4-FFF2-40B4-BE49-F238E27FC236}">
+                <a16:creationId xmlns:a16="http://schemas.microsoft.com/office/drawing/2014/main" id="{37050786-BDD2-4B0E-914F-8C0C94280262}"/>
+              </a:ext>
+            </a:extLst>
+          </p:cNvPr>
+          <p:cNvSpPr txBox="1"/>
+          <p:nvPr/>
+        </p:nvSpPr>
+        <p:spPr>
+          <a:xfrm>
+            <a:off x="1605451" y="5040688"/>
+            <a:ext cx="3305500" cy="400110"/>
+          </a:xfrm>
+          <a:prstGeom prst="rect">
+            <a:avLst/>
+          </a:prstGeom>
+          <a:noFill/>
+        </p:spPr>
+        <p:txBody>
+          <a:bodyPr wrap="square" rtlCol="0">
+            <a:spAutoFit/>
+          </a:bodyPr>
+          <a:lstStyle/>
+          <a:p>
+            <a:pPr algn="ctr"/>
+            <a:r>
+              <a:rPr lang="en-US" altLang="ko-KR" sz="2000" dirty="0">
+                <a:solidFill>
+                  <a:schemeClr val="tx1">
+                    <a:lumMod val="85000"/>
+                    <a:lumOff val="15000"/>
+                  </a:schemeClr>
+                </a:solidFill>
+                <a:latin typeface="+mj-ea"/>
+                <a:ea typeface="+mj-ea"/>
+              </a:rPr>
+              <a:t>Attribute 7</a:t>
+            </a:r>
+            <a:r>
+              <a:rPr lang="ko-KR" altLang="en-US" sz="2000" dirty="0">
+                <a:solidFill>
+                  <a:schemeClr val="tx1">
+                    <a:lumMod val="85000"/>
+                    <a:lumOff val="15000"/>
+                  </a:schemeClr>
+                </a:solidFill>
+                <a:latin typeface="+mj-ea"/>
+                <a:ea typeface="+mj-ea"/>
+              </a:rPr>
+              <a:t>개</a:t>
+            </a:r>
+          </a:p>
+        </p:txBody>
+      </p:sp>
+      <p:sp>
+        <p:nvSpPr>
+          <p:cNvPr id="20" name="직사각형 19">
+            <a:extLst>
+              <a:ext uri="{FF2B5EF4-FFF2-40B4-BE49-F238E27FC236}">
+                <a16:creationId xmlns:a16="http://schemas.microsoft.com/office/drawing/2014/main" id="{6F6156D2-8B2A-47C7-9520-083F5F370904}"/>
+              </a:ext>
+            </a:extLst>
+          </p:cNvPr>
+          <p:cNvSpPr/>
+          <p:nvPr/>
+        </p:nvSpPr>
+        <p:spPr>
+          <a:xfrm>
+            <a:off x="6367716" y="2278149"/>
+            <a:ext cx="4319742" cy="641745"/>
+          </a:xfrm>
+          <a:prstGeom prst="rect">
+            <a:avLst/>
+          </a:prstGeom>
+          <a:solidFill>
+            <a:schemeClr val="accent2">
+              <a:lumMod val="50000"/>
+            </a:schemeClr>
+          </a:solidFill>
+          <a:ln>
+            <a:noFill/>
+          </a:ln>
+        </p:spPr>
+        <p:style>
+          <a:lnRef idx="2">
+            <a:schemeClr val="accent1">
+              <a:shade val="50000"/>
+            </a:schemeClr>
+          </a:lnRef>
+          <a:fillRef idx="1">
+            <a:schemeClr val="accent1"/>
+          </a:fillRef>
+          <a:effectRef idx="0">
+            <a:schemeClr val="accent1"/>
+          </a:effectRef>
+          <a:fontRef idx="minor">
+            <a:schemeClr val="lt1"/>
+          </a:fontRef>
+        </p:style>
+        <p:txBody>
+          <a:bodyPr rtlCol="0" anchor="ctr"/>
+          <a:lstStyle/>
+          <a:p>
+            <a:pPr algn="ctr"/>
+            <a:r>
+              <a:rPr lang="ko-KR" altLang="en-US" dirty="0"/>
+              <a:t>지역코드화 지역저장</a:t>
+            </a:r>
+          </a:p>
+        </p:txBody>
+      </p:sp>
+      <p:sp>
+        <p:nvSpPr>
+          <p:cNvPr id="21" name="TextBox 20">
+            <a:extLst>
+              <a:ext uri="{FF2B5EF4-FFF2-40B4-BE49-F238E27FC236}">
+                <a16:creationId xmlns:a16="http://schemas.microsoft.com/office/drawing/2014/main" id="{40B06545-0D52-49C3-9F15-C1E8AF8AA978}"/>
+              </a:ext>
+            </a:extLst>
+          </p:cNvPr>
+          <p:cNvSpPr txBox="1"/>
+          <p:nvPr/>
+        </p:nvSpPr>
+        <p:spPr>
+          <a:xfrm>
+            <a:off x="1460938" y="1968995"/>
+            <a:ext cx="3305500" cy="400110"/>
+          </a:xfrm>
+          <a:prstGeom prst="rect">
+            <a:avLst/>
+          </a:prstGeom>
+          <a:noFill/>
+        </p:spPr>
+        <p:txBody>
+          <a:bodyPr wrap="square" rtlCol="0">
+            <a:spAutoFit/>
+          </a:bodyPr>
+          <a:lstStyle/>
+          <a:p>
+            <a:pPr algn="ctr"/>
+            <a:r>
+              <a:rPr lang="en-US" altLang="ko-KR" sz="2000" dirty="0">
+                <a:solidFill>
+                  <a:schemeClr val="tx1">
+                    <a:lumMod val="85000"/>
+                    <a:lumOff val="15000"/>
+                  </a:schemeClr>
+                </a:solidFill>
+                <a:latin typeface="+mj-ea"/>
+                <a:ea typeface="+mj-ea"/>
+              </a:rPr>
+              <a:t>My SQL DB</a:t>
+            </a:r>
+            <a:endParaRPr lang="ko-KR" altLang="en-US" sz="2000" dirty="0">
+              <a:solidFill>
+                <a:schemeClr val="tx1">
+                  <a:lumMod val="85000"/>
+                  <a:lumOff val="15000"/>
+                </a:schemeClr>
+              </a:solidFill>
+              <a:latin typeface="+mj-ea"/>
+              <a:ea typeface="+mj-ea"/>
+            </a:endParaRPr>
+          </a:p>
+        </p:txBody>
+      </p:sp>
     </p:spTree>
     <p:extLst>
       <p:ext uri="{BB962C8B-B14F-4D97-AF65-F5344CB8AC3E}">
-        <p14:creationId xmlns:p14="http://schemas.microsoft.com/office/powerpoint/2010/main" val="3351746689"/>
+        <p14:creationId xmlns:p14="http://schemas.microsoft.com/office/powerpoint/2010/main" val="354027427"/>
       </p:ext>
     </p:extLst>
   </p:cSld>
